--- a/ProgrammingDocs/Gamepad_AT_2022_11302022.pptx
+++ b/ProgrammingDocs/Gamepad_AT_2022_11302022.pptx
@@ -5,12 +5,11 @@
     <p:sldMasterId id="2147483648" r:id="rId1"/>
   </p:sldMasterIdLst>
   <p:notesMasterIdLst>
-    <p:notesMasterId r:id="rId5"/>
+    <p:notesMasterId r:id="rId4"/>
   </p:notesMasterIdLst>
   <p:sldIdLst>
     <p:sldId id="256" r:id="rId2"/>
     <p:sldId id="259" r:id="rId3"/>
-    <p:sldId id="260" r:id="rId4"/>
   </p:sldIdLst>
   <p:sldSz cx="12192000" cy="6858000"/>
   <p:notesSz cx="7099300" cy="9385300"/>
@@ -248,7 +247,7 @@
       <p15:sldGuideLst xmlns:p15="http://schemas.microsoft.com/office/powerpoint/2012/main"/>
     </p:ext>
     <p:ext uri="http://customooxmlschemas.google.com/">
-      <go:slidesCustomData xmlns:go="http://customooxmlschemas.google.com/" xmlns:ahyp="http://schemas.microsoft.com/office/drawing/2018/hyperlinkcolor" xmlns:p15="http://schemas.microsoft.com/office/powerpoint/2012/main" xmlns:p14="http://schemas.microsoft.com/office/powerpoint/2010/main" xmlns:com="http://schemas.openxmlformats.org/drawingml/2006/compatibility" xmlns:pvml="urn:schemas-microsoft-com:office:powerpoint" xmlns:v="urn:schemas-microsoft-com:vml" xmlns:o="urn:schemas-microsoft-com:office:office" xmlns:dgm="http://schemas.openxmlformats.org/drawingml/2006/diagram" xmlns:c="http://schemas.openxmlformats.org/drawingml/2006/chart" xmlns:mv="urn:schemas-microsoft-com:mac:vml" xmlns:mc="http://schemas.openxmlformats.org/markup-compatibility/2006" xmlns="" r:id="rId9" roundtripDataSignature="AMtx7mg7/Uy38vozo7lv7lODiH/+yduhyA=="/>
+      <go:slidesCustomData xmlns="" xmlns:mc="http://schemas.openxmlformats.org/markup-compatibility/2006" xmlns:mv="urn:schemas-microsoft-com:mac:vml" xmlns:c="http://schemas.openxmlformats.org/drawingml/2006/chart" xmlns:dgm="http://schemas.openxmlformats.org/drawingml/2006/diagram" xmlns:o="urn:schemas-microsoft-com:office:office" xmlns:v="urn:schemas-microsoft-com:vml" xmlns:pvml="urn:schemas-microsoft-com:office:powerpoint" xmlns:com="http://schemas.openxmlformats.org/drawingml/2006/compatibility" xmlns:p14="http://schemas.microsoft.com/office/powerpoint/2010/main" xmlns:p15="http://schemas.microsoft.com/office/powerpoint/2012/main" xmlns:ahyp="http://schemas.microsoft.com/office/drawing/2018/hyperlinkcolor" xmlns:go="http://customooxmlschemas.google.com/" r:id="rId9" roundtripDataSignature="AMtx7mg7/Uy38vozo7lv7lODiH/+yduhyA=="/>
     </p:ext>
   </p:extLst>
 </p:presentation>
@@ -896,115 +895,6 @@
         </p:spPr>
       </p:sp>
     </p:spTree>
-  </p:cSld>
-  <p:clrMapOvr>
-    <a:masterClrMapping/>
-  </p:clrMapOvr>
-</p:notes>
-</file>
-
-<file path=ppt/notesSlides/notesSlide3.xml><?xml version="1.0" encoding="utf-8"?>
-<p:notes xmlns:a="http://schemas.openxmlformats.org/drawingml/2006/main" xmlns:r="http://schemas.openxmlformats.org/officeDocument/2006/relationships" xmlns:p="http://schemas.openxmlformats.org/presentationml/2006/main" showMasterSp="0" showMasterPhAnim="0">
-  <p:cSld>
-    <p:spTree>
-      <p:nvGrpSpPr>
-        <p:cNvPr id="1" name="Shape 208"/>
-        <p:cNvGrpSpPr/>
-        <p:nvPr/>
-      </p:nvGrpSpPr>
-      <p:grpSpPr>
-        <a:xfrm>
-          <a:off x="0" y="0"/>
-          <a:ext cx="0" cy="0"/>
-          <a:chOff x="0" y="0"/>
-          <a:chExt cx="0" cy="0"/>
-        </a:xfrm>
-      </p:grpSpPr>
-      <p:sp>
-        <p:nvSpPr>
-          <p:cNvPr id="209" name="Google Shape;209;p4:notes"/>
-          <p:cNvSpPr txBox="1">
-            <a:spLocks noGrp="1"/>
-          </p:cNvSpPr>
-          <p:nvPr>
-            <p:ph type="body" idx="1"/>
-          </p:nvPr>
-        </p:nvSpPr>
-        <p:spPr>
-          <a:xfrm>
-            <a:off x="709925" y="4458000"/>
-            <a:ext cx="5679425" cy="4223375"/>
-          </a:xfrm>
-          <a:prstGeom prst="rect">
-            <a:avLst/>
-          </a:prstGeom>
-        </p:spPr>
-        <p:txBody>
-          <a:bodyPr spcFirstLastPara="1" wrap="square" lIns="91425" tIns="91425" rIns="91425" bIns="91425" anchor="t" anchorCtr="0">
-            <a:noAutofit/>
-          </a:bodyPr>
-          <a:lstStyle/>
-          <a:p>
-            <a:pPr marL="0" lvl="0" indent="0" algn="l" rtl="0">
-              <a:spcBef>
-                <a:spcPts val="0"/>
-              </a:spcBef>
-              <a:spcAft>
-                <a:spcPts val="0"/>
-              </a:spcAft>
-              <a:buNone/>
-            </a:pPr>
-            <a:endParaRPr/>
-          </a:p>
-        </p:txBody>
-      </p:sp>
-      <p:sp>
-        <p:nvSpPr>
-          <p:cNvPr id="210" name="Google Shape;210;p4:notes"/>
-          <p:cNvSpPr>
-            <a:spLocks noGrp="1" noRot="1" noChangeAspect="1"/>
-          </p:cNvSpPr>
-          <p:nvPr>
-            <p:ph type="sldImg" idx="2"/>
-          </p:nvPr>
-        </p:nvSpPr>
-        <p:spPr>
-          <a:xfrm>
-            <a:off x="422275" y="703263"/>
-            <a:ext cx="6254750" cy="3519487"/>
-          </a:xfrm>
-          <a:custGeom>
-            <a:avLst/>
-            <a:gdLst/>
-            <a:ahLst/>
-            <a:cxnLst/>
-            <a:rect l="l" t="t" r="r" b="b"/>
-            <a:pathLst>
-              <a:path w="120000" h="120000" extrusionOk="0">
-                <a:moveTo>
-                  <a:pt x="0" y="0"/>
-                </a:moveTo>
-                <a:lnTo>
-                  <a:pt x="120000" y="0"/>
-                </a:lnTo>
-                <a:lnTo>
-                  <a:pt x="120000" y="120000"/>
-                </a:lnTo>
-                <a:lnTo>
-                  <a:pt x="0" y="120000"/>
-                </a:lnTo>
-                <a:close/>
-              </a:path>
-            </a:pathLst>
-          </a:custGeom>
-        </p:spPr>
-      </p:sp>
-    </p:spTree>
-    <p:extLst>
-      <p:ext uri="{BB962C8B-B14F-4D97-AF65-F5344CB8AC3E}">
-        <p14:creationId xmlns:p14="http://schemas.microsoft.com/office/powerpoint/2010/main" val="3520430648"/>
-      </p:ext>
-    </p:extLst>
   </p:cSld>
   <p:clrMapOvr>
     <a:masterClrMapping/>
@@ -11254,577 +11144,16 @@
           <a:chExt cx="0" cy="0"/>
         </a:xfrm>
       </p:grpSpPr>
-      <p:pic>
-        <p:nvPicPr>
-          <p:cNvPr id="84" name="Google Shape;84;p1"/>
-          <p:cNvPicPr preferRelativeResize="0"/>
-          <p:nvPr/>
-        </p:nvPicPr>
-        <p:blipFill rotWithShape="1">
-          <a:blip r:embed="rId3">
-            <a:alphaModFix/>
-          </a:blip>
-          <a:srcRect/>
-          <a:stretch/>
-        </p:blipFill>
-        <p:spPr>
-          <a:xfrm>
-            <a:off x="489795" y="1342107"/>
-            <a:ext cx="5606205" cy="3490214"/>
-          </a:xfrm>
-          <a:prstGeom prst="rect">
-            <a:avLst/>
-          </a:prstGeom>
-          <a:noFill/>
-          <a:ln>
-            <a:noFill/>
-          </a:ln>
-        </p:spPr>
-      </p:pic>
-      <p:grpSp>
-        <p:nvGrpSpPr>
-          <p:cNvPr id="85" name="Google Shape;85;p1"/>
-          <p:cNvGrpSpPr/>
-          <p:nvPr/>
-        </p:nvGrpSpPr>
-        <p:grpSpPr>
-          <a:xfrm>
-            <a:off x="1595307" y="2986102"/>
-            <a:ext cx="1744905" cy="1304700"/>
-            <a:chOff x="1595307" y="2986102"/>
-            <a:chExt cx="1744905" cy="1304700"/>
-          </a:xfrm>
-        </p:grpSpPr>
-        <p:cxnSp>
-          <p:nvCxnSpPr>
-            <p:cNvPr id="86" name="Google Shape;86;p1"/>
-            <p:cNvCxnSpPr/>
-            <p:nvPr/>
-          </p:nvCxnSpPr>
-          <p:spPr>
-            <a:xfrm>
-              <a:off x="1971413" y="3632433"/>
-              <a:ext cx="1023457" cy="0"/>
-            </a:xfrm>
-            <a:prstGeom prst="straightConnector1">
-              <a:avLst/>
-            </a:prstGeom>
-            <a:noFill/>
-            <a:ln w="28575" cap="flat" cmpd="sng">
-              <a:solidFill>
-                <a:srgbClr val="00B0F0"/>
-              </a:solidFill>
-              <a:prstDash val="solid"/>
-              <a:miter lim="800000"/>
-              <a:headEnd type="triangle" w="med" len="med"/>
-              <a:tailEnd type="triangle" w="med" len="med"/>
-            </a:ln>
-          </p:spPr>
-        </p:cxnSp>
-        <p:cxnSp>
-          <p:nvCxnSpPr>
-            <p:cNvPr id="87" name="Google Shape;87;p1"/>
-            <p:cNvCxnSpPr/>
-            <p:nvPr/>
-          </p:nvCxnSpPr>
-          <p:spPr>
-            <a:xfrm>
-              <a:off x="2459372" y="3300401"/>
-              <a:ext cx="0" cy="697619"/>
-            </a:xfrm>
-            <a:prstGeom prst="straightConnector1">
-              <a:avLst/>
-            </a:prstGeom>
-            <a:noFill/>
-            <a:ln w="28575" cap="flat" cmpd="sng">
-              <a:solidFill>
-                <a:srgbClr val="00B0F0"/>
-              </a:solidFill>
-              <a:prstDash val="solid"/>
-              <a:miter lim="800000"/>
-              <a:headEnd type="triangle" w="med" len="med"/>
-              <a:tailEnd type="triangle" w="med" len="med"/>
-            </a:ln>
-          </p:spPr>
-        </p:cxnSp>
-        <p:sp>
-          <p:nvSpPr>
-            <p:cNvPr id="88" name="Google Shape;88;p1"/>
-            <p:cNvSpPr txBox="1"/>
-            <p:nvPr/>
-          </p:nvSpPr>
-          <p:spPr>
-            <a:xfrm>
-              <a:off x="2878822" y="3429000"/>
-              <a:ext cx="461390" cy="369332"/>
-            </a:xfrm>
-            <a:prstGeom prst="rect">
-              <a:avLst/>
-            </a:prstGeom>
-            <a:noFill/>
-            <a:ln>
-              <a:noFill/>
-            </a:ln>
-          </p:spPr>
-          <p:txBody>
-            <a:bodyPr spcFirstLastPara="1" wrap="square" lIns="91425" tIns="45700" rIns="91425" bIns="45700" anchor="ctr" anchorCtr="0">
-              <a:spAutoFit/>
-            </a:bodyPr>
-            <a:lstStyle/>
-            <a:p>
-              <a:pPr marL="0" marR="0" lvl="0" indent="0" algn="ctr" rtl="0">
-                <a:spcBef>
-                  <a:spcPts val="0"/>
-                </a:spcBef>
-                <a:spcAft>
-                  <a:spcPts val="0"/>
-                </a:spcAft>
-                <a:buNone/>
-              </a:pPr>
-              <a:r>
-                <a:rPr lang="en-US" sz="1800" b="0" i="0" u="none" strike="noStrike" cap="none">
-                  <a:solidFill>
-                    <a:schemeClr val="lt1"/>
-                  </a:solidFill>
-                  <a:latin typeface="Calibri"/>
-                  <a:ea typeface="Calibri"/>
-                  <a:cs typeface="Calibri"/>
-                  <a:sym typeface="Calibri"/>
-                </a:rPr>
-                <a:t>+X</a:t>
-              </a:r>
-              <a:endParaRPr/>
-            </a:p>
-          </p:txBody>
-        </p:sp>
-        <p:sp>
-          <p:nvSpPr>
-            <p:cNvPr id="89" name="Google Shape;89;p1"/>
-            <p:cNvSpPr txBox="1"/>
-            <p:nvPr/>
-          </p:nvSpPr>
-          <p:spPr>
-            <a:xfrm>
-              <a:off x="1595307" y="3447766"/>
-              <a:ext cx="440421" cy="369332"/>
-            </a:xfrm>
-            <a:prstGeom prst="rect">
-              <a:avLst/>
-            </a:prstGeom>
-            <a:noFill/>
-            <a:ln>
-              <a:noFill/>
-            </a:ln>
-          </p:spPr>
-          <p:txBody>
-            <a:bodyPr spcFirstLastPara="1" wrap="square" lIns="91425" tIns="45700" rIns="91425" bIns="45700" anchor="ctr" anchorCtr="0">
-              <a:spAutoFit/>
-            </a:bodyPr>
-            <a:lstStyle/>
-            <a:p>
-              <a:pPr marL="0" marR="0" lvl="0" indent="0" algn="ctr" rtl="0">
-                <a:spcBef>
-                  <a:spcPts val="0"/>
-                </a:spcBef>
-                <a:spcAft>
-                  <a:spcPts val="0"/>
-                </a:spcAft>
-                <a:buNone/>
-              </a:pPr>
-              <a:r>
-                <a:rPr lang="en-US" sz="1800" b="0" i="0" u="none" strike="noStrike" cap="none">
-                  <a:solidFill>
-                    <a:schemeClr val="lt1"/>
-                  </a:solidFill>
-                  <a:latin typeface="Calibri"/>
-                  <a:ea typeface="Calibri"/>
-                  <a:cs typeface="Calibri"/>
-                  <a:sym typeface="Calibri"/>
-                </a:rPr>
-                <a:t>-X</a:t>
-              </a:r>
-              <a:endParaRPr/>
-            </a:p>
-          </p:txBody>
-        </p:sp>
-        <p:sp>
-          <p:nvSpPr>
-            <p:cNvPr id="90" name="Google Shape;90;p1"/>
-            <p:cNvSpPr txBox="1"/>
-            <p:nvPr/>
-          </p:nvSpPr>
-          <p:spPr>
-            <a:xfrm>
-              <a:off x="2181136" y="2986102"/>
-              <a:ext cx="461391" cy="369332"/>
-            </a:xfrm>
-            <a:prstGeom prst="rect">
-              <a:avLst/>
-            </a:prstGeom>
-            <a:noFill/>
-            <a:ln>
-              <a:noFill/>
-            </a:ln>
-          </p:spPr>
-          <p:txBody>
-            <a:bodyPr spcFirstLastPara="1" wrap="square" lIns="91425" tIns="45700" rIns="91425" bIns="45700" anchor="ctr" anchorCtr="0">
-              <a:spAutoFit/>
-            </a:bodyPr>
-            <a:lstStyle/>
-            <a:p>
-              <a:pPr marL="0" marR="0" lvl="0" indent="0" algn="ctr" rtl="0">
-                <a:spcBef>
-                  <a:spcPts val="0"/>
-                </a:spcBef>
-                <a:spcAft>
-                  <a:spcPts val="0"/>
-                </a:spcAft>
-                <a:buNone/>
-              </a:pPr>
-              <a:r>
-                <a:rPr lang="en-US" sz="1800" b="0" i="0" u="none" strike="noStrike" cap="none">
-                  <a:solidFill>
-                    <a:schemeClr val="lt1"/>
-                  </a:solidFill>
-                  <a:latin typeface="Calibri"/>
-                  <a:ea typeface="Calibri"/>
-                  <a:cs typeface="Calibri"/>
-                  <a:sym typeface="Calibri"/>
-                </a:rPr>
-                <a:t>+Y</a:t>
-              </a:r>
-              <a:endParaRPr/>
-            </a:p>
-          </p:txBody>
-        </p:sp>
-        <p:sp>
-          <p:nvSpPr>
-            <p:cNvPr id="91" name="Google Shape;91;p1"/>
-            <p:cNvSpPr txBox="1"/>
-            <p:nvPr/>
-          </p:nvSpPr>
-          <p:spPr>
-            <a:xfrm>
-              <a:off x="2199312" y="3921470"/>
-              <a:ext cx="457203" cy="369332"/>
-            </a:xfrm>
-            <a:prstGeom prst="rect">
-              <a:avLst/>
-            </a:prstGeom>
-            <a:noFill/>
-            <a:ln>
-              <a:noFill/>
-            </a:ln>
-          </p:spPr>
-          <p:txBody>
-            <a:bodyPr spcFirstLastPara="1" wrap="square" lIns="91425" tIns="45700" rIns="91425" bIns="45700" anchor="ctr" anchorCtr="0">
-              <a:spAutoFit/>
-            </a:bodyPr>
-            <a:lstStyle/>
-            <a:p>
-              <a:pPr marL="0" marR="0" lvl="0" indent="0" algn="ctr" rtl="0">
-                <a:spcBef>
-                  <a:spcPts val="0"/>
-                </a:spcBef>
-                <a:spcAft>
-                  <a:spcPts val="0"/>
-                </a:spcAft>
-                <a:buNone/>
-              </a:pPr>
-              <a:r>
-                <a:rPr lang="en-US" sz="1800" b="0" i="0" u="none" strike="noStrike" cap="none">
-                  <a:solidFill>
-                    <a:schemeClr val="lt1"/>
-                  </a:solidFill>
-                  <a:latin typeface="Calibri"/>
-                  <a:ea typeface="Calibri"/>
-                  <a:cs typeface="Calibri"/>
-                  <a:sym typeface="Calibri"/>
-                </a:rPr>
-                <a:t>-Y</a:t>
-              </a:r>
-              <a:endParaRPr/>
-            </a:p>
-          </p:txBody>
-        </p:sp>
-      </p:grpSp>
-      <p:grpSp>
-        <p:nvGrpSpPr>
-          <p:cNvPr id="92" name="Google Shape;92;p1"/>
-          <p:cNvGrpSpPr/>
-          <p:nvPr/>
-        </p:nvGrpSpPr>
-        <p:grpSpPr>
-          <a:xfrm>
-            <a:off x="3219542" y="2961316"/>
-            <a:ext cx="1744905" cy="1304700"/>
-            <a:chOff x="1595307" y="2986102"/>
-            <a:chExt cx="1744905" cy="1304700"/>
-          </a:xfrm>
-        </p:grpSpPr>
-        <p:cxnSp>
-          <p:nvCxnSpPr>
-            <p:cNvPr id="93" name="Google Shape;93;p1"/>
-            <p:cNvCxnSpPr/>
-            <p:nvPr/>
-          </p:nvCxnSpPr>
-          <p:spPr>
-            <a:xfrm>
-              <a:off x="1971413" y="3632433"/>
-              <a:ext cx="1023457" cy="0"/>
-            </a:xfrm>
-            <a:prstGeom prst="straightConnector1">
-              <a:avLst/>
-            </a:prstGeom>
-            <a:noFill/>
-            <a:ln w="28575" cap="flat" cmpd="sng">
-              <a:solidFill>
-                <a:srgbClr val="00B0F0"/>
-              </a:solidFill>
-              <a:prstDash val="solid"/>
-              <a:miter lim="800000"/>
-              <a:headEnd type="triangle" w="med" len="med"/>
-              <a:tailEnd type="triangle" w="med" len="med"/>
-            </a:ln>
-          </p:spPr>
-        </p:cxnSp>
-        <p:cxnSp>
-          <p:nvCxnSpPr>
-            <p:cNvPr id="94" name="Google Shape;94;p1"/>
-            <p:cNvCxnSpPr/>
-            <p:nvPr/>
-          </p:nvCxnSpPr>
-          <p:spPr>
-            <a:xfrm>
-              <a:off x="2459372" y="3300401"/>
-              <a:ext cx="0" cy="697619"/>
-            </a:xfrm>
-            <a:prstGeom prst="straightConnector1">
-              <a:avLst/>
-            </a:prstGeom>
-            <a:noFill/>
-            <a:ln w="28575" cap="flat" cmpd="sng">
-              <a:solidFill>
-                <a:srgbClr val="00B0F0"/>
-              </a:solidFill>
-              <a:prstDash val="solid"/>
-              <a:miter lim="800000"/>
-              <a:headEnd type="triangle" w="med" len="med"/>
-              <a:tailEnd type="triangle" w="med" len="med"/>
-            </a:ln>
-          </p:spPr>
-        </p:cxnSp>
-        <p:sp>
-          <p:nvSpPr>
-            <p:cNvPr id="95" name="Google Shape;95;p1"/>
-            <p:cNvSpPr txBox="1"/>
-            <p:nvPr/>
-          </p:nvSpPr>
-          <p:spPr>
-            <a:xfrm>
-              <a:off x="2878822" y="3429000"/>
-              <a:ext cx="461390" cy="369332"/>
-            </a:xfrm>
-            <a:prstGeom prst="rect">
-              <a:avLst/>
-            </a:prstGeom>
-            <a:noFill/>
-            <a:ln>
-              <a:noFill/>
-            </a:ln>
-          </p:spPr>
-          <p:txBody>
-            <a:bodyPr spcFirstLastPara="1" wrap="square" lIns="91425" tIns="45700" rIns="91425" bIns="45700" anchor="ctr" anchorCtr="0">
-              <a:spAutoFit/>
-            </a:bodyPr>
-            <a:lstStyle/>
-            <a:p>
-              <a:pPr marL="0" marR="0" lvl="0" indent="0" algn="ctr" rtl="0">
-                <a:spcBef>
-                  <a:spcPts val="0"/>
-                </a:spcBef>
-                <a:spcAft>
-                  <a:spcPts val="0"/>
-                </a:spcAft>
-                <a:buNone/>
-              </a:pPr>
-              <a:r>
-                <a:rPr lang="en-US" sz="1800" b="0" i="0" u="none" strike="noStrike" cap="none">
-                  <a:solidFill>
-                    <a:schemeClr val="lt1"/>
-                  </a:solidFill>
-                  <a:latin typeface="Calibri"/>
-                  <a:ea typeface="Calibri"/>
-                  <a:cs typeface="Calibri"/>
-                  <a:sym typeface="Calibri"/>
-                </a:rPr>
-                <a:t>+X</a:t>
-              </a:r>
-              <a:endParaRPr/>
-            </a:p>
-          </p:txBody>
-        </p:sp>
-        <p:sp>
-          <p:nvSpPr>
-            <p:cNvPr id="96" name="Google Shape;96;p1"/>
-            <p:cNvSpPr txBox="1"/>
-            <p:nvPr/>
-          </p:nvSpPr>
-          <p:spPr>
-            <a:xfrm>
-              <a:off x="1595307" y="3447766"/>
-              <a:ext cx="440421" cy="369332"/>
-            </a:xfrm>
-            <a:prstGeom prst="rect">
-              <a:avLst/>
-            </a:prstGeom>
-            <a:noFill/>
-            <a:ln>
-              <a:noFill/>
-            </a:ln>
-          </p:spPr>
-          <p:txBody>
-            <a:bodyPr spcFirstLastPara="1" wrap="square" lIns="91425" tIns="45700" rIns="91425" bIns="45700" anchor="ctr" anchorCtr="0">
-              <a:spAutoFit/>
-            </a:bodyPr>
-            <a:lstStyle/>
-            <a:p>
-              <a:pPr marL="0" marR="0" lvl="0" indent="0" algn="ctr" rtl="0">
-                <a:spcBef>
-                  <a:spcPts val="0"/>
-                </a:spcBef>
-                <a:spcAft>
-                  <a:spcPts val="0"/>
-                </a:spcAft>
-                <a:buNone/>
-              </a:pPr>
-              <a:r>
-                <a:rPr lang="en-US" sz="1800" b="0" i="0" u="none" strike="noStrike" cap="none">
-                  <a:solidFill>
-                    <a:schemeClr val="lt1"/>
-                  </a:solidFill>
-                  <a:latin typeface="Calibri"/>
-                  <a:ea typeface="Calibri"/>
-                  <a:cs typeface="Calibri"/>
-                  <a:sym typeface="Calibri"/>
-                </a:rPr>
-                <a:t>-X</a:t>
-              </a:r>
-              <a:endParaRPr/>
-            </a:p>
-          </p:txBody>
-        </p:sp>
-        <p:sp>
-          <p:nvSpPr>
-            <p:cNvPr id="97" name="Google Shape;97;p1"/>
-            <p:cNvSpPr txBox="1"/>
-            <p:nvPr/>
-          </p:nvSpPr>
-          <p:spPr>
-            <a:xfrm>
-              <a:off x="2181136" y="2986102"/>
-              <a:ext cx="461391" cy="369332"/>
-            </a:xfrm>
-            <a:prstGeom prst="rect">
-              <a:avLst/>
-            </a:prstGeom>
-            <a:noFill/>
-            <a:ln>
-              <a:noFill/>
-            </a:ln>
-          </p:spPr>
-          <p:txBody>
-            <a:bodyPr spcFirstLastPara="1" wrap="square" lIns="91425" tIns="45700" rIns="91425" bIns="45700" anchor="ctr" anchorCtr="0">
-              <a:spAutoFit/>
-            </a:bodyPr>
-            <a:lstStyle/>
-            <a:p>
-              <a:pPr marL="0" marR="0" lvl="0" indent="0" algn="ctr" rtl="0">
-                <a:spcBef>
-                  <a:spcPts val="0"/>
-                </a:spcBef>
-                <a:spcAft>
-                  <a:spcPts val="0"/>
-                </a:spcAft>
-                <a:buNone/>
-              </a:pPr>
-              <a:r>
-                <a:rPr lang="en-US" sz="1800" b="0" i="0" u="none" strike="noStrike" cap="none">
-                  <a:solidFill>
-                    <a:schemeClr val="lt1"/>
-                  </a:solidFill>
-                  <a:latin typeface="Calibri"/>
-                  <a:ea typeface="Calibri"/>
-                  <a:cs typeface="Calibri"/>
-                  <a:sym typeface="Calibri"/>
-                </a:rPr>
-                <a:t>+Y</a:t>
-              </a:r>
-              <a:endParaRPr/>
-            </a:p>
-          </p:txBody>
-        </p:sp>
-        <p:sp>
-          <p:nvSpPr>
-            <p:cNvPr id="98" name="Google Shape;98;p1"/>
-            <p:cNvSpPr txBox="1"/>
-            <p:nvPr/>
-          </p:nvSpPr>
-          <p:spPr>
-            <a:xfrm>
-              <a:off x="2199312" y="3921470"/>
-              <a:ext cx="457203" cy="369332"/>
-            </a:xfrm>
-            <a:prstGeom prst="rect">
-              <a:avLst/>
-            </a:prstGeom>
-            <a:noFill/>
-            <a:ln>
-              <a:noFill/>
-            </a:ln>
-          </p:spPr>
-          <p:txBody>
-            <a:bodyPr spcFirstLastPara="1" wrap="square" lIns="91425" tIns="45700" rIns="91425" bIns="45700" anchor="ctr" anchorCtr="0">
-              <a:spAutoFit/>
-            </a:bodyPr>
-            <a:lstStyle/>
-            <a:p>
-              <a:pPr marL="0" marR="0" lvl="0" indent="0" algn="ctr" rtl="0">
-                <a:spcBef>
-                  <a:spcPts val="0"/>
-                </a:spcBef>
-                <a:spcAft>
-                  <a:spcPts val="0"/>
-                </a:spcAft>
-                <a:buNone/>
-              </a:pPr>
-              <a:r>
-                <a:rPr lang="en-US" sz="1800" b="0" i="0" u="none" strike="noStrike" cap="none">
-                  <a:solidFill>
-                    <a:schemeClr val="lt1"/>
-                  </a:solidFill>
-                  <a:latin typeface="Calibri"/>
-                  <a:ea typeface="Calibri"/>
-                  <a:cs typeface="Calibri"/>
-                  <a:sym typeface="Calibri"/>
-                </a:rPr>
-                <a:t>-Y</a:t>
-              </a:r>
-              <a:endParaRPr/>
-            </a:p>
-          </p:txBody>
-        </p:sp>
-      </p:grpSp>
       <p:sp>
         <p:nvSpPr>
-          <p:cNvPr id="99" name="Google Shape;99;p1"/>
+          <p:cNvPr id="113" name="Google Shape;113;p1"/>
           <p:cNvSpPr/>
           <p:nvPr/>
         </p:nvSpPr>
         <p:spPr>
           <a:xfrm>
-            <a:off x="1769693" y="4201453"/>
-            <a:ext cx="1449849" cy="344546"/>
+            <a:off x="1668544" y="164555"/>
+            <a:ext cx="8188520" cy="344546"/>
           </a:xfrm>
           <a:prstGeom prst="ellipse">
             <a:avLst/>
@@ -11850,624 +11179,7 @@
               <a:buNone/>
             </a:pPr>
             <a:r>
-              <a:rPr lang="en-US" sz="1600" b="0" i="0" u="none" strike="noStrike" cap="none">
-                <a:solidFill>
-                  <a:srgbClr val="00B0F0"/>
-                </a:solidFill>
-                <a:latin typeface="Calibri"/>
-                <a:ea typeface="Calibri"/>
-                <a:cs typeface="Calibri"/>
-                <a:sym typeface="Calibri"/>
-              </a:rPr>
-              <a:t>Left Stick</a:t>
-            </a:r>
-            <a:endParaRPr/>
-          </a:p>
-        </p:txBody>
-      </p:sp>
-      <p:sp>
-        <p:nvSpPr>
-          <p:cNvPr id="100" name="Google Shape;100;p1"/>
-          <p:cNvSpPr/>
-          <p:nvPr/>
-        </p:nvSpPr>
-        <p:spPr>
-          <a:xfrm>
-            <a:off x="3219542" y="4231761"/>
-            <a:ext cx="1588989" cy="344546"/>
-          </a:xfrm>
-          <a:prstGeom prst="ellipse">
-            <a:avLst/>
-          </a:prstGeom>
-          <a:noFill/>
-          <a:ln>
-            <a:noFill/>
-          </a:ln>
-        </p:spPr>
-        <p:txBody>
-          <a:bodyPr spcFirstLastPara="1" wrap="square" lIns="91425" tIns="45700" rIns="91425" bIns="45700" anchor="ctr" anchorCtr="0">
-            <a:noAutofit/>
-          </a:bodyPr>
-          <a:lstStyle/>
-          <a:p>
-            <a:pPr marL="0" marR="0" lvl="0" indent="0" algn="ctr" rtl="0">
-              <a:spcBef>
-                <a:spcPts val="0"/>
-              </a:spcBef>
-              <a:spcAft>
-                <a:spcPts val="0"/>
-              </a:spcAft>
-              <a:buNone/>
-            </a:pPr>
-            <a:r>
-              <a:rPr lang="en-US" sz="1600" b="0" i="0" u="none" strike="noStrike" cap="none">
-                <a:solidFill>
-                  <a:srgbClr val="00B0F0"/>
-                </a:solidFill>
-                <a:latin typeface="Calibri"/>
-                <a:ea typeface="Calibri"/>
-                <a:cs typeface="Calibri"/>
-                <a:sym typeface="Calibri"/>
-              </a:rPr>
-              <a:t>Right Stick</a:t>
-            </a:r>
-            <a:endParaRPr/>
-          </a:p>
-        </p:txBody>
-      </p:sp>
-      <p:grpSp>
-        <p:nvGrpSpPr>
-          <p:cNvPr id="101" name="Google Shape;101;p1"/>
-          <p:cNvGrpSpPr/>
-          <p:nvPr/>
-        </p:nvGrpSpPr>
-        <p:grpSpPr>
-          <a:xfrm>
-            <a:off x="727260" y="2118702"/>
-            <a:ext cx="2112941" cy="1212368"/>
-            <a:chOff x="1504855" y="3032268"/>
-            <a:chExt cx="2112941" cy="1212368"/>
-          </a:xfrm>
-        </p:grpSpPr>
-        <p:cxnSp>
-          <p:nvCxnSpPr>
-            <p:cNvPr id="102" name="Google Shape;102;p1"/>
-            <p:cNvCxnSpPr/>
-            <p:nvPr/>
-          </p:nvCxnSpPr>
-          <p:spPr>
-            <a:xfrm>
-              <a:off x="1971413" y="3632433"/>
-              <a:ext cx="1023457" cy="0"/>
-            </a:xfrm>
-            <a:prstGeom prst="straightConnector1">
-              <a:avLst/>
-            </a:prstGeom>
-            <a:noFill/>
-            <a:ln w="28575" cap="flat" cmpd="sng">
-              <a:solidFill>
-                <a:srgbClr val="00B0F0"/>
-              </a:solidFill>
-              <a:prstDash val="solid"/>
-              <a:miter lim="800000"/>
-              <a:headEnd type="triangle" w="med" len="med"/>
-              <a:tailEnd type="triangle" w="med" len="med"/>
-            </a:ln>
-          </p:spPr>
-        </p:cxnSp>
-        <p:cxnSp>
-          <p:nvCxnSpPr>
-            <p:cNvPr id="103" name="Google Shape;103;p1"/>
-            <p:cNvCxnSpPr/>
-            <p:nvPr/>
-          </p:nvCxnSpPr>
-          <p:spPr>
-            <a:xfrm>
-              <a:off x="2459372" y="3300401"/>
-              <a:ext cx="0" cy="697619"/>
-            </a:xfrm>
-            <a:prstGeom prst="straightConnector1">
-              <a:avLst/>
-            </a:prstGeom>
-            <a:noFill/>
-            <a:ln w="28575" cap="flat" cmpd="sng">
-              <a:solidFill>
-                <a:srgbClr val="00B0F0"/>
-              </a:solidFill>
-              <a:prstDash val="solid"/>
-              <a:miter lim="800000"/>
-              <a:headEnd type="triangle" w="med" len="med"/>
-              <a:tailEnd type="triangle" w="med" len="med"/>
-            </a:ln>
-          </p:spPr>
-        </p:cxnSp>
-        <p:sp>
-          <p:nvSpPr>
-            <p:cNvPr id="104" name="Google Shape;104;p1"/>
-            <p:cNvSpPr txBox="1"/>
-            <p:nvPr/>
-          </p:nvSpPr>
-          <p:spPr>
-            <a:xfrm>
-              <a:off x="2845265" y="3491944"/>
-              <a:ext cx="772531" cy="276999"/>
-            </a:xfrm>
-            <a:prstGeom prst="rect">
-              <a:avLst/>
-            </a:prstGeom>
-            <a:noFill/>
-            <a:ln>
-              <a:noFill/>
-            </a:ln>
-          </p:spPr>
-          <p:txBody>
-            <a:bodyPr spcFirstLastPara="1" wrap="square" lIns="91425" tIns="45700" rIns="91425" bIns="45700" anchor="ctr" anchorCtr="0">
-              <a:spAutoFit/>
-            </a:bodyPr>
-            <a:lstStyle/>
-            <a:p>
-              <a:pPr marL="0" marR="0" lvl="0" indent="0" algn="ctr" rtl="0">
-                <a:spcBef>
-                  <a:spcPts val="0"/>
-                </a:spcBef>
-                <a:spcAft>
-                  <a:spcPts val="0"/>
-                </a:spcAft>
-                <a:buNone/>
-              </a:pPr>
-              <a:r>
-                <a:rPr lang="en-US" sz="1200" b="1" i="0" u="none" strike="noStrike" cap="none">
-                  <a:solidFill>
-                    <a:schemeClr val="lt1"/>
-                  </a:solidFill>
-                  <a:latin typeface="Calibri"/>
-                  <a:ea typeface="Calibri"/>
-                  <a:cs typeface="Calibri"/>
-                  <a:sym typeface="Calibri"/>
-                </a:rPr>
-                <a:t>RIGHT</a:t>
-              </a:r>
-              <a:endParaRPr/>
-            </a:p>
-          </p:txBody>
-        </p:sp>
-        <p:sp>
-          <p:nvSpPr>
-            <p:cNvPr id="105" name="Google Shape;105;p1"/>
-            <p:cNvSpPr txBox="1"/>
-            <p:nvPr/>
-          </p:nvSpPr>
-          <p:spPr>
-            <a:xfrm>
-              <a:off x="1504855" y="3493932"/>
-              <a:ext cx="597986" cy="276999"/>
-            </a:xfrm>
-            <a:prstGeom prst="rect">
-              <a:avLst/>
-            </a:prstGeom>
-            <a:noFill/>
-            <a:ln>
-              <a:noFill/>
-            </a:ln>
-          </p:spPr>
-          <p:txBody>
-            <a:bodyPr spcFirstLastPara="1" wrap="square" lIns="91425" tIns="45700" rIns="91425" bIns="45700" anchor="ctr" anchorCtr="0">
-              <a:spAutoFit/>
-            </a:bodyPr>
-            <a:lstStyle/>
-            <a:p>
-              <a:pPr marL="0" marR="0" lvl="0" indent="0" algn="ctr" rtl="0">
-                <a:spcBef>
-                  <a:spcPts val="0"/>
-                </a:spcBef>
-                <a:spcAft>
-                  <a:spcPts val="0"/>
-                </a:spcAft>
-                <a:buNone/>
-              </a:pPr>
-              <a:r>
-                <a:rPr lang="en-US" sz="1200" b="1" i="0" u="none" strike="noStrike" cap="none">
-                  <a:solidFill>
-                    <a:schemeClr val="lt1"/>
-                  </a:solidFill>
-                  <a:latin typeface="Calibri"/>
-                  <a:ea typeface="Calibri"/>
-                  <a:cs typeface="Calibri"/>
-                  <a:sym typeface="Calibri"/>
-                </a:rPr>
-                <a:t>LEFT</a:t>
-              </a:r>
-              <a:endParaRPr/>
-            </a:p>
-          </p:txBody>
-        </p:sp>
-        <p:sp>
-          <p:nvSpPr>
-            <p:cNvPr id="106" name="Google Shape;106;p1"/>
-            <p:cNvSpPr txBox="1"/>
-            <p:nvPr/>
-          </p:nvSpPr>
-          <p:spPr>
-            <a:xfrm>
-              <a:off x="2231470" y="3032268"/>
-              <a:ext cx="461391" cy="276999"/>
-            </a:xfrm>
-            <a:prstGeom prst="rect">
-              <a:avLst/>
-            </a:prstGeom>
-            <a:noFill/>
-            <a:ln>
-              <a:noFill/>
-            </a:ln>
-          </p:spPr>
-          <p:txBody>
-            <a:bodyPr spcFirstLastPara="1" wrap="square" lIns="91425" tIns="45700" rIns="91425" bIns="45700" anchor="ctr" anchorCtr="0">
-              <a:spAutoFit/>
-            </a:bodyPr>
-            <a:lstStyle/>
-            <a:p>
-              <a:pPr marL="0" marR="0" lvl="0" indent="0" algn="ctr" rtl="0">
-                <a:spcBef>
-                  <a:spcPts val="0"/>
-                </a:spcBef>
-                <a:spcAft>
-                  <a:spcPts val="0"/>
-                </a:spcAft>
-                <a:buNone/>
-              </a:pPr>
-              <a:r>
-                <a:rPr lang="en-US" sz="1200" b="1" i="0" u="none" strike="noStrike" cap="none">
-                  <a:solidFill>
-                    <a:schemeClr val="lt1"/>
-                  </a:solidFill>
-                  <a:latin typeface="Calibri"/>
-                  <a:ea typeface="Calibri"/>
-                  <a:cs typeface="Calibri"/>
-                  <a:sym typeface="Calibri"/>
-                </a:rPr>
-                <a:t>UP</a:t>
-              </a:r>
-              <a:endParaRPr/>
-            </a:p>
-          </p:txBody>
-        </p:sp>
-        <p:sp>
-          <p:nvSpPr>
-            <p:cNvPr id="107" name="Google Shape;107;p1"/>
-            <p:cNvSpPr txBox="1"/>
-            <p:nvPr/>
-          </p:nvSpPr>
-          <p:spPr>
-            <a:xfrm>
-              <a:off x="2014763" y="3967637"/>
-              <a:ext cx="868256" cy="276999"/>
-            </a:xfrm>
-            <a:prstGeom prst="rect">
-              <a:avLst/>
-            </a:prstGeom>
-            <a:noFill/>
-            <a:ln>
-              <a:noFill/>
-            </a:ln>
-          </p:spPr>
-          <p:txBody>
-            <a:bodyPr spcFirstLastPara="1" wrap="square" lIns="91425" tIns="45700" rIns="91425" bIns="45700" anchor="ctr" anchorCtr="0">
-              <a:spAutoFit/>
-            </a:bodyPr>
-            <a:lstStyle/>
-            <a:p>
-              <a:pPr marL="0" marR="0" lvl="0" indent="0" algn="ctr" rtl="0">
-                <a:spcBef>
-                  <a:spcPts val="0"/>
-                </a:spcBef>
-                <a:spcAft>
-                  <a:spcPts val="0"/>
-                </a:spcAft>
-                <a:buNone/>
-              </a:pPr>
-              <a:r>
-                <a:rPr lang="en-US" sz="1200" b="1" i="0" u="none" strike="noStrike" cap="none">
-                  <a:solidFill>
-                    <a:schemeClr val="lt1"/>
-                  </a:solidFill>
-                  <a:latin typeface="Calibri"/>
-                  <a:ea typeface="Calibri"/>
-                  <a:cs typeface="Calibri"/>
-                  <a:sym typeface="Calibri"/>
-                </a:rPr>
-                <a:t>DOWN</a:t>
-              </a:r>
-              <a:endParaRPr/>
-            </a:p>
-          </p:txBody>
-        </p:sp>
-      </p:grpSp>
-      <p:sp>
-        <p:nvSpPr>
-          <p:cNvPr id="108" name="Google Shape;108;p1"/>
-          <p:cNvSpPr/>
-          <p:nvPr/>
-        </p:nvSpPr>
-        <p:spPr>
-          <a:xfrm>
-            <a:off x="978064" y="1826015"/>
-            <a:ext cx="1449849" cy="344546"/>
-          </a:xfrm>
-          <a:prstGeom prst="ellipse">
-            <a:avLst/>
-          </a:prstGeom>
-          <a:noFill/>
-          <a:ln>
-            <a:noFill/>
-          </a:ln>
-        </p:spPr>
-        <p:txBody>
-          <a:bodyPr spcFirstLastPara="1" wrap="square" lIns="91425" tIns="45700" rIns="91425" bIns="45700" anchor="ctr" anchorCtr="0">
-            <a:noAutofit/>
-          </a:bodyPr>
-          <a:lstStyle/>
-          <a:p>
-            <a:pPr marL="0" marR="0" lvl="0" indent="0" algn="ctr" rtl="0">
-              <a:spcBef>
-                <a:spcPts val="0"/>
-              </a:spcBef>
-              <a:spcAft>
-                <a:spcPts val="0"/>
-              </a:spcAft>
-              <a:buNone/>
-            </a:pPr>
-            <a:r>
-              <a:rPr lang="en-US" sz="1600" b="0" i="0" u="none" strike="noStrike" cap="none">
-                <a:solidFill>
-                  <a:schemeClr val="lt1"/>
-                </a:solidFill>
-                <a:latin typeface="Calibri"/>
-                <a:ea typeface="Calibri"/>
-                <a:cs typeface="Calibri"/>
-                <a:sym typeface="Calibri"/>
-              </a:rPr>
-              <a:t>DPAD</a:t>
-            </a:r>
-            <a:endParaRPr/>
-          </a:p>
-        </p:txBody>
-      </p:sp>
-      <p:sp>
-        <p:nvSpPr>
-          <p:cNvPr id="109" name="Google Shape;109;p1"/>
-          <p:cNvSpPr txBox="1"/>
-          <p:nvPr/>
-        </p:nvSpPr>
-        <p:spPr>
-          <a:xfrm>
-            <a:off x="4888949" y="2118702"/>
-            <a:ext cx="461391" cy="369332"/>
-          </a:xfrm>
-          <a:prstGeom prst="rect">
-            <a:avLst/>
-          </a:prstGeom>
-          <a:noFill/>
-          <a:ln>
-            <a:noFill/>
-          </a:ln>
-        </p:spPr>
-        <p:txBody>
-          <a:bodyPr spcFirstLastPara="1" wrap="square" lIns="91425" tIns="45700" rIns="91425" bIns="45700" anchor="ctr" anchorCtr="0">
-            <a:spAutoFit/>
-          </a:bodyPr>
-          <a:lstStyle/>
-          <a:p>
-            <a:pPr marL="0" marR="0" lvl="0" indent="0" algn="ctr" rtl="0">
-              <a:spcBef>
-                <a:spcPts val="0"/>
-              </a:spcBef>
-              <a:spcAft>
-                <a:spcPts val="0"/>
-              </a:spcAft>
-              <a:buNone/>
-            </a:pPr>
-            <a:r>
-              <a:rPr lang="en-US" sz="1800" b="0" i="0" u="none" strike="noStrike" cap="none">
-                <a:solidFill>
-                  <a:schemeClr val="lt1"/>
-                </a:solidFill>
-                <a:latin typeface="Calibri"/>
-                <a:ea typeface="Calibri"/>
-                <a:cs typeface="Calibri"/>
-                <a:sym typeface="Calibri"/>
-              </a:rPr>
-              <a:t>Y</a:t>
-            </a:r>
-            <a:endParaRPr/>
-          </a:p>
-        </p:txBody>
-      </p:sp>
-      <p:sp>
-        <p:nvSpPr>
-          <p:cNvPr id="110" name="Google Shape;110;p1"/>
-          <p:cNvSpPr txBox="1"/>
-          <p:nvPr/>
-        </p:nvSpPr>
-        <p:spPr>
-          <a:xfrm>
-            <a:off x="5261778" y="2486045"/>
-            <a:ext cx="461391" cy="369332"/>
-          </a:xfrm>
-          <a:prstGeom prst="rect">
-            <a:avLst/>
-          </a:prstGeom>
-          <a:noFill/>
-          <a:ln>
-            <a:noFill/>
-          </a:ln>
-        </p:spPr>
-        <p:txBody>
-          <a:bodyPr spcFirstLastPara="1" wrap="square" lIns="91425" tIns="45700" rIns="91425" bIns="45700" anchor="ctr" anchorCtr="0">
-            <a:spAutoFit/>
-          </a:bodyPr>
-          <a:lstStyle/>
-          <a:p>
-            <a:pPr marL="0" marR="0" lvl="0" indent="0" algn="ctr" rtl="0">
-              <a:spcBef>
-                <a:spcPts val="0"/>
-              </a:spcBef>
-              <a:spcAft>
-                <a:spcPts val="0"/>
-              </a:spcAft>
-              <a:buNone/>
-            </a:pPr>
-            <a:r>
-              <a:rPr lang="en-US" sz="1800" b="0" i="0" u="none" strike="noStrike" cap="none">
-                <a:solidFill>
-                  <a:schemeClr val="lt1"/>
-                </a:solidFill>
-                <a:latin typeface="Calibri"/>
-                <a:ea typeface="Calibri"/>
-                <a:cs typeface="Calibri"/>
-                <a:sym typeface="Calibri"/>
-              </a:rPr>
-              <a:t>B</a:t>
-            </a:r>
-            <a:endParaRPr/>
-          </a:p>
-        </p:txBody>
-      </p:sp>
-      <p:sp>
-        <p:nvSpPr>
-          <p:cNvPr id="111" name="Google Shape;111;p1"/>
-          <p:cNvSpPr txBox="1"/>
-          <p:nvPr/>
-        </p:nvSpPr>
-        <p:spPr>
-          <a:xfrm>
-            <a:off x="4920669" y="3117580"/>
-            <a:ext cx="461391" cy="369332"/>
-          </a:xfrm>
-          <a:prstGeom prst="rect">
-            <a:avLst/>
-          </a:prstGeom>
-          <a:noFill/>
-          <a:ln>
-            <a:noFill/>
-          </a:ln>
-        </p:spPr>
-        <p:txBody>
-          <a:bodyPr spcFirstLastPara="1" wrap="square" lIns="91425" tIns="45700" rIns="91425" bIns="45700" anchor="ctr" anchorCtr="0">
-            <a:spAutoFit/>
-          </a:bodyPr>
-          <a:lstStyle/>
-          <a:p>
-            <a:pPr marL="0" marR="0" lvl="0" indent="0" algn="ctr" rtl="0">
-              <a:spcBef>
-                <a:spcPts val="0"/>
-              </a:spcBef>
-              <a:spcAft>
-                <a:spcPts val="0"/>
-              </a:spcAft>
-              <a:buNone/>
-            </a:pPr>
-            <a:r>
-              <a:rPr lang="en-US" sz="1800" b="0" i="0" u="none" strike="noStrike" cap="none">
-                <a:solidFill>
-                  <a:schemeClr val="lt1"/>
-                </a:solidFill>
-                <a:latin typeface="Calibri"/>
-                <a:ea typeface="Calibri"/>
-                <a:cs typeface="Calibri"/>
-                <a:sym typeface="Calibri"/>
-              </a:rPr>
-              <a:t>A</a:t>
-            </a:r>
-            <a:endParaRPr/>
-          </a:p>
-        </p:txBody>
-      </p:sp>
-      <p:sp>
-        <p:nvSpPr>
-          <p:cNvPr id="112" name="Google Shape;112;p1"/>
-          <p:cNvSpPr txBox="1"/>
-          <p:nvPr/>
-        </p:nvSpPr>
-        <p:spPr>
-          <a:xfrm>
-            <a:off x="4068233" y="2327511"/>
-            <a:ext cx="461391" cy="369332"/>
-          </a:xfrm>
-          <a:prstGeom prst="rect">
-            <a:avLst/>
-          </a:prstGeom>
-          <a:noFill/>
-          <a:ln>
-            <a:noFill/>
-          </a:ln>
-        </p:spPr>
-        <p:txBody>
-          <a:bodyPr spcFirstLastPara="1" wrap="square" lIns="91425" tIns="45700" rIns="91425" bIns="45700" anchor="ctr" anchorCtr="0">
-            <a:spAutoFit/>
-          </a:bodyPr>
-          <a:lstStyle/>
-          <a:p>
-            <a:pPr marL="0" marR="0" lvl="0" indent="0" algn="ctr" rtl="0">
-              <a:spcBef>
-                <a:spcPts val="0"/>
-              </a:spcBef>
-              <a:spcAft>
-                <a:spcPts val="0"/>
-              </a:spcAft>
-              <a:buNone/>
-            </a:pPr>
-            <a:r>
-              <a:rPr lang="en-US" sz="1800" b="0" i="0" u="none" strike="noStrike" cap="none">
-                <a:solidFill>
-                  <a:schemeClr val="lt1"/>
-                </a:solidFill>
-                <a:latin typeface="Calibri"/>
-                <a:ea typeface="Calibri"/>
-                <a:cs typeface="Calibri"/>
-                <a:sym typeface="Calibri"/>
-              </a:rPr>
-              <a:t>X</a:t>
-            </a:r>
-            <a:endParaRPr/>
-          </a:p>
-        </p:txBody>
-      </p:sp>
-      <p:sp>
-        <p:nvSpPr>
-          <p:cNvPr id="113" name="Google Shape;113;p1"/>
-          <p:cNvSpPr/>
-          <p:nvPr/>
-        </p:nvSpPr>
-        <p:spPr>
-          <a:xfrm>
-            <a:off x="2608356" y="164555"/>
-            <a:ext cx="7248708" cy="344546"/>
-          </a:xfrm>
-          <a:prstGeom prst="ellipse">
-            <a:avLst/>
-          </a:prstGeom>
-          <a:noFill/>
-          <a:ln>
-            <a:noFill/>
-          </a:ln>
-        </p:spPr>
-        <p:txBody>
-          <a:bodyPr spcFirstLastPara="1" wrap="square" lIns="91425" tIns="45700" rIns="91425" bIns="45700" anchor="ctr" anchorCtr="0">
-            <a:noAutofit/>
-          </a:bodyPr>
-          <a:lstStyle/>
-          <a:p>
-            <a:pPr marL="0" marR="0" lvl="0" indent="0" algn="ctr" rtl="0">
-              <a:spcBef>
-                <a:spcPts val="0"/>
-              </a:spcBef>
-              <a:spcAft>
-                <a:spcPts val="0"/>
-              </a:spcAft>
-              <a:buNone/>
-            </a:pPr>
-            <a:r>
-              <a:rPr lang="en-US" sz="2400" b="0" i="0" u="none" strike="noStrike" cap="none">
+              <a:rPr lang="en-US" sz="2800" b="0" i="0" u="none" strike="noStrike" cap="none" dirty="0">
                 <a:solidFill>
                   <a:srgbClr val="00B0F0"/>
                 </a:solidFill>
@@ -12478,315 +11190,7 @@
               </a:rPr>
               <a:t>Instructions for Robot Platform Driver</a:t>
             </a:r>
-            <a:endParaRPr/>
-          </a:p>
-        </p:txBody>
-      </p:sp>
-      <p:sp>
-        <p:nvSpPr>
-          <p:cNvPr id="114" name="Google Shape;114;p1"/>
-          <p:cNvSpPr/>
-          <p:nvPr/>
-        </p:nvSpPr>
-        <p:spPr>
-          <a:xfrm>
-            <a:off x="3595649" y="675716"/>
-            <a:ext cx="1754692" cy="344546"/>
-          </a:xfrm>
-          <a:prstGeom prst="ellipse">
-            <a:avLst/>
-          </a:prstGeom>
-          <a:noFill/>
-          <a:ln>
-            <a:noFill/>
-          </a:ln>
-        </p:spPr>
-        <p:txBody>
-          <a:bodyPr spcFirstLastPara="1" wrap="square" lIns="91425" tIns="45700" rIns="91425" bIns="45700" anchor="ctr" anchorCtr="0">
-            <a:noAutofit/>
-          </a:bodyPr>
-          <a:lstStyle/>
-          <a:p>
-            <a:pPr marL="0" marR="0" lvl="0" indent="0" algn="ctr" rtl="0">
-              <a:spcBef>
-                <a:spcPts val="0"/>
-              </a:spcBef>
-              <a:spcAft>
-                <a:spcPts val="0"/>
-              </a:spcAft>
-              <a:buNone/>
-            </a:pPr>
-            <a:r>
-              <a:rPr lang="en-US" sz="1600" b="0" i="0" u="none" strike="noStrike" cap="none">
-                <a:solidFill>
-                  <a:srgbClr val="00B0F0"/>
-                </a:solidFill>
-                <a:latin typeface="Calibri"/>
-                <a:ea typeface="Calibri"/>
-                <a:cs typeface="Calibri"/>
-                <a:sym typeface="Calibri"/>
-              </a:rPr>
-              <a:t>Right Trigger</a:t>
-            </a:r>
-            <a:endParaRPr/>
-          </a:p>
-        </p:txBody>
-      </p:sp>
-      <p:cxnSp>
-        <p:nvCxnSpPr>
-          <p:cNvPr id="115" name="Google Shape;115;p1"/>
-          <p:cNvCxnSpPr>
-            <a:stCxn id="114" idx="4"/>
-          </p:cNvCxnSpPr>
-          <p:nvPr/>
-        </p:nvCxnSpPr>
-        <p:spPr>
-          <a:xfrm>
-            <a:off x="4472995" y="1020262"/>
-            <a:ext cx="335400" cy="380700"/>
-          </a:xfrm>
-          <a:prstGeom prst="straightConnector1">
-            <a:avLst/>
-          </a:prstGeom>
-          <a:noFill/>
-          <a:ln w="9525" cap="flat" cmpd="sng">
-            <a:solidFill>
-              <a:srgbClr val="00B0F0"/>
-            </a:solidFill>
-            <a:prstDash val="solid"/>
-            <a:miter lim="800000"/>
-            <a:headEnd type="none" w="sm" len="sm"/>
-            <a:tailEnd type="triangle" w="med" len="med"/>
-          </a:ln>
-        </p:spPr>
-      </p:cxnSp>
-      <p:cxnSp>
-        <p:nvCxnSpPr>
-          <p:cNvPr id="116" name="Google Shape;116;p1"/>
-          <p:cNvCxnSpPr/>
-          <p:nvPr/>
-        </p:nvCxnSpPr>
-        <p:spPr>
-          <a:xfrm flipH="1">
-            <a:off x="4960931" y="1133214"/>
-            <a:ext cx="531542" cy="420147"/>
-          </a:xfrm>
-          <a:prstGeom prst="straightConnector1">
-            <a:avLst/>
-          </a:prstGeom>
-          <a:noFill/>
-          <a:ln w="9525" cap="flat" cmpd="sng">
-            <a:solidFill>
-              <a:srgbClr val="00B0F0"/>
-            </a:solidFill>
-            <a:prstDash val="solid"/>
-            <a:miter lim="800000"/>
-            <a:headEnd type="none" w="sm" len="sm"/>
-            <a:tailEnd type="triangle" w="med" len="med"/>
-          </a:ln>
-        </p:spPr>
-      </p:cxnSp>
-      <p:sp>
-        <p:nvSpPr>
-          <p:cNvPr id="117" name="Google Shape;117;p1"/>
-          <p:cNvSpPr/>
-          <p:nvPr/>
-        </p:nvSpPr>
-        <p:spPr>
-          <a:xfrm>
-            <a:off x="4894682" y="806042"/>
-            <a:ext cx="2076133" cy="344546"/>
-          </a:xfrm>
-          <a:prstGeom prst="ellipse">
-            <a:avLst/>
-          </a:prstGeom>
-          <a:noFill/>
-          <a:ln>
-            <a:noFill/>
-          </a:ln>
-        </p:spPr>
-        <p:txBody>
-          <a:bodyPr spcFirstLastPara="1" wrap="square" lIns="91425" tIns="45700" rIns="91425" bIns="45700" anchor="ctr" anchorCtr="0">
-            <a:noAutofit/>
-          </a:bodyPr>
-          <a:lstStyle/>
-          <a:p>
-            <a:pPr marL="0" marR="0" lvl="0" indent="0" algn="ctr" rtl="0">
-              <a:spcBef>
-                <a:spcPts val="0"/>
-              </a:spcBef>
-              <a:spcAft>
-                <a:spcPts val="0"/>
-              </a:spcAft>
-              <a:buNone/>
-            </a:pPr>
-            <a:r>
-              <a:rPr lang="en-US" sz="1600" b="0" i="0" u="none" strike="noStrike" cap="none">
-                <a:solidFill>
-                  <a:srgbClr val="00B0F0"/>
-                </a:solidFill>
-                <a:latin typeface="Calibri"/>
-                <a:ea typeface="Calibri"/>
-                <a:cs typeface="Calibri"/>
-                <a:sym typeface="Calibri"/>
-              </a:rPr>
-              <a:t>Right Bumper</a:t>
-            </a:r>
-            <a:endParaRPr/>
-          </a:p>
-        </p:txBody>
-      </p:sp>
-      <p:sp>
-        <p:nvSpPr>
-          <p:cNvPr id="118" name="Google Shape;118;p1"/>
-          <p:cNvSpPr/>
-          <p:nvPr/>
-        </p:nvSpPr>
-        <p:spPr>
-          <a:xfrm>
-            <a:off x="465736" y="616307"/>
-            <a:ext cx="1588989" cy="344546"/>
-          </a:xfrm>
-          <a:prstGeom prst="ellipse">
-            <a:avLst/>
-          </a:prstGeom>
-          <a:noFill/>
-          <a:ln>
-            <a:noFill/>
-          </a:ln>
-        </p:spPr>
-        <p:txBody>
-          <a:bodyPr spcFirstLastPara="1" wrap="square" lIns="91425" tIns="45700" rIns="91425" bIns="45700" anchor="ctr" anchorCtr="0">
-            <a:noAutofit/>
-          </a:bodyPr>
-          <a:lstStyle/>
-          <a:p>
-            <a:pPr marL="0" marR="0" lvl="0" indent="0" algn="ctr" rtl="0">
-              <a:spcBef>
-                <a:spcPts val="0"/>
-              </a:spcBef>
-              <a:spcAft>
-                <a:spcPts val="0"/>
-              </a:spcAft>
-              <a:buNone/>
-            </a:pPr>
-            <a:r>
-              <a:rPr lang="en-US" sz="1600" b="0" i="0" u="none" strike="noStrike" cap="none">
-                <a:solidFill>
-                  <a:srgbClr val="00B0F0"/>
-                </a:solidFill>
-                <a:latin typeface="Calibri"/>
-                <a:ea typeface="Calibri"/>
-                <a:cs typeface="Calibri"/>
-                <a:sym typeface="Calibri"/>
-              </a:rPr>
-              <a:t>Left Trigger</a:t>
-            </a:r>
-            <a:endParaRPr/>
-          </a:p>
-        </p:txBody>
-      </p:sp>
-      <p:cxnSp>
-        <p:nvCxnSpPr>
-          <p:cNvPr id="119" name="Google Shape;119;p1"/>
-          <p:cNvCxnSpPr>
-            <a:stCxn id="118" idx="4"/>
-          </p:cNvCxnSpPr>
-          <p:nvPr/>
-        </p:nvCxnSpPr>
-        <p:spPr>
-          <a:xfrm>
-            <a:off x="1260231" y="960853"/>
-            <a:ext cx="335100" cy="440100"/>
-          </a:xfrm>
-          <a:prstGeom prst="straightConnector1">
-            <a:avLst/>
-          </a:prstGeom>
-          <a:noFill/>
-          <a:ln w="9525" cap="flat" cmpd="sng">
-            <a:solidFill>
-              <a:srgbClr val="00B0F0"/>
-            </a:solidFill>
-            <a:prstDash val="solid"/>
-            <a:miter lim="800000"/>
-            <a:headEnd type="none" w="sm" len="sm"/>
-            <a:tailEnd type="triangle" w="med" len="med"/>
-          </a:ln>
-        </p:spPr>
-      </p:cxnSp>
-      <p:cxnSp>
-        <p:nvCxnSpPr>
-          <p:cNvPr id="120" name="Google Shape;120;p1"/>
-          <p:cNvCxnSpPr/>
-          <p:nvPr/>
-        </p:nvCxnSpPr>
-        <p:spPr>
-          <a:xfrm flipH="1">
-            <a:off x="1665316" y="1073805"/>
-            <a:ext cx="531542" cy="420147"/>
-          </a:xfrm>
-          <a:prstGeom prst="straightConnector1">
-            <a:avLst/>
-          </a:prstGeom>
-          <a:noFill/>
-          <a:ln w="9525" cap="flat" cmpd="sng">
-            <a:solidFill>
-              <a:srgbClr val="00B0F0"/>
-            </a:solidFill>
-            <a:prstDash val="solid"/>
-            <a:miter lim="800000"/>
-            <a:headEnd type="none" w="sm" len="sm"/>
-            <a:tailEnd type="triangle" w="med" len="med"/>
-          </a:ln>
-        </p:spPr>
-      </p:cxnSp>
-      <p:sp>
-        <p:nvSpPr>
-          <p:cNvPr id="121" name="Google Shape;121;p1"/>
-          <p:cNvSpPr/>
-          <p:nvPr/>
-        </p:nvSpPr>
-        <p:spPr>
-          <a:xfrm>
-            <a:off x="1599067" y="746633"/>
-            <a:ext cx="2076133" cy="344546"/>
-          </a:xfrm>
-          <a:prstGeom prst="ellipse">
-            <a:avLst/>
-          </a:prstGeom>
-          <a:noFill/>
-          <a:ln>
-            <a:noFill/>
-          </a:ln>
-        </p:spPr>
-        <p:txBody>
-          <a:bodyPr spcFirstLastPara="1" wrap="square" lIns="91425" tIns="45700" rIns="91425" bIns="45700" anchor="ctr" anchorCtr="0">
-            <a:noAutofit/>
-          </a:bodyPr>
-          <a:lstStyle/>
-          <a:p>
-            <a:pPr marL="0" marR="0" lvl="0" indent="0" algn="ctr" rtl="0">
-              <a:spcBef>
-                <a:spcPts val="0"/>
-              </a:spcBef>
-              <a:spcAft>
-                <a:spcPts val="0"/>
-              </a:spcAft>
-              <a:buNone/>
-            </a:pPr>
-            <a:r>
-              <a:rPr lang="en-US" sz="1600" b="0" i="0" u="none" strike="noStrike" cap="none">
-                <a:solidFill>
-                  <a:srgbClr val="00B0F0"/>
-                </a:solidFill>
-                <a:latin typeface="Calibri"/>
-                <a:ea typeface="Calibri"/>
-                <a:cs typeface="Calibri"/>
-                <a:sym typeface="Calibri"/>
-              </a:rPr>
-              <a:t>Left Bumper</a:t>
-            </a:r>
-            <a:endParaRPr/>
+            <a:endParaRPr sz="1600" dirty="0"/>
           </a:p>
         </p:txBody>
       </p:sp>
@@ -12798,8 +11202,8 @@
         </p:nvSpPr>
         <p:spPr>
           <a:xfrm>
-            <a:off x="6152914" y="1217060"/>
-            <a:ext cx="5909723" cy="7540485"/>
+            <a:off x="5257276" y="705432"/>
+            <a:ext cx="6431961" cy="5632271"/>
           </a:xfrm>
           <a:prstGeom prst="rect">
             <a:avLst/>
@@ -12821,7 +11225,7 @@
           </a:bodyPr>
           <a:lstStyle/>
           <a:p>
-            <a:pPr marL="342900" lvl="0" indent="-342900">
+            <a:pPr marL="342900" indent="-342900">
               <a:spcBef>
                 <a:spcPts val="600"/>
               </a:spcBef>
@@ -12833,7 +11237,7 @@
               <a:buAutoNum type="arabicPeriod"/>
             </a:pPr>
             <a:r>
-              <a:rPr lang="en-US" u="sng" dirty="0">
+              <a:rPr lang="en-US" sz="1500" dirty="0">
                 <a:solidFill>
                   <a:srgbClr val="00B0F0"/>
                 </a:solidFill>
@@ -12842,9 +11246,9 @@
                 <a:cs typeface="Calibri"/>
                 <a:sym typeface="Calibri"/>
               </a:rPr>
-              <a:t>Left Trigger, Right Trigger &amp; A is to move robot into Substation Pickup (*** robot has to stay close to your alliance zone for auto positioning)</a:t>
+              <a:t>Left Stick X&amp;Y and Right Stick X is for Platform Navigation Manually</a:t>
             </a:r>
-            <a:endParaRPr u="sng" dirty="0">
+            <a:endParaRPr lang="en-US" sz="1500" dirty="0">
               <a:solidFill>
                 <a:srgbClr val="00B0F0"/>
               </a:solidFill>
@@ -12866,7 +11270,7 @@
               <a:buAutoNum type="arabicPeriod"/>
             </a:pPr>
             <a:r>
-              <a:rPr lang="en-US" u="sng" dirty="0">
+              <a:rPr lang="en-US" sz="1500" dirty="0">
                 <a:solidFill>
                   <a:srgbClr val="00B0F0"/>
                 </a:solidFill>
@@ -12875,9 +11279,9 @@
                 <a:cs typeface="Calibri"/>
                 <a:sym typeface="Calibri"/>
               </a:rPr>
-              <a:t>Left Trigger, Right Trigger &amp; X is to stop both platform &amp; Tophat</a:t>
+              <a:t>Left Trigger, Right Trigger &amp; A is to move robot into Substation Pickup</a:t>
             </a:r>
-            <a:endParaRPr lang="en-US" u="sng" dirty="0">
+            <a:endParaRPr sz="1500" dirty="0">
               <a:solidFill>
                 <a:srgbClr val="00B0F0"/>
               </a:solidFill>
@@ -12899,7 +11303,7 @@
               <a:buAutoNum type="arabicPeriod"/>
             </a:pPr>
             <a:r>
-              <a:rPr lang="en-US" dirty="0">
+              <a:rPr lang="en-US" sz="1500" dirty="0">
                 <a:solidFill>
                   <a:srgbClr val="00B0F0"/>
                 </a:solidFill>
@@ -12908,9 +11312,9 @@
                 <a:cs typeface="Calibri"/>
                 <a:sym typeface="Calibri"/>
               </a:rPr>
-              <a:t>Left Stick X&amp;Y and Right Stick X is for Platform Navigation Manually</a:t>
+              <a:t>Left Trigger, Right Trigger &amp; X is to kill both platform &amp; Tophat</a:t>
             </a:r>
-            <a:endParaRPr lang="en-US" dirty="0">
+            <a:endParaRPr lang="en-US" sz="1500" dirty="0">
               <a:solidFill>
                 <a:srgbClr val="00B0F0"/>
               </a:solidFill>
@@ -12932,7 +11336,7 @@
               <a:buAutoNum type="arabicPeriod"/>
             </a:pPr>
             <a:r>
-              <a:rPr lang="en-US" dirty="0">
+              <a:rPr lang="en-US" sz="1500" dirty="0">
                 <a:solidFill>
                   <a:srgbClr val="00B0F0"/>
                 </a:solidFill>
@@ -12943,7 +11347,7 @@
               </a:rPr>
               <a:t>Left Bumper, Right Bumper, Left Trigger, Right Trigger &amp; X is Robot Reset</a:t>
             </a:r>
-            <a:endParaRPr lang="en-US" dirty="0">
+            <a:endParaRPr lang="en-US" sz="1500" dirty="0">
               <a:solidFill>
                 <a:srgbClr val="00B0F0"/>
               </a:solidFill>
@@ -12965,7 +11369,7 @@
               <a:buAutoNum type="arabicPeriod"/>
             </a:pPr>
             <a:r>
-              <a:rPr lang="en-US" dirty="0">
+              <a:rPr lang="en-US" sz="1500" dirty="0">
                 <a:solidFill>
                   <a:srgbClr val="00B0F0"/>
                 </a:solidFill>
@@ -12990,7 +11394,7 @@
               <a:buAutoNum type="arabicPeriod"/>
             </a:pPr>
             <a:r>
-              <a:rPr lang="en-US" dirty="0">
+              <a:rPr lang="en-US" sz="1500" dirty="0">
                 <a:solidFill>
                   <a:srgbClr val="00B0F0"/>
                 </a:solidFill>
@@ -13010,12 +11414,12 @@
               <a:buClr>
                 <a:srgbClr val="00B0F0"/>
               </a:buClr>
-              <a:buSzPts val="1600"/>
-              <a:buFont typeface="Calibri"/>
+              <a:buSzPts val="1400"/>
+              <a:buFont typeface="+mj-lt"/>
               <a:buAutoNum type="arabicPeriod"/>
             </a:pPr>
             <a:r>
-              <a:rPr lang="en-US" dirty="0">
+              <a:rPr lang="en-US" sz="1500" dirty="0">
                 <a:solidFill>
                   <a:srgbClr val="00B0F0"/>
                 </a:solidFill>
@@ -13024,7 +11428,7 @@
                 <a:cs typeface="Calibri"/>
                 <a:sym typeface="Calibri"/>
               </a:rPr>
-              <a:t>Left Trigger, Right Trigger &amp; DPADUP is to increase the Tophat Speed</a:t>
+              <a:t>Left Bumper &amp; X is for left low junction position</a:t>
             </a:r>
           </a:p>
           <a:p>
@@ -13035,12 +11439,12 @@
               <a:buClr>
                 <a:srgbClr val="00B0F0"/>
               </a:buClr>
-              <a:buSzPts val="1600"/>
-              <a:buFont typeface="Calibri"/>
+              <a:buSzPts val="1400"/>
+              <a:buFont typeface="+mj-lt"/>
               <a:buAutoNum type="arabicPeriod"/>
             </a:pPr>
             <a:r>
-              <a:rPr lang="en-US" dirty="0">
+              <a:rPr lang="en-US" sz="1500" dirty="0">
                 <a:solidFill>
                   <a:srgbClr val="00B0F0"/>
                 </a:solidFill>
@@ -13049,7 +11453,7 @@
                 <a:cs typeface="Calibri"/>
                 <a:sym typeface="Calibri"/>
               </a:rPr>
-              <a:t>Left Trigger, Right Trigger &amp; DPADDOWN is to decrease the Tophat Speed</a:t>
+              <a:t>Right Bumper &amp; X is for right low junction position</a:t>
             </a:r>
           </a:p>
           <a:p>
@@ -13065,7 +11469,7 @@
               <a:buAutoNum type="arabicPeriod"/>
             </a:pPr>
             <a:r>
-              <a:rPr lang="en-US" dirty="0">
+              <a:rPr lang="en-US" sz="1500" dirty="0">
                 <a:solidFill>
                   <a:srgbClr val="00B0F0"/>
                 </a:solidFill>
@@ -13090,7 +11494,7 @@
               <a:buAutoNum type="arabicPeriod"/>
             </a:pPr>
             <a:r>
-              <a:rPr lang="en-US" dirty="0">
+              <a:rPr lang="en-US" sz="1500" dirty="0">
                 <a:solidFill>
                   <a:srgbClr val="00B0F0"/>
                 </a:solidFill>
@@ -13115,57 +11519,7 @@
               <a:buAutoNum type="arabicPeriod"/>
             </a:pPr>
             <a:r>
-              <a:rPr lang="en-US" dirty="0">
-                <a:solidFill>
-                  <a:srgbClr val="00B0F0"/>
-                </a:solidFill>
-                <a:latin typeface="Calibri"/>
-                <a:ea typeface="Calibri"/>
-                <a:cs typeface="Calibri"/>
-                <a:sym typeface="Calibri"/>
-              </a:rPr>
-              <a:t>Left Bumper &amp; X is for left low junction position</a:t>
-            </a:r>
-          </a:p>
-          <a:p>
-            <a:pPr marL="342900" indent="-342900">
-              <a:spcBef>
-                <a:spcPts val="600"/>
-              </a:spcBef>
-              <a:buClr>
-                <a:srgbClr val="00B0F0"/>
-              </a:buClr>
-              <a:buSzPts val="1400"/>
-              <a:buFont typeface="+mj-lt"/>
-              <a:buAutoNum type="arabicPeriod"/>
-            </a:pPr>
-            <a:r>
-              <a:rPr lang="en-US" dirty="0">
-                <a:solidFill>
-                  <a:srgbClr val="00B0F0"/>
-                </a:solidFill>
-                <a:latin typeface="Calibri"/>
-                <a:ea typeface="Calibri"/>
-                <a:cs typeface="Calibri"/>
-                <a:sym typeface="Calibri"/>
-              </a:rPr>
-              <a:t>Right Bumper &amp; X is for right low junction position</a:t>
-            </a:r>
-          </a:p>
-          <a:p>
-            <a:pPr marL="342900" indent="-342900">
-              <a:spcBef>
-                <a:spcPts val="600"/>
-              </a:spcBef>
-              <a:buClr>
-                <a:srgbClr val="00B0F0"/>
-              </a:buClr>
-              <a:buSzPts val="1400"/>
-              <a:buFont typeface="+mj-lt"/>
-              <a:buAutoNum type="arabicPeriod"/>
-            </a:pPr>
-            <a:r>
-              <a:rPr lang="en-US" dirty="0">
+              <a:rPr lang="en-US" sz="1500" dirty="0">
                 <a:solidFill>
                   <a:srgbClr val="00B0F0"/>
                 </a:solidFill>
@@ -13190,7 +11544,7 @@
               <a:buAutoNum type="arabicPeriod"/>
             </a:pPr>
             <a:r>
-              <a:rPr lang="en-US" dirty="0">
+              <a:rPr lang="en-US" sz="1500" dirty="0">
                 <a:solidFill>
                   <a:srgbClr val="00B0F0"/>
                 </a:solidFill>
@@ -13215,7 +11569,7 @@
               <a:buAutoNum type="arabicPeriod"/>
             </a:pPr>
             <a:r>
-              <a:rPr lang="en-US" dirty="0">
+              <a:rPr lang="en-US" sz="1500" dirty="0">
                 <a:solidFill>
                   <a:srgbClr val="00B0F0"/>
                 </a:solidFill>
@@ -13240,7 +11594,7 @@
               <a:buAutoNum type="arabicPeriod"/>
             </a:pPr>
             <a:r>
-              <a:rPr lang="en-US" dirty="0">
+              <a:rPr lang="en-US" sz="1500" dirty="0">
                 <a:solidFill>
                   <a:srgbClr val="00B0F0"/>
                 </a:solidFill>
@@ -13265,7 +11619,7 @@
               <a:buAutoNum type="arabicPeriod"/>
             </a:pPr>
             <a:r>
-              <a:rPr lang="en-US" dirty="0">
+              <a:rPr lang="en-US" sz="1500" dirty="0">
                 <a:solidFill>
                   <a:srgbClr val="00B0F0"/>
                 </a:solidFill>
@@ -13274,7 +11628,7 @@
                 <a:cs typeface="Calibri"/>
                 <a:sym typeface="Calibri"/>
               </a:rPr>
-              <a:t>Right Bumper, Left Bumper &amp; A is for center ground junction/intake position </a:t>
+              <a:t>Left Bumper, Right Bumper &amp; X is for center ground junction/intake position </a:t>
             </a:r>
           </a:p>
           <a:p>
@@ -13290,7 +11644,7 @@
               <a:buAutoNum type="arabicPeriod"/>
             </a:pPr>
             <a:r>
-              <a:rPr lang="en-US" dirty="0">
+              <a:rPr lang="en-US" sz="1500" dirty="0">
                 <a:solidFill>
                   <a:srgbClr val="00B0F0"/>
                 </a:solidFill>
@@ -13299,7 +11653,7 @@
                 <a:cs typeface="Calibri"/>
                 <a:sym typeface="Calibri"/>
               </a:rPr>
-              <a:t>Right Bumper, Left Bumper &amp; B is for center medium junction position </a:t>
+              <a:t>Left Bumper, Right Bumper &amp; A is for center low junction position</a:t>
             </a:r>
           </a:p>
           <a:p>
@@ -13315,7 +11669,7 @@
               <a:buAutoNum type="arabicPeriod"/>
             </a:pPr>
             <a:r>
-              <a:rPr lang="en-US" dirty="0">
+              <a:rPr lang="en-US" sz="1500" dirty="0">
                 <a:solidFill>
                   <a:srgbClr val="00B0F0"/>
                 </a:solidFill>
@@ -13324,7 +11678,7 @@
                 <a:cs typeface="Calibri"/>
                 <a:sym typeface="Calibri"/>
               </a:rPr>
-              <a:t>Right Bumper, Left Bumper &amp; X is for center low junction position </a:t>
+              <a:t>Left Bumper, Right Bumper &amp; B is for center medium junction position </a:t>
             </a:r>
           </a:p>
           <a:p>
@@ -13340,7 +11694,7 @@
               <a:buAutoNum type="arabicPeriod"/>
             </a:pPr>
             <a:r>
-              <a:rPr lang="en-US" dirty="0">
+              <a:rPr lang="en-US" sz="1500" dirty="0">
                 <a:solidFill>
                   <a:srgbClr val="00B0F0"/>
                 </a:solidFill>
@@ -13349,86 +11703,9 @@
                 <a:cs typeface="Calibri"/>
                 <a:sym typeface="Calibri"/>
               </a:rPr>
-              <a:t>Right Bumper, Left Bumper &amp; Y is for center high junction position </a:t>
+              <a:t>Left Bumper, Right Bumper &amp; Y is for center high junction position</a:t>
             </a:r>
-          </a:p>
-          <a:p>
-            <a:pPr marL="342900" indent="-342900">
-              <a:spcBef>
-                <a:spcPts val="600"/>
-              </a:spcBef>
-              <a:buClr>
-                <a:srgbClr val="00B0F0"/>
-              </a:buClr>
-              <a:buSzPts val="1400"/>
-              <a:buFont typeface="+mj-lt"/>
-              <a:buAutoNum type="arabicPeriod"/>
-            </a:pPr>
-            <a:endParaRPr lang="en-US" dirty="0">
-              <a:solidFill>
-                <a:srgbClr val="00B0F0"/>
-              </a:solidFill>
-              <a:latin typeface="Calibri"/>
-              <a:ea typeface="Calibri"/>
-              <a:cs typeface="Calibri"/>
-              <a:sym typeface="Calibri"/>
-            </a:endParaRPr>
-          </a:p>
-          <a:p>
-            <a:pPr marL="342900" indent="-342900">
-              <a:spcBef>
-                <a:spcPts val="600"/>
-              </a:spcBef>
-              <a:buClr>
-                <a:srgbClr val="00B0F0"/>
-              </a:buClr>
-              <a:buSzPts val="1400"/>
-              <a:buFont typeface="+mj-lt"/>
-              <a:buAutoNum type="arabicPeriod"/>
-            </a:pPr>
-            <a:endParaRPr lang="en-US" dirty="0">
-              <a:solidFill>
-                <a:srgbClr val="00B0F0"/>
-              </a:solidFill>
-              <a:latin typeface="Calibri"/>
-              <a:ea typeface="Calibri"/>
-              <a:cs typeface="Calibri"/>
-            </a:endParaRPr>
-          </a:p>
-          <a:p>
-            <a:pPr marL="342900" indent="-342900">
-              <a:spcBef>
-                <a:spcPts val="600"/>
-              </a:spcBef>
-              <a:buClr>
-                <a:srgbClr val="00B0F0"/>
-              </a:buClr>
-              <a:buSzPts val="1400"/>
-              <a:buFont typeface="+mj-lt"/>
-              <a:buAutoNum type="arabicPeriod"/>
-            </a:pPr>
-            <a:endParaRPr lang="en-US" dirty="0">
-              <a:solidFill>
-                <a:srgbClr val="00B0F0"/>
-              </a:solidFill>
-              <a:latin typeface="Calibri"/>
-              <a:ea typeface="Calibri"/>
-              <a:cs typeface="Calibri"/>
-            </a:endParaRPr>
-          </a:p>
-          <a:p>
-            <a:pPr marL="342900" indent="-342900">
-              <a:spcBef>
-                <a:spcPts val="600"/>
-              </a:spcBef>
-              <a:buClr>
-                <a:srgbClr val="00B0F0"/>
-              </a:buClr>
-              <a:buSzPts val="1400"/>
-              <a:buFont typeface="+mj-lt"/>
-              <a:buAutoNum type="arabicPeriod"/>
-            </a:pPr>
-            <a:endParaRPr lang="en-US" dirty="0">
+            <a:endParaRPr lang="en-US" sz="1500" dirty="0">
               <a:solidFill>
                 <a:srgbClr val="00B0F0"/>
               </a:solidFill>
@@ -13439,6 +11716,36 @@
           </a:p>
         </p:txBody>
       </p:sp>
+      <p:pic>
+        <p:nvPicPr>
+          <p:cNvPr id="2" name="Picture 1">
+            <a:extLst>
+              <a:ext uri="{FF2B5EF4-FFF2-40B4-BE49-F238E27FC236}">
+                <a16:creationId xmlns:a16="http://schemas.microsoft.com/office/drawing/2014/main" id="{D463162D-503D-5FD1-9DF7-3028C01CBBBD}"/>
+              </a:ext>
+            </a:extLst>
+          </p:cNvPr>
+          <p:cNvPicPr>
+            <a:picLocks noChangeAspect="1"/>
+          </p:cNvPicPr>
+          <p:nvPr/>
+        </p:nvPicPr>
+        <p:blipFill>
+          <a:blip r:embed="rId3"/>
+          <a:stretch>
+            <a:fillRect/>
+          </a:stretch>
+        </p:blipFill>
+        <p:spPr>
+          <a:xfrm>
+            <a:off x="337830" y="927345"/>
+            <a:ext cx="4967594" cy="3324144"/>
+          </a:xfrm>
+          <a:prstGeom prst="rect">
+            <a:avLst/>
+          </a:prstGeom>
+        </p:spPr>
+      </p:pic>
     </p:spTree>
   </p:cSld>
   <p:clrMapOvr>
@@ -13464,577 +11771,16 @@
           <a:chExt cx="0" cy="0"/>
         </a:xfrm>
       </p:grpSpPr>
-      <p:pic>
-        <p:nvPicPr>
-          <p:cNvPr id="212" name="Google Shape;212;p4"/>
-          <p:cNvPicPr preferRelativeResize="0"/>
-          <p:nvPr/>
-        </p:nvPicPr>
-        <p:blipFill rotWithShape="1">
-          <a:blip r:embed="rId3">
-            <a:alphaModFix/>
-          </a:blip>
-          <a:srcRect/>
-          <a:stretch/>
-        </p:blipFill>
-        <p:spPr>
-          <a:xfrm>
-            <a:off x="489795" y="1342107"/>
-            <a:ext cx="5606205" cy="3490214"/>
-          </a:xfrm>
-          <a:prstGeom prst="rect">
-            <a:avLst/>
-          </a:prstGeom>
-          <a:noFill/>
-          <a:ln>
-            <a:noFill/>
-          </a:ln>
-        </p:spPr>
-      </p:pic>
-      <p:grpSp>
-        <p:nvGrpSpPr>
-          <p:cNvPr id="213" name="Google Shape;213;p4"/>
-          <p:cNvGrpSpPr/>
-          <p:nvPr/>
-        </p:nvGrpSpPr>
-        <p:grpSpPr>
-          <a:xfrm>
-            <a:off x="1595307" y="2986102"/>
-            <a:ext cx="1744905" cy="1304700"/>
-            <a:chOff x="1595307" y="2986102"/>
-            <a:chExt cx="1744905" cy="1304700"/>
-          </a:xfrm>
-        </p:grpSpPr>
-        <p:cxnSp>
-          <p:nvCxnSpPr>
-            <p:cNvPr id="214" name="Google Shape;214;p4"/>
-            <p:cNvCxnSpPr/>
-            <p:nvPr/>
-          </p:nvCxnSpPr>
-          <p:spPr>
-            <a:xfrm>
-              <a:off x="1971413" y="3632433"/>
-              <a:ext cx="1023457" cy="0"/>
-            </a:xfrm>
-            <a:prstGeom prst="straightConnector1">
-              <a:avLst/>
-            </a:prstGeom>
-            <a:noFill/>
-            <a:ln w="28575" cap="flat" cmpd="sng">
-              <a:solidFill>
-                <a:srgbClr val="00B0F0"/>
-              </a:solidFill>
-              <a:prstDash val="solid"/>
-              <a:miter lim="800000"/>
-              <a:headEnd type="triangle" w="med" len="med"/>
-              <a:tailEnd type="triangle" w="med" len="med"/>
-            </a:ln>
-          </p:spPr>
-        </p:cxnSp>
-        <p:cxnSp>
-          <p:nvCxnSpPr>
-            <p:cNvPr id="215" name="Google Shape;215;p4"/>
-            <p:cNvCxnSpPr/>
-            <p:nvPr/>
-          </p:nvCxnSpPr>
-          <p:spPr>
-            <a:xfrm>
-              <a:off x="2459372" y="3300401"/>
-              <a:ext cx="0" cy="697619"/>
-            </a:xfrm>
-            <a:prstGeom prst="straightConnector1">
-              <a:avLst/>
-            </a:prstGeom>
-            <a:noFill/>
-            <a:ln w="28575" cap="flat" cmpd="sng">
-              <a:solidFill>
-                <a:srgbClr val="00B0F0"/>
-              </a:solidFill>
-              <a:prstDash val="solid"/>
-              <a:miter lim="800000"/>
-              <a:headEnd type="triangle" w="med" len="med"/>
-              <a:tailEnd type="triangle" w="med" len="med"/>
-            </a:ln>
-          </p:spPr>
-        </p:cxnSp>
-        <p:sp>
-          <p:nvSpPr>
-            <p:cNvPr id="216" name="Google Shape;216;p4"/>
-            <p:cNvSpPr txBox="1"/>
-            <p:nvPr/>
-          </p:nvSpPr>
-          <p:spPr>
-            <a:xfrm>
-              <a:off x="2878822" y="3429000"/>
-              <a:ext cx="461390" cy="369332"/>
-            </a:xfrm>
-            <a:prstGeom prst="rect">
-              <a:avLst/>
-            </a:prstGeom>
-            <a:noFill/>
-            <a:ln>
-              <a:noFill/>
-            </a:ln>
-          </p:spPr>
-          <p:txBody>
-            <a:bodyPr spcFirstLastPara="1" wrap="square" lIns="91425" tIns="45700" rIns="91425" bIns="45700" anchor="ctr" anchorCtr="0">
-              <a:spAutoFit/>
-            </a:bodyPr>
-            <a:lstStyle/>
-            <a:p>
-              <a:pPr marL="0" marR="0" lvl="0" indent="0" algn="ctr" rtl="0">
-                <a:spcBef>
-                  <a:spcPts val="0"/>
-                </a:spcBef>
-                <a:spcAft>
-                  <a:spcPts val="0"/>
-                </a:spcAft>
-                <a:buNone/>
-              </a:pPr>
-              <a:r>
-                <a:rPr lang="en-US" sz="1800" b="0" i="0" u="none" strike="noStrike" cap="none">
-                  <a:solidFill>
-                    <a:schemeClr val="lt1"/>
-                  </a:solidFill>
-                  <a:latin typeface="Calibri"/>
-                  <a:ea typeface="Calibri"/>
-                  <a:cs typeface="Calibri"/>
-                  <a:sym typeface="Calibri"/>
-                </a:rPr>
-                <a:t>+X</a:t>
-              </a:r>
-              <a:endParaRPr/>
-            </a:p>
-          </p:txBody>
-        </p:sp>
-        <p:sp>
-          <p:nvSpPr>
-            <p:cNvPr id="217" name="Google Shape;217;p4"/>
-            <p:cNvSpPr txBox="1"/>
-            <p:nvPr/>
-          </p:nvSpPr>
-          <p:spPr>
-            <a:xfrm>
-              <a:off x="1595307" y="3447766"/>
-              <a:ext cx="440421" cy="369332"/>
-            </a:xfrm>
-            <a:prstGeom prst="rect">
-              <a:avLst/>
-            </a:prstGeom>
-            <a:noFill/>
-            <a:ln>
-              <a:noFill/>
-            </a:ln>
-          </p:spPr>
-          <p:txBody>
-            <a:bodyPr spcFirstLastPara="1" wrap="square" lIns="91425" tIns="45700" rIns="91425" bIns="45700" anchor="ctr" anchorCtr="0">
-              <a:spAutoFit/>
-            </a:bodyPr>
-            <a:lstStyle/>
-            <a:p>
-              <a:pPr marL="0" marR="0" lvl="0" indent="0" algn="ctr" rtl="0">
-                <a:spcBef>
-                  <a:spcPts val="0"/>
-                </a:spcBef>
-                <a:spcAft>
-                  <a:spcPts val="0"/>
-                </a:spcAft>
-                <a:buNone/>
-              </a:pPr>
-              <a:r>
-                <a:rPr lang="en-US" sz="1800" b="0" i="0" u="none" strike="noStrike" cap="none">
-                  <a:solidFill>
-                    <a:schemeClr val="lt1"/>
-                  </a:solidFill>
-                  <a:latin typeface="Calibri"/>
-                  <a:ea typeface="Calibri"/>
-                  <a:cs typeface="Calibri"/>
-                  <a:sym typeface="Calibri"/>
-                </a:rPr>
-                <a:t>-X</a:t>
-              </a:r>
-              <a:endParaRPr/>
-            </a:p>
-          </p:txBody>
-        </p:sp>
-        <p:sp>
-          <p:nvSpPr>
-            <p:cNvPr id="218" name="Google Shape;218;p4"/>
-            <p:cNvSpPr txBox="1"/>
-            <p:nvPr/>
-          </p:nvSpPr>
-          <p:spPr>
-            <a:xfrm>
-              <a:off x="2181136" y="2986102"/>
-              <a:ext cx="461391" cy="369332"/>
-            </a:xfrm>
-            <a:prstGeom prst="rect">
-              <a:avLst/>
-            </a:prstGeom>
-            <a:noFill/>
-            <a:ln>
-              <a:noFill/>
-            </a:ln>
-          </p:spPr>
-          <p:txBody>
-            <a:bodyPr spcFirstLastPara="1" wrap="square" lIns="91425" tIns="45700" rIns="91425" bIns="45700" anchor="ctr" anchorCtr="0">
-              <a:spAutoFit/>
-            </a:bodyPr>
-            <a:lstStyle/>
-            <a:p>
-              <a:pPr marL="0" marR="0" lvl="0" indent="0" algn="ctr" rtl="0">
-                <a:spcBef>
-                  <a:spcPts val="0"/>
-                </a:spcBef>
-                <a:spcAft>
-                  <a:spcPts val="0"/>
-                </a:spcAft>
-                <a:buNone/>
-              </a:pPr>
-              <a:r>
-                <a:rPr lang="en-US" sz="1800" b="0" i="0" u="none" strike="noStrike" cap="none">
-                  <a:solidFill>
-                    <a:schemeClr val="lt1"/>
-                  </a:solidFill>
-                  <a:latin typeface="Calibri"/>
-                  <a:ea typeface="Calibri"/>
-                  <a:cs typeface="Calibri"/>
-                  <a:sym typeface="Calibri"/>
-                </a:rPr>
-                <a:t>+Y</a:t>
-              </a:r>
-              <a:endParaRPr/>
-            </a:p>
-          </p:txBody>
-        </p:sp>
-        <p:sp>
-          <p:nvSpPr>
-            <p:cNvPr id="219" name="Google Shape;219;p4"/>
-            <p:cNvSpPr txBox="1"/>
-            <p:nvPr/>
-          </p:nvSpPr>
-          <p:spPr>
-            <a:xfrm>
-              <a:off x="2199312" y="3921470"/>
-              <a:ext cx="457203" cy="369332"/>
-            </a:xfrm>
-            <a:prstGeom prst="rect">
-              <a:avLst/>
-            </a:prstGeom>
-            <a:noFill/>
-            <a:ln>
-              <a:noFill/>
-            </a:ln>
-          </p:spPr>
-          <p:txBody>
-            <a:bodyPr spcFirstLastPara="1" wrap="square" lIns="91425" tIns="45700" rIns="91425" bIns="45700" anchor="ctr" anchorCtr="0">
-              <a:spAutoFit/>
-            </a:bodyPr>
-            <a:lstStyle/>
-            <a:p>
-              <a:pPr marL="0" marR="0" lvl="0" indent="0" algn="ctr" rtl="0">
-                <a:spcBef>
-                  <a:spcPts val="0"/>
-                </a:spcBef>
-                <a:spcAft>
-                  <a:spcPts val="0"/>
-                </a:spcAft>
-                <a:buNone/>
-              </a:pPr>
-              <a:r>
-                <a:rPr lang="en-US" sz="1800" b="0" i="0" u="none" strike="noStrike" cap="none">
-                  <a:solidFill>
-                    <a:schemeClr val="lt1"/>
-                  </a:solidFill>
-                  <a:latin typeface="Calibri"/>
-                  <a:ea typeface="Calibri"/>
-                  <a:cs typeface="Calibri"/>
-                  <a:sym typeface="Calibri"/>
-                </a:rPr>
-                <a:t>-Y</a:t>
-              </a:r>
-              <a:endParaRPr/>
-            </a:p>
-          </p:txBody>
-        </p:sp>
-      </p:grpSp>
-      <p:grpSp>
-        <p:nvGrpSpPr>
-          <p:cNvPr id="220" name="Google Shape;220;p4"/>
-          <p:cNvGrpSpPr/>
-          <p:nvPr/>
-        </p:nvGrpSpPr>
-        <p:grpSpPr>
-          <a:xfrm>
-            <a:off x="3219542" y="2961316"/>
-            <a:ext cx="1744905" cy="1304700"/>
-            <a:chOff x="1595307" y="2986102"/>
-            <a:chExt cx="1744905" cy="1304700"/>
-          </a:xfrm>
-        </p:grpSpPr>
-        <p:cxnSp>
-          <p:nvCxnSpPr>
-            <p:cNvPr id="221" name="Google Shape;221;p4"/>
-            <p:cNvCxnSpPr/>
-            <p:nvPr/>
-          </p:nvCxnSpPr>
-          <p:spPr>
-            <a:xfrm>
-              <a:off x="1971413" y="3632433"/>
-              <a:ext cx="1023457" cy="0"/>
-            </a:xfrm>
-            <a:prstGeom prst="straightConnector1">
-              <a:avLst/>
-            </a:prstGeom>
-            <a:noFill/>
-            <a:ln w="28575" cap="flat" cmpd="sng">
-              <a:solidFill>
-                <a:srgbClr val="00B0F0"/>
-              </a:solidFill>
-              <a:prstDash val="solid"/>
-              <a:miter lim="800000"/>
-              <a:headEnd type="triangle" w="med" len="med"/>
-              <a:tailEnd type="triangle" w="med" len="med"/>
-            </a:ln>
-          </p:spPr>
-        </p:cxnSp>
-        <p:cxnSp>
-          <p:nvCxnSpPr>
-            <p:cNvPr id="222" name="Google Shape;222;p4"/>
-            <p:cNvCxnSpPr/>
-            <p:nvPr/>
-          </p:nvCxnSpPr>
-          <p:spPr>
-            <a:xfrm>
-              <a:off x="2459372" y="3300401"/>
-              <a:ext cx="0" cy="697619"/>
-            </a:xfrm>
-            <a:prstGeom prst="straightConnector1">
-              <a:avLst/>
-            </a:prstGeom>
-            <a:noFill/>
-            <a:ln w="28575" cap="flat" cmpd="sng">
-              <a:solidFill>
-                <a:srgbClr val="00B0F0"/>
-              </a:solidFill>
-              <a:prstDash val="solid"/>
-              <a:miter lim="800000"/>
-              <a:headEnd type="triangle" w="med" len="med"/>
-              <a:tailEnd type="triangle" w="med" len="med"/>
-            </a:ln>
-          </p:spPr>
-        </p:cxnSp>
-        <p:sp>
-          <p:nvSpPr>
-            <p:cNvPr id="223" name="Google Shape;223;p4"/>
-            <p:cNvSpPr txBox="1"/>
-            <p:nvPr/>
-          </p:nvSpPr>
-          <p:spPr>
-            <a:xfrm>
-              <a:off x="2878822" y="3429000"/>
-              <a:ext cx="461390" cy="369332"/>
-            </a:xfrm>
-            <a:prstGeom prst="rect">
-              <a:avLst/>
-            </a:prstGeom>
-            <a:noFill/>
-            <a:ln>
-              <a:noFill/>
-            </a:ln>
-          </p:spPr>
-          <p:txBody>
-            <a:bodyPr spcFirstLastPara="1" wrap="square" lIns="91425" tIns="45700" rIns="91425" bIns="45700" anchor="ctr" anchorCtr="0">
-              <a:spAutoFit/>
-            </a:bodyPr>
-            <a:lstStyle/>
-            <a:p>
-              <a:pPr marL="0" marR="0" lvl="0" indent="0" algn="ctr" rtl="0">
-                <a:spcBef>
-                  <a:spcPts val="0"/>
-                </a:spcBef>
-                <a:spcAft>
-                  <a:spcPts val="0"/>
-                </a:spcAft>
-                <a:buNone/>
-              </a:pPr>
-              <a:r>
-                <a:rPr lang="en-US" sz="1800" b="0" i="0" u="none" strike="noStrike" cap="none">
-                  <a:solidFill>
-                    <a:schemeClr val="lt1"/>
-                  </a:solidFill>
-                  <a:latin typeface="Calibri"/>
-                  <a:ea typeface="Calibri"/>
-                  <a:cs typeface="Calibri"/>
-                  <a:sym typeface="Calibri"/>
-                </a:rPr>
-                <a:t>+X</a:t>
-              </a:r>
-              <a:endParaRPr/>
-            </a:p>
-          </p:txBody>
-        </p:sp>
-        <p:sp>
-          <p:nvSpPr>
-            <p:cNvPr id="224" name="Google Shape;224;p4"/>
-            <p:cNvSpPr txBox="1"/>
-            <p:nvPr/>
-          </p:nvSpPr>
-          <p:spPr>
-            <a:xfrm>
-              <a:off x="1595307" y="3447766"/>
-              <a:ext cx="440421" cy="369332"/>
-            </a:xfrm>
-            <a:prstGeom prst="rect">
-              <a:avLst/>
-            </a:prstGeom>
-            <a:noFill/>
-            <a:ln>
-              <a:noFill/>
-            </a:ln>
-          </p:spPr>
-          <p:txBody>
-            <a:bodyPr spcFirstLastPara="1" wrap="square" lIns="91425" tIns="45700" rIns="91425" bIns="45700" anchor="ctr" anchorCtr="0">
-              <a:spAutoFit/>
-            </a:bodyPr>
-            <a:lstStyle/>
-            <a:p>
-              <a:pPr marL="0" marR="0" lvl="0" indent="0" algn="ctr" rtl="0">
-                <a:spcBef>
-                  <a:spcPts val="0"/>
-                </a:spcBef>
-                <a:spcAft>
-                  <a:spcPts val="0"/>
-                </a:spcAft>
-                <a:buNone/>
-              </a:pPr>
-              <a:r>
-                <a:rPr lang="en-US" sz="1800" b="0" i="0" u="none" strike="noStrike" cap="none">
-                  <a:solidFill>
-                    <a:schemeClr val="lt1"/>
-                  </a:solidFill>
-                  <a:latin typeface="Calibri"/>
-                  <a:ea typeface="Calibri"/>
-                  <a:cs typeface="Calibri"/>
-                  <a:sym typeface="Calibri"/>
-                </a:rPr>
-                <a:t>-X</a:t>
-              </a:r>
-              <a:endParaRPr/>
-            </a:p>
-          </p:txBody>
-        </p:sp>
-        <p:sp>
-          <p:nvSpPr>
-            <p:cNvPr id="225" name="Google Shape;225;p4"/>
-            <p:cNvSpPr txBox="1"/>
-            <p:nvPr/>
-          </p:nvSpPr>
-          <p:spPr>
-            <a:xfrm>
-              <a:off x="2181136" y="2986102"/>
-              <a:ext cx="461391" cy="369332"/>
-            </a:xfrm>
-            <a:prstGeom prst="rect">
-              <a:avLst/>
-            </a:prstGeom>
-            <a:noFill/>
-            <a:ln>
-              <a:noFill/>
-            </a:ln>
-          </p:spPr>
-          <p:txBody>
-            <a:bodyPr spcFirstLastPara="1" wrap="square" lIns="91425" tIns="45700" rIns="91425" bIns="45700" anchor="ctr" anchorCtr="0">
-              <a:spAutoFit/>
-            </a:bodyPr>
-            <a:lstStyle/>
-            <a:p>
-              <a:pPr marL="0" marR="0" lvl="0" indent="0" algn="ctr" rtl="0">
-                <a:spcBef>
-                  <a:spcPts val="0"/>
-                </a:spcBef>
-                <a:spcAft>
-                  <a:spcPts val="0"/>
-                </a:spcAft>
-                <a:buNone/>
-              </a:pPr>
-              <a:r>
-                <a:rPr lang="en-US" sz="1800" b="0" i="0" u="none" strike="noStrike" cap="none">
-                  <a:solidFill>
-                    <a:schemeClr val="lt1"/>
-                  </a:solidFill>
-                  <a:latin typeface="Calibri"/>
-                  <a:ea typeface="Calibri"/>
-                  <a:cs typeface="Calibri"/>
-                  <a:sym typeface="Calibri"/>
-                </a:rPr>
-                <a:t>+Y</a:t>
-              </a:r>
-              <a:endParaRPr/>
-            </a:p>
-          </p:txBody>
-        </p:sp>
-        <p:sp>
-          <p:nvSpPr>
-            <p:cNvPr id="226" name="Google Shape;226;p4"/>
-            <p:cNvSpPr txBox="1"/>
-            <p:nvPr/>
-          </p:nvSpPr>
-          <p:spPr>
-            <a:xfrm>
-              <a:off x="2199312" y="3921470"/>
-              <a:ext cx="457203" cy="369332"/>
-            </a:xfrm>
-            <a:prstGeom prst="rect">
-              <a:avLst/>
-            </a:prstGeom>
-            <a:noFill/>
-            <a:ln>
-              <a:noFill/>
-            </a:ln>
-          </p:spPr>
-          <p:txBody>
-            <a:bodyPr spcFirstLastPara="1" wrap="square" lIns="91425" tIns="45700" rIns="91425" bIns="45700" anchor="ctr" anchorCtr="0">
-              <a:spAutoFit/>
-            </a:bodyPr>
-            <a:lstStyle/>
-            <a:p>
-              <a:pPr marL="0" marR="0" lvl="0" indent="0" algn="ctr" rtl="0">
-                <a:spcBef>
-                  <a:spcPts val="0"/>
-                </a:spcBef>
-                <a:spcAft>
-                  <a:spcPts val="0"/>
-                </a:spcAft>
-                <a:buNone/>
-              </a:pPr>
-              <a:r>
-                <a:rPr lang="en-US" sz="1800" b="0" i="0" u="none" strike="noStrike" cap="none">
-                  <a:solidFill>
-                    <a:schemeClr val="lt1"/>
-                  </a:solidFill>
-                  <a:latin typeface="Calibri"/>
-                  <a:ea typeface="Calibri"/>
-                  <a:cs typeface="Calibri"/>
-                  <a:sym typeface="Calibri"/>
-                </a:rPr>
-                <a:t>-Y</a:t>
-              </a:r>
-              <a:endParaRPr/>
-            </a:p>
-          </p:txBody>
-        </p:sp>
-      </p:grpSp>
       <p:sp>
         <p:nvSpPr>
-          <p:cNvPr id="227" name="Google Shape;227;p4"/>
+          <p:cNvPr id="241" name="Google Shape;241;p4"/>
           <p:cNvSpPr/>
           <p:nvPr/>
         </p:nvSpPr>
         <p:spPr>
           <a:xfrm>
-            <a:off x="1769693" y="4201453"/>
-            <a:ext cx="1449849" cy="344546"/>
+            <a:off x="1730155" y="221013"/>
+            <a:ext cx="8731690" cy="344546"/>
           </a:xfrm>
           <a:prstGeom prst="ellipse">
             <a:avLst/>
@@ -14060,7 +11806,7 @@
               <a:buNone/>
             </a:pPr>
             <a:r>
-              <a:rPr lang="en-US" sz="1600" b="0" i="0" u="none" strike="noStrike" cap="none">
+              <a:rPr lang="en-US" sz="2800" b="0" i="0" u="none" strike="noStrike" cap="none" dirty="0">
                 <a:solidFill>
                   <a:srgbClr val="00B0F0"/>
                 </a:solidFill>
@@ -14069,934 +11815,9 @@
                 <a:cs typeface="Calibri"/>
                 <a:sym typeface="Calibri"/>
               </a:rPr>
-              <a:t>Left Stick</a:t>
+              <a:t>Instructions for Robot Top Hat Driver</a:t>
             </a:r>
-            <a:endParaRPr/>
-          </a:p>
-        </p:txBody>
-      </p:sp>
-      <p:sp>
-        <p:nvSpPr>
-          <p:cNvPr id="228" name="Google Shape;228;p4"/>
-          <p:cNvSpPr/>
-          <p:nvPr/>
-        </p:nvSpPr>
-        <p:spPr>
-          <a:xfrm>
-            <a:off x="3219542" y="4231761"/>
-            <a:ext cx="1588989" cy="344546"/>
-          </a:xfrm>
-          <a:prstGeom prst="ellipse">
-            <a:avLst/>
-          </a:prstGeom>
-          <a:noFill/>
-          <a:ln>
-            <a:noFill/>
-          </a:ln>
-        </p:spPr>
-        <p:txBody>
-          <a:bodyPr spcFirstLastPara="1" wrap="square" lIns="91425" tIns="45700" rIns="91425" bIns="45700" anchor="ctr" anchorCtr="0">
-            <a:noAutofit/>
-          </a:bodyPr>
-          <a:lstStyle/>
-          <a:p>
-            <a:pPr marL="0" marR="0" lvl="0" indent="0" algn="ctr" rtl="0">
-              <a:spcBef>
-                <a:spcPts val="0"/>
-              </a:spcBef>
-              <a:spcAft>
-                <a:spcPts val="0"/>
-              </a:spcAft>
-              <a:buNone/>
-            </a:pPr>
-            <a:r>
-              <a:rPr lang="en-US" sz="1600" b="0" i="0" u="none" strike="noStrike" cap="none">
-                <a:solidFill>
-                  <a:srgbClr val="00B0F0"/>
-                </a:solidFill>
-                <a:latin typeface="Calibri"/>
-                <a:ea typeface="Calibri"/>
-                <a:cs typeface="Calibri"/>
-                <a:sym typeface="Calibri"/>
-              </a:rPr>
-              <a:t>Right Stick</a:t>
-            </a:r>
-            <a:endParaRPr/>
-          </a:p>
-        </p:txBody>
-      </p:sp>
-      <p:grpSp>
-        <p:nvGrpSpPr>
-          <p:cNvPr id="229" name="Google Shape;229;p4"/>
-          <p:cNvGrpSpPr/>
-          <p:nvPr/>
-        </p:nvGrpSpPr>
-        <p:grpSpPr>
-          <a:xfrm>
-            <a:off x="727260" y="2118702"/>
-            <a:ext cx="2112941" cy="1212368"/>
-            <a:chOff x="1504855" y="3032268"/>
-            <a:chExt cx="2112941" cy="1212368"/>
-          </a:xfrm>
-        </p:grpSpPr>
-        <p:cxnSp>
-          <p:nvCxnSpPr>
-            <p:cNvPr id="230" name="Google Shape;230;p4"/>
-            <p:cNvCxnSpPr/>
-            <p:nvPr/>
-          </p:nvCxnSpPr>
-          <p:spPr>
-            <a:xfrm>
-              <a:off x="1971413" y="3632433"/>
-              <a:ext cx="1023457" cy="0"/>
-            </a:xfrm>
-            <a:prstGeom prst="straightConnector1">
-              <a:avLst/>
-            </a:prstGeom>
-            <a:noFill/>
-            <a:ln w="28575" cap="flat" cmpd="sng">
-              <a:solidFill>
-                <a:srgbClr val="00B0F0"/>
-              </a:solidFill>
-              <a:prstDash val="solid"/>
-              <a:miter lim="800000"/>
-              <a:headEnd type="triangle" w="med" len="med"/>
-              <a:tailEnd type="triangle" w="med" len="med"/>
-            </a:ln>
-          </p:spPr>
-        </p:cxnSp>
-        <p:cxnSp>
-          <p:nvCxnSpPr>
-            <p:cNvPr id="231" name="Google Shape;231;p4"/>
-            <p:cNvCxnSpPr/>
-            <p:nvPr/>
-          </p:nvCxnSpPr>
-          <p:spPr>
-            <a:xfrm>
-              <a:off x="2459372" y="3300401"/>
-              <a:ext cx="0" cy="697619"/>
-            </a:xfrm>
-            <a:prstGeom prst="straightConnector1">
-              <a:avLst/>
-            </a:prstGeom>
-            <a:noFill/>
-            <a:ln w="28575" cap="flat" cmpd="sng">
-              <a:solidFill>
-                <a:srgbClr val="00B0F0"/>
-              </a:solidFill>
-              <a:prstDash val="solid"/>
-              <a:miter lim="800000"/>
-              <a:headEnd type="triangle" w="med" len="med"/>
-              <a:tailEnd type="triangle" w="med" len="med"/>
-            </a:ln>
-          </p:spPr>
-        </p:cxnSp>
-        <p:sp>
-          <p:nvSpPr>
-            <p:cNvPr id="232" name="Google Shape;232;p4"/>
-            <p:cNvSpPr txBox="1"/>
-            <p:nvPr/>
-          </p:nvSpPr>
-          <p:spPr>
-            <a:xfrm>
-              <a:off x="2845265" y="3491944"/>
-              <a:ext cx="772531" cy="276999"/>
-            </a:xfrm>
-            <a:prstGeom prst="rect">
-              <a:avLst/>
-            </a:prstGeom>
-            <a:noFill/>
-            <a:ln>
-              <a:noFill/>
-            </a:ln>
-          </p:spPr>
-          <p:txBody>
-            <a:bodyPr spcFirstLastPara="1" wrap="square" lIns="91425" tIns="45700" rIns="91425" bIns="45700" anchor="ctr" anchorCtr="0">
-              <a:spAutoFit/>
-            </a:bodyPr>
-            <a:lstStyle/>
-            <a:p>
-              <a:pPr marL="0" marR="0" lvl="0" indent="0" algn="ctr" rtl="0">
-                <a:spcBef>
-                  <a:spcPts val="0"/>
-                </a:spcBef>
-                <a:spcAft>
-                  <a:spcPts val="0"/>
-                </a:spcAft>
-                <a:buNone/>
-              </a:pPr>
-              <a:r>
-                <a:rPr lang="en-US" sz="1200" b="1" i="0" u="none" strike="noStrike" cap="none">
-                  <a:solidFill>
-                    <a:schemeClr val="lt1"/>
-                  </a:solidFill>
-                  <a:latin typeface="Calibri"/>
-                  <a:ea typeface="Calibri"/>
-                  <a:cs typeface="Calibri"/>
-                  <a:sym typeface="Calibri"/>
-                </a:rPr>
-                <a:t>RIGHT</a:t>
-              </a:r>
-              <a:endParaRPr/>
-            </a:p>
-          </p:txBody>
-        </p:sp>
-        <p:sp>
-          <p:nvSpPr>
-            <p:cNvPr id="233" name="Google Shape;233;p4"/>
-            <p:cNvSpPr txBox="1"/>
-            <p:nvPr/>
-          </p:nvSpPr>
-          <p:spPr>
-            <a:xfrm>
-              <a:off x="1504855" y="3493932"/>
-              <a:ext cx="597986" cy="276999"/>
-            </a:xfrm>
-            <a:prstGeom prst="rect">
-              <a:avLst/>
-            </a:prstGeom>
-            <a:noFill/>
-            <a:ln>
-              <a:noFill/>
-            </a:ln>
-          </p:spPr>
-          <p:txBody>
-            <a:bodyPr spcFirstLastPara="1" wrap="square" lIns="91425" tIns="45700" rIns="91425" bIns="45700" anchor="ctr" anchorCtr="0">
-              <a:spAutoFit/>
-            </a:bodyPr>
-            <a:lstStyle/>
-            <a:p>
-              <a:pPr marL="0" marR="0" lvl="0" indent="0" algn="ctr" rtl="0">
-                <a:spcBef>
-                  <a:spcPts val="0"/>
-                </a:spcBef>
-                <a:spcAft>
-                  <a:spcPts val="0"/>
-                </a:spcAft>
-                <a:buNone/>
-              </a:pPr>
-              <a:r>
-                <a:rPr lang="en-US" sz="1200" b="1" i="0" u="none" strike="noStrike" cap="none">
-                  <a:solidFill>
-                    <a:schemeClr val="lt1"/>
-                  </a:solidFill>
-                  <a:latin typeface="Calibri"/>
-                  <a:ea typeface="Calibri"/>
-                  <a:cs typeface="Calibri"/>
-                  <a:sym typeface="Calibri"/>
-                </a:rPr>
-                <a:t>LEFT</a:t>
-              </a:r>
-              <a:endParaRPr/>
-            </a:p>
-          </p:txBody>
-        </p:sp>
-        <p:sp>
-          <p:nvSpPr>
-            <p:cNvPr id="234" name="Google Shape;234;p4"/>
-            <p:cNvSpPr txBox="1"/>
-            <p:nvPr/>
-          </p:nvSpPr>
-          <p:spPr>
-            <a:xfrm>
-              <a:off x="2231470" y="3032268"/>
-              <a:ext cx="461391" cy="276999"/>
-            </a:xfrm>
-            <a:prstGeom prst="rect">
-              <a:avLst/>
-            </a:prstGeom>
-            <a:noFill/>
-            <a:ln>
-              <a:noFill/>
-            </a:ln>
-          </p:spPr>
-          <p:txBody>
-            <a:bodyPr spcFirstLastPara="1" wrap="square" lIns="91425" tIns="45700" rIns="91425" bIns="45700" anchor="ctr" anchorCtr="0">
-              <a:spAutoFit/>
-            </a:bodyPr>
-            <a:lstStyle/>
-            <a:p>
-              <a:pPr marL="0" marR="0" lvl="0" indent="0" algn="ctr" rtl="0">
-                <a:spcBef>
-                  <a:spcPts val="0"/>
-                </a:spcBef>
-                <a:spcAft>
-                  <a:spcPts val="0"/>
-                </a:spcAft>
-                <a:buNone/>
-              </a:pPr>
-              <a:r>
-                <a:rPr lang="en-US" sz="1200" b="1" i="0" u="none" strike="noStrike" cap="none">
-                  <a:solidFill>
-                    <a:schemeClr val="lt1"/>
-                  </a:solidFill>
-                  <a:latin typeface="Calibri"/>
-                  <a:ea typeface="Calibri"/>
-                  <a:cs typeface="Calibri"/>
-                  <a:sym typeface="Calibri"/>
-                </a:rPr>
-                <a:t>UP</a:t>
-              </a:r>
-              <a:endParaRPr/>
-            </a:p>
-          </p:txBody>
-        </p:sp>
-        <p:sp>
-          <p:nvSpPr>
-            <p:cNvPr id="235" name="Google Shape;235;p4"/>
-            <p:cNvSpPr txBox="1"/>
-            <p:nvPr/>
-          </p:nvSpPr>
-          <p:spPr>
-            <a:xfrm>
-              <a:off x="2014763" y="3967637"/>
-              <a:ext cx="868256" cy="276999"/>
-            </a:xfrm>
-            <a:prstGeom prst="rect">
-              <a:avLst/>
-            </a:prstGeom>
-            <a:noFill/>
-            <a:ln>
-              <a:noFill/>
-            </a:ln>
-          </p:spPr>
-          <p:txBody>
-            <a:bodyPr spcFirstLastPara="1" wrap="square" lIns="91425" tIns="45700" rIns="91425" bIns="45700" anchor="ctr" anchorCtr="0">
-              <a:spAutoFit/>
-            </a:bodyPr>
-            <a:lstStyle/>
-            <a:p>
-              <a:pPr marL="0" marR="0" lvl="0" indent="0" algn="ctr" rtl="0">
-                <a:spcBef>
-                  <a:spcPts val="0"/>
-                </a:spcBef>
-                <a:spcAft>
-                  <a:spcPts val="0"/>
-                </a:spcAft>
-                <a:buNone/>
-              </a:pPr>
-              <a:r>
-                <a:rPr lang="en-US" sz="1200" b="1" i="0" u="none" strike="noStrike" cap="none">
-                  <a:solidFill>
-                    <a:schemeClr val="lt1"/>
-                  </a:solidFill>
-                  <a:latin typeface="Calibri"/>
-                  <a:ea typeface="Calibri"/>
-                  <a:cs typeface="Calibri"/>
-                  <a:sym typeface="Calibri"/>
-                </a:rPr>
-                <a:t>DOWN</a:t>
-              </a:r>
-              <a:endParaRPr/>
-            </a:p>
-          </p:txBody>
-        </p:sp>
-      </p:grpSp>
-      <p:sp>
-        <p:nvSpPr>
-          <p:cNvPr id="236" name="Google Shape;236;p4"/>
-          <p:cNvSpPr/>
-          <p:nvPr/>
-        </p:nvSpPr>
-        <p:spPr>
-          <a:xfrm>
-            <a:off x="978064" y="1826015"/>
-            <a:ext cx="1449849" cy="344546"/>
-          </a:xfrm>
-          <a:prstGeom prst="ellipse">
-            <a:avLst/>
-          </a:prstGeom>
-          <a:noFill/>
-          <a:ln>
-            <a:noFill/>
-          </a:ln>
-        </p:spPr>
-        <p:txBody>
-          <a:bodyPr spcFirstLastPara="1" wrap="square" lIns="91425" tIns="45700" rIns="91425" bIns="45700" anchor="ctr" anchorCtr="0">
-            <a:noAutofit/>
-          </a:bodyPr>
-          <a:lstStyle/>
-          <a:p>
-            <a:pPr marL="0" marR="0" lvl="0" indent="0" algn="ctr" rtl="0">
-              <a:spcBef>
-                <a:spcPts val="0"/>
-              </a:spcBef>
-              <a:spcAft>
-                <a:spcPts val="0"/>
-              </a:spcAft>
-              <a:buNone/>
-            </a:pPr>
-            <a:r>
-              <a:rPr lang="en-US" sz="1600" b="0" i="0" u="none" strike="noStrike" cap="none">
-                <a:solidFill>
-                  <a:schemeClr val="lt1"/>
-                </a:solidFill>
-                <a:latin typeface="Calibri"/>
-                <a:ea typeface="Calibri"/>
-                <a:cs typeface="Calibri"/>
-                <a:sym typeface="Calibri"/>
-              </a:rPr>
-              <a:t>DPAD</a:t>
-            </a:r>
-            <a:endParaRPr/>
-          </a:p>
-        </p:txBody>
-      </p:sp>
-      <p:sp>
-        <p:nvSpPr>
-          <p:cNvPr id="237" name="Google Shape;237;p4"/>
-          <p:cNvSpPr txBox="1"/>
-          <p:nvPr/>
-        </p:nvSpPr>
-        <p:spPr>
-          <a:xfrm>
-            <a:off x="4888949" y="2118702"/>
-            <a:ext cx="461391" cy="369332"/>
-          </a:xfrm>
-          <a:prstGeom prst="rect">
-            <a:avLst/>
-          </a:prstGeom>
-          <a:noFill/>
-          <a:ln>
-            <a:noFill/>
-          </a:ln>
-        </p:spPr>
-        <p:txBody>
-          <a:bodyPr spcFirstLastPara="1" wrap="square" lIns="91425" tIns="45700" rIns="91425" bIns="45700" anchor="ctr" anchorCtr="0">
-            <a:spAutoFit/>
-          </a:bodyPr>
-          <a:lstStyle/>
-          <a:p>
-            <a:pPr marL="0" marR="0" lvl="0" indent="0" algn="ctr" rtl="0">
-              <a:spcBef>
-                <a:spcPts val="0"/>
-              </a:spcBef>
-              <a:spcAft>
-                <a:spcPts val="0"/>
-              </a:spcAft>
-              <a:buNone/>
-            </a:pPr>
-            <a:r>
-              <a:rPr lang="en-US" sz="1800" b="0" i="0" u="none" strike="noStrike" cap="none">
-                <a:solidFill>
-                  <a:schemeClr val="lt1"/>
-                </a:solidFill>
-                <a:latin typeface="Calibri"/>
-                <a:ea typeface="Calibri"/>
-                <a:cs typeface="Calibri"/>
-                <a:sym typeface="Calibri"/>
-              </a:rPr>
-              <a:t>Y</a:t>
-            </a:r>
-            <a:endParaRPr/>
-          </a:p>
-        </p:txBody>
-      </p:sp>
-      <p:sp>
-        <p:nvSpPr>
-          <p:cNvPr id="238" name="Google Shape;238;p4"/>
-          <p:cNvSpPr txBox="1"/>
-          <p:nvPr/>
-        </p:nvSpPr>
-        <p:spPr>
-          <a:xfrm>
-            <a:off x="5261778" y="2486045"/>
-            <a:ext cx="461391" cy="369332"/>
-          </a:xfrm>
-          <a:prstGeom prst="rect">
-            <a:avLst/>
-          </a:prstGeom>
-          <a:noFill/>
-          <a:ln>
-            <a:noFill/>
-          </a:ln>
-        </p:spPr>
-        <p:txBody>
-          <a:bodyPr spcFirstLastPara="1" wrap="square" lIns="91425" tIns="45700" rIns="91425" bIns="45700" anchor="ctr" anchorCtr="0">
-            <a:spAutoFit/>
-          </a:bodyPr>
-          <a:lstStyle/>
-          <a:p>
-            <a:pPr marL="0" marR="0" lvl="0" indent="0" algn="ctr" rtl="0">
-              <a:spcBef>
-                <a:spcPts val="0"/>
-              </a:spcBef>
-              <a:spcAft>
-                <a:spcPts val="0"/>
-              </a:spcAft>
-              <a:buNone/>
-            </a:pPr>
-            <a:r>
-              <a:rPr lang="en-US" sz="1800" b="0" i="0" u="none" strike="noStrike" cap="none">
-                <a:solidFill>
-                  <a:schemeClr val="lt1"/>
-                </a:solidFill>
-                <a:latin typeface="Calibri"/>
-                <a:ea typeface="Calibri"/>
-                <a:cs typeface="Calibri"/>
-                <a:sym typeface="Calibri"/>
-              </a:rPr>
-              <a:t>B</a:t>
-            </a:r>
-            <a:endParaRPr/>
-          </a:p>
-        </p:txBody>
-      </p:sp>
-      <p:sp>
-        <p:nvSpPr>
-          <p:cNvPr id="239" name="Google Shape;239;p4"/>
-          <p:cNvSpPr txBox="1"/>
-          <p:nvPr/>
-        </p:nvSpPr>
-        <p:spPr>
-          <a:xfrm>
-            <a:off x="4920669" y="3117580"/>
-            <a:ext cx="461391" cy="369332"/>
-          </a:xfrm>
-          <a:prstGeom prst="rect">
-            <a:avLst/>
-          </a:prstGeom>
-          <a:noFill/>
-          <a:ln>
-            <a:noFill/>
-          </a:ln>
-        </p:spPr>
-        <p:txBody>
-          <a:bodyPr spcFirstLastPara="1" wrap="square" lIns="91425" tIns="45700" rIns="91425" bIns="45700" anchor="ctr" anchorCtr="0">
-            <a:spAutoFit/>
-          </a:bodyPr>
-          <a:lstStyle/>
-          <a:p>
-            <a:pPr marL="0" marR="0" lvl="0" indent="0" algn="ctr" rtl="0">
-              <a:spcBef>
-                <a:spcPts val="0"/>
-              </a:spcBef>
-              <a:spcAft>
-                <a:spcPts val="0"/>
-              </a:spcAft>
-              <a:buNone/>
-            </a:pPr>
-            <a:r>
-              <a:rPr lang="en-US" sz="1800" b="0" i="0" u="none" strike="noStrike" cap="none">
-                <a:solidFill>
-                  <a:schemeClr val="lt1"/>
-                </a:solidFill>
-                <a:latin typeface="Calibri"/>
-                <a:ea typeface="Calibri"/>
-                <a:cs typeface="Calibri"/>
-                <a:sym typeface="Calibri"/>
-              </a:rPr>
-              <a:t>A</a:t>
-            </a:r>
-            <a:endParaRPr/>
-          </a:p>
-        </p:txBody>
-      </p:sp>
-      <p:sp>
-        <p:nvSpPr>
-          <p:cNvPr id="240" name="Google Shape;240;p4"/>
-          <p:cNvSpPr txBox="1"/>
-          <p:nvPr/>
-        </p:nvSpPr>
-        <p:spPr>
-          <a:xfrm>
-            <a:off x="4068233" y="2327511"/>
-            <a:ext cx="461391" cy="369332"/>
-          </a:xfrm>
-          <a:prstGeom prst="rect">
-            <a:avLst/>
-          </a:prstGeom>
-          <a:noFill/>
-          <a:ln>
-            <a:noFill/>
-          </a:ln>
-        </p:spPr>
-        <p:txBody>
-          <a:bodyPr spcFirstLastPara="1" wrap="square" lIns="91425" tIns="45700" rIns="91425" bIns="45700" anchor="ctr" anchorCtr="0">
-            <a:spAutoFit/>
-          </a:bodyPr>
-          <a:lstStyle/>
-          <a:p>
-            <a:pPr marL="0" marR="0" lvl="0" indent="0" algn="ctr" rtl="0">
-              <a:spcBef>
-                <a:spcPts val="0"/>
-              </a:spcBef>
-              <a:spcAft>
-                <a:spcPts val="0"/>
-              </a:spcAft>
-              <a:buNone/>
-            </a:pPr>
-            <a:r>
-              <a:rPr lang="en-US" sz="1800" b="0" i="0" u="none" strike="noStrike" cap="none">
-                <a:solidFill>
-                  <a:schemeClr val="lt1"/>
-                </a:solidFill>
-                <a:latin typeface="Calibri"/>
-                <a:ea typeface="Calibri"/>
-                <a:cs typeface="Calibri"/>
-                <a:sym typeface="Calibri"/>
-              </a:rPr>
-              <a:t>X</a:t>
-            </a:r>
-            <a:endParaRPr/>
-          </a:p>
-        </p:txBody>
-      </p:sp>
-      <p:sp>
-        <p:nvSpPr>
-          <p:cNvPr id="241" name="Google Shape;241;p4"/>
-          <p:cNvSpPr/>
-          <p:nvPr/>
-        </p:nvSpPr>
-        <p:spPr>
-          <a:xfrm>
-            <a:off x="489795" y="164452"/>
-            <a:ext cx="10183817" cy="344546"/>
-          </a:xfrm>
-          <a:prstGeom prst="ellipse">
-            <a:avLst/>
-          </a:prstGeom>
-          <a:noFill/>
-          <a:ln>
-            <a:noFill/>
-          </a:ln>
-        </p:spPr>
-        <p:txBody>
-          <a:bodyPr spcFirstLastPara="1" wrap="square" lIns="91425" tIns="45700" rIns="91425" bIns="45700" anchor="ctr" anchorCtr="0">
-            <a:noAutofit/>
-          </a:bodyPr>
-          <a:lstStyle/>
-          <a:p>
-            <a:pPr marL="0" marR="0" lvl="0" indent="0" algn="ctr" rtl="0">
-              <a:spcBef>
-                <a:spcPts val="0"/>
-              </a:spcBef>
-              <a:spcAft>
-                <a:spcPts val="0"/>
-              </a:spcAft>
-              <a:buNone/>
-            </a:pPr>
-            <a:r>
-              <a:rPr lang="en-US" sz="2400" b="0" i="0" u="none" strike="noStrike" cap="none" dirty="0">
-                <a:solidFill>
-                  <a:srgbClr val="00B0F0"/>
-                </a:solidFill>
-                <a:latin typeface="Calibri"/>
-                <a:ea typeface="Calibri"/>
-                <a:cs typeface="Calibri"/>
-                <a:sym typeface="Calibri"/>
-              </a:rPr>
-              <a:t>Instructions for Robot Top Hat Driver - Basic</a:t>
-            </a:r>
-            <a:endParaRPr dirty="0"/>
-          </a:p>
-        </p:txBody>
-      </p:sp>
-      <p:sp>
-        <p:nvSpPr>
-          <p:cNvPr id="242" name="Google Shape;242;p4"/>
-          <p:cNvSpPr/>
-          <p:nvPr/>
-        </p:nvSpPr>
-        <p:spPr>
-          <a:xfrm>
-            <a:off x="3595649" y="675716"/>
-            <a:ext cx="1754692" cy="344546"/>
-          </a:xfrm>
-          <a:prstGeom prst="ellipse">
-            <a:avLst/>
-          </a:prstGeom>
-          <a:noFill/>
-          <a:ln>
-            <a:noFill/>
-          </a:ln>
-        </p:spPr>
-        <p:txBody>
-          <a:bodyPr spcFirstLastPara="1" wrap="square" lIns="91425" tIns="45700" rIns="91425" bIns="45700" anchor="ctr" anchorCtr="0">
-            <a:noAutofit/>
-          </a:bodyPr>
-          <a:lstStyle/>
-          <a:p>
-            <a:pPr marL="0" marR="0" lvl="0" indent="0" algn="ctr" rtl="0">
-              <a:spcBef>
-                <a:spcPts val="0"/>
-              </a:spcBef>
-              <a:spcAft>
-                <a:spcPts val="0"/>
-              </a:spcAft>
-              <a:buNone/>
-            </a:pPr>
-            <a:r>
-              <a:rPr lang="en-US" sz="1600" b="0" i="0" u="none" strike="noStrike" cap="none">
-                <a:solidFill>
-                  <a:srgbClr val="00B0F0"/>
-                </a:solidFill>
-                <a:latin typeface="Calibri"/>
-                <a:ea typeface="Calibri"/>
-                <a:cs typeface="Calibri"/>
-                <a:sym typeface="Calibri"/>
-              </a:rPr>
-              <a:t>Right Trigger</a:t>
-            </a:r>
-            <a:endParaRPr/>
-          </a:p>
-        </p:txBody>
-      </p:sp>
-      <p:cxnSp>
-        <p:nvCxnSpPr>
-          <p:cNvPr id="243" name="Google Shape;243;p4"/>
-          <p:cNvCxnSpPr>
-            <a:stCxn id="242" idx="4"/>
-          </p:cNvCxnSpPr>
-          <p:nvPr/>
-        </p:nvCxnSpPr>
-        <p:spPr>
-          <a:xfrm>
-            <a:off x="4472995" y="1020262"/>
-            <a:ext cx="335400" cy="380700"/>
-          </a:xfrm>
-          <a:prstGeom prst="straightConnector1">
-            <a:avLst/>
-          </a:prstGeom>
-          <a:noFill/>
-          <a:ln w="9525" cap="flat" cmpd="sng">
-            <a:solidFill>
-              <a:srgbClr val="00B0F0"/>
-            </a:solidFill>
-            <a:prstDash val="solid"/>
-            <a:miter lim="800000"/>
-            <a:headEnd type="none" w="sm" len="sm"/>
-            <a:tailEnd type="triangle" w="med" len="med"/>
-          </a:ln>
-        </p:spPr>
-      </p:cxnSp>
-      <p:cxnSp>
-        <p:nvCxnSpPr>
-          <p:cNvPr id="244" name="Google Shape;244;p4"/>
-          <p:cNvCxnSpPr/>
-          <p:nvPr/>
-        </p:nvCxnSpPr>
-        <p:spPr>
-          <a:xfrm flipH="1">
-            <a:off x="4960931" y="1133214"/>
-            <a:ext cx="531542" cy="420147"/>
-          </a:xfrm>
-          <a:prstGeom prst="straightConnector1">
-            <a:avLst/>
-          </a:prstGeom>
-          <a:noFill/>
-          <a:ln w="9525" cap="flat" cmpd="sng">
-            <a:solidFill>
-              <a:srgbClr val="00B0F0"/>
-            </a:solidFill>
-            <a:prstDash val="solid"/>
-            <a:miter lim="800000"/>
-            <a:headEnd type="none" w="sm" len="sm"/>
-            <a:tailEnd type="triangle" w="med" len="med"/>
-          </a:ln>
-        </p:spPr>
-      </p:cxnSp>
-      <p:sp>
-        <p:nvSpPr>
-          <p:cNvPr id="245" name="Google Shape;245;p4"/>
-          <p:cNvSpPr/>
-          <p:nvPr/>
-        </p:nvSpPr>
-        <p:spPr>
-          <a:xfrm>
-            <a:off x="4894682" y="806042"/>
-            <a:ext cx="2076133" cy="344546"/>
-          </a:xfrm>
-          <a:prstGeom prst="ellipse">
-            <a:avLst/>
-          </a:prstGeom>
-          <a:noFill/>
-          <a:ln>
-            <a:noFill/>
-          </a:ln>
-        </p:spPr>
-        <p:txBody>
-          <a:bodyPr spcFirstLastPara="1" wrap="square" lIns="91425" tIns="45700" rIns="91425" bIns="45700" anchor="ctr" anchorCtr="0">
-            <a:noAutofit/>
-          </a:bodyPr>
-          <a:lstStyle/>
-          <a:p>
-            <a:pPr marL="0" marR="0" lvl="0" indent="0" algn="ctr" rtl="0">
-              <a:spcBef>
-                <a:spcPts val="0"/>
-              </a:spcBef>
-              <a:spcAft>
-                <a:spcPts val="0"/>
-              </a:spcAft>
-              <a:buNone/>
-            </a:pPr>
-            <a:r>
-              <a:rPr lang="en-US" sz="1600" b="0" i="0" u="none" strike="noStrike" cap="none">
-                <a:solidFill>
-                  <a:srgbClr val="00B0F0"/>
-                </a:solidFill>
-                <a:latin typeface="Calibri"/>
-                <a:ea typeface="Calibri"/>
-                <a:cs typeface="Calibri"/>
-                <a:sym typeface="Calibri"/>
-              </a:rPr>
-              <a:t>Right Bumper</a:t>
-            </a:r>
-            <a:endParaRPr/>
-          </a:p>
-        </p:txBody>
-      </p:sp>
-      <p:sp>
-        <p:nvSpPr>
-          <p:cNvPr id="246" name="Google Shape;246;p4"/>
-          <p:cNvSpPr/>
-          <p:nvPr/>
-        </p:nvSpPr>
-        <p:spPr>
-          <a:xfrm>
-            <a:off x="465736" y="616307"/>
-            <a:ext cx="1588989" cy="344546"/>
-          </a:xfrm>
-          <a:prstGeom prst="ellipse">
-            <a:avLst/>
-          </a:prstGeom>
-          <a:noFill/>
-          <a:ln>
-            <a:noFill/>
-          </a:ln>
-        </p:spPr>
-        <p:txBody>
-          <a:bodyPr spcFirstLastPara="1" wrap="square" lIns="91425" tIns="45700" rIns="91425" bIns="45700" anchor="ctr" anchorCtr="0">
-            <a:noAutofit/>
-          </a:bodyPr>
-          <a:lstStyle/>
-          <a:p>
-            <a:pPr marL="0" marR="0" lvl="0" indent="0" algn="ctr" rtl="0">
-              <a:spcBef>
-                <a:spcPts val="0"/>
-              </a:spcBef>
-              <a:spcAft>
-                <a:spcPts val="0"/>
-              </a:spcAft>
-              <a:buNone/>
-            </a:pPr>
-            <a:r>
-              <a:rPr lang="en-US" sz="1600" b="0" i="0" u="none" strike="noStrike" cap="none">
-                <a:solidFill>
-                  <a:srgbClr val="00B0F0"/>
-                </a:solidFill>
-                <a:latin typeface="Calibri"/>
-                <a:ea typeface="Calibri"/>
-                <a:cs typeface="Calibri"/>
-                <a:sym typeface="Calibri"/>
-              </a:rPr>
-              <a:t>Left Trigger</a:t>
-            </a:r>
-            <a:endParaRPr/>
-          </a:p>
-        </p:txBody>
-      </p:sp>
-      <p:cxnSp>
-        <p:nvCxnSpPr>
-          <p:cNvPr id="247" name="Google Shape;247;p4"/>
-          <p:cNvCxnSpPr>
-            <a:stCxn id="246" idx="4"/>
-          </p:cNvCxnSpPr>
-          <p:nvPr/>
-        </p:nvCxnSpPr>
-        <p:spPr>
-          <a:xfrm>
-            <a:off x="1260231" y="960853"/>
-            <a:ext cx="335100" cy="440100"/>
-          </a:xfrm>
-          <a:prstGeom prst="straightConnector1">
-            <a:avLst/>
-          </a:prstGeom>
-          <a:noFill/>
-          <a:ln w="9525" cap="flat" cmpd="sng">
-            <a:solidFill>
-              <a:srgbClr val="00B0F0"/>
-            </a:solidFill>
-            <a:prstDash val="solid"/>
-            <a:miter lim="800000"/>
-            <a:headEnd type="none" w="sm" len="sm"/>
-            <a:tailEnd type="triangle" w="med" len="med"/>
-          </a:ln>
-        </p:spPr>
-      </p:cxnSp>
-      <p:cxnSp>
-        <p:nvCxnSpPr>
-          <p:cNvPr id="248" name="Google Shape;248;p4"/>
-          <p:cNvCxnSpPr/>
-          <p:nvPr/>
-        </p:nvCxnSpPr>
-        <p:spPr>
-          <a:xfrm flipH="1">
-            <a:off x="1665316" y="1073805"/>
-            <a:ext cx="531542" cy="420147"/>
-          </a:xfrm>
-          <a:prstGeom prst="straightConnector1">
-            <a:avLst/>
-          </a:prstGeom>
-          <a:noFill/>
-          <a:ln w="9525" cap="flat" cmpd="sng">
-            <a:solidFill>
-              <a:srgbClr val="00B0F0"/>
-            </a:solidFill>
-            <a:prstDash val="solid"/>
-            <a:miter lim="800000"/>
-            <a:headEnd type="none" w="sm" len="sm"/>
-            <a:tailEnd type="triangle" w="med" len="med"/>
-          </a:ln>
-        </p:spPr>
-      </p:cxnSp>
-      <p:sp>
-        <p:nvSpPr>
-          <p:cNvPr id="249" name="Google Shape;249;p4"/>
-          <p:cNvSpPr/>
-          <p:nvPr/>
-        </p:nvSpPr>
-        <p:spPr>
-          <a:xfrm>
-            <a:off x="1599067" y="746633"/>
-            <a:ext cx="2076133" cy="344546"/>
-          </a:xfrm>
-          <a:prstGeom prst="ellipse">
-            <a:avLst/>
-          </a:prstGeom>
-          <a:noFill/>
-          <a:ln>
-            <a:noFill/>
-          </a:ln>
-        </p:spPr>
-        <p:txBody>
-          <a:bodyPr spcFirstLastPara="1" wrap="square" lIns="91425" tIns="45700" rIns="91425" bIns="45700" anchor="ctr" anchorCtr="0">
-            <a:noAutofit/>
-          </a:bodyPr>
-          <a:lstStyle/>
-          <a:p>
-            <a:pPr marL="0" marR="0" lvl="0" indent="0" algn="ctr" rtl="0">
-              <a:spcBef>
-                <a:spcPts val="0"/>
-              </a:spcBef>
-              <a:spcAft>
-                <a:spcPts val="0"/>
-              </a:spcAft>
-              <a:buNone/>
-            </a:pPr>
-            <a:r>
-              <a:rPr lang="en-US" sz="1600" b="0" i="0" u="none" strike="noStrike" cap="none">
-                <a:solidFill>
-                  <a:srgbClr val="00B0F0"/>
-                </a:solidFill>
-                <a:latin typeface="Calibri"/>
-                <a:ea typeface="Calibri"/>
-                <a:cs typeface="Calibri"/>
-                <a:sym typeface="Calibri"/>
-              </a:rPr>
-              <a:t>Left Bumper</a:t>
-            </a:r>
-            <a:endParaRPr/>
+            <a:endParaRPr sz="1600" dirty="0"/>
           </a:p>
         </p:txBody>
       </p:sp>
@@ -15008,8 +11829,8 @@
         </p:nvSpPr>
         <p:spPr>
           <a:xfrm>
-            <a:off x="6419729" y="1342107"/>
-            <a:ext cx="5469476" cy="4693552"/>
+            <a:off x="5222525" y="682230"/>
+            <a:ext cx="6523273" cy="5847714"/>
           </a:xfrm>
           <a:prstGeom prst="rect">
             <a:avLst/>
@@ -15052,7 +11873,7 @@
                 <a:cs typeface="Calibri"/>
                 <a:sym typeface="Calibri"/>
               </a:rPr>
-              <a:t>Left Trigger – Move Turn Table Left</a:t>
+              <a:t>Left Bumper, Right Bumper and Left Trigger – Move Turn Table Left</a:t>
             </a:r>
             <a:endParaRPr dirty="0">
               <a:solidFill>
@@ -15085,7 +11906,7 @@
                 <a:cs typeface="Calibri"/>
                 <a:sym typeface="Calibri"/>
               </a:rPr>
-              <a:t>Right Trigger – Move Turn Table Right</a:t>
+              <a:t>Left Bumper, Right Bumper and Right Trigger – Move Turn Table Right</a:t>
             </a:r>
           </a:p>
           <a:p>
@@ -15100,6 +11921,18 @@
               <a:buFont typeface="+mj-lt"/>
               <a:buAutoNum type="arabicPeriod"/>
             </a:pPr>
+            <a:r>
+              <a:rPr lang="en-US" dirty="0">
+                <a:solidFill>
+                  <a:srgbClr val="00B0F0"/>
+                </a:solidFill>
+                <a:latin typeface="Calibri"/>
+                <a:ea typeface="Calibri"/>
+                <a:cs typeface="Calibri"/>
+                <a:sym typeface="Calibri"/>
+              </a:rPr>
+              <a:t>Left Bumper, Right Bumper and </a:t>
+            </a:r>
             <a:r>
               <a:rPr lang="en-US" dirty="0">
                 <a:solidFill>
@@ -15132,6 +11965,18 @@
                 <a:latin typeface="Calibri"/>
                 <a:ea typeface="Calibri"/>
                 <a:cs typeface="Calibri"/>
+                <a:sym typeface="Calibri"/>
+              </a:rPr>
+              <a:t>Left Bumper, Right Bumper and </a:t>
+            </a:r>
+            <a:r>
+              <a:rPr lang="en-US" dirty="0">
+                <a:solidFill>
+                  <a:srgbClr val="00B0F0"/>
+                </a:solidFill>
+                <a:latin typeface="Calibri"/>
+                <a:ea typeface="Calibri"/>
+                <a:cs typeface="Calibri"/>
               </a:rPr>
               <a:t>Right Stick Y – Move Elbow Up &amp; Down</a:t>
             </a:r>
@@ -15158,7 +12003,7 @@
                 <a:cs typeface="Calibri"/>
                 <a:sym typeface="Calibri"/>
               </a:rPr>
-              <a:t>DPAD UP – Move Wrist Up</a:t>
+              <a:t>Left Bumper, Right Bumper and DPAD UP – Move Wrist Up</a:t>
             </a:r>
           </a:p>
           <a:p>
@@ -15183,7 +12028,7 @@
                 <a:cs typeface="Calibri"/>
                 <a:sym typeface="Calibri"/>
               </a:rPr>
-              <a:t>DPAD DOWN –  Move Wrist Down</a:t>
+              <a:t>Left Bumper, Right Bumper and DPAD DOWN –  Move Wrist Down</a:t>
             </a:r>
             <a:endParaRPr dirty="0">
               <a:solidFill>
@@ -15216,7 +12061,7 @@
                 <a:cs typeface="Calibri"/>
                 <a:sym typeface="Calibri"/>
               </a:rPr>
-              <a:t>DPAD LEFT –  Close Claw</a:t>
+              <a:t>Left Bumper, Right Bumper and DPAD LEFT –  Close Claw</a:t>
             </a:r>
             <a:endParaRPr dirty="0">
               <a:solidFill>
@@ -15249,1808 +12094,9 @@
                 <a:cs typeface="Calibri"/>
                 <a:sym typeface="Calibri"/>
               </a:rPr>
-              <a:t>DPAD RIGHT –  Open Claw</a:t>
+              <a:t>Left Bumper, Right Bumper and DPAD RIGHT –  Open Claw</a:t>
             </a:r>
           </a:p>
-          <a:p>
-            <a:pPr marL="342900" indent="-342900">
-              <a:spcBef>
-                <a:spcPts val="600"/>
-              </a:spcBef>
-              <a:buClr>
-                <a:srgbClr val="00B0F0"/>
-              </a:buClr>
-              <a:buSzPts val="1400"/>
-              <a:buFont typeface="+mj-lt"/>
-              <a:buAutoNum type="arabicPeriod"/>
-            </a:pPr>
-            <a:r>
-              <a:rPr lang="en-US" dirty="0">
-                <a:solidFill>
-                  <a:srgbClr val="00B0F0"/>
-                </a:solidFill>
-                <a:latin typeface="Calibri"/>
-                <a:ea typeface="Calibri"/>
-                <a:cs typeface="Calibri"/>
-                <a:sym typeface="Calibri"/>
-              </a:rPr>
-              <a:t>Left Bumper &amp; X is for left ground junction position</a:t>
-            </a:r>
-          </a:p>
-          <a:p>
-            <a:pPr marL="342900" indent="-342900">
-              <a:spcBef>
-                <a:spcPts val="600"/>
-              </a:spcBef>
-              <a:buClr>
-                <a:srgbClr val="00B0F0"/>
-              </a:buClr>
-              <a:buSzPts val="1400"/>
-              <a:buFont typeface="+mj-lt"/>
-              <a:buAutoNum type="arabicPeriod"/>
-            </a:pPr>
-            <a:r>
-              <a:rPr lang="en-US" dirty="0">
-                <a:solidFill>
-                  <a:srgbClr val="00B0F0"/>
-                </a:solidFill>
-                <a:latin typeface="Calibri"/>
-                <a:ea typeface="Calibri"/>
-                <a:cs typeface="Calibri"/>
-                <a:sym typeface="Calibri"/>
-              </a:rPr>
-              <a:t>Right Bumper &amp; X is for right ground junction position</a:t>
-            </a:r>
-          </a:p>
-          <a:p>
-            <a:pPr marL="342900" indent="-342900">
-              <a:spcBef>
-                <a:spcPts val="600"/>
-              </a:spcBef>
-              <a:buClr>
-                <a:srgbClr val="00B0F0"/>
-              </a:buClr>
-              <a:buSzPts val="1400"/>
-              <a:buFont typeface="+mj-lt"/>
-              <a:buAutoNum type="arabicPeriod"/>
-            </a:pPr>
-            <a:r>
-              <a:rPr lang="en-US" dirty="0">
-                <a:solidFill>
-                  <a:srgbClr val="00B0F0"/>
-                </a:solidFill>
-                <a:latin typeface="Calibri"/>
-                <a:ea typeface="Calibri"/>
-                <a:cs typeface="Calibri"/>
-                <a:sym typeface="Calibri"/>
-              </a:rPr>
-              <a:t>Left Bumper &amp; A is for left low junction position</a:t>
-            </a:r>
-          </a:p>
-          <a:p>
-            <a:pPr marL="342900" indent="-342900">
-              <a:spcBef>
-                <a:spcPts val="600"/>
-              </a:spcBef>
-              <a:buClr>
-                <a:srgbClr val="00B0F0"/>
-              </a:buClr>
-              <a:buSzPts val="1400"/>
-              <a:buFont typeface="+mj-lt"/>
-              <a:buAutoNum type="arabicPeriod"/>
-            </a:pPr>
-            <a:r>
-              <a:rPr lang="en-US" dirty="0">
-                <a:solidFill>
-                  <a:srgbClr val="00B0F0"/>
-                </a:solidFill>
-                <a:latin typeface="Calibri"/>
-                <a:ea typeface="Calibri"/>
-                <a:cs typeface="Calibri"/>
-                <a:sym typeface="Calibri"/>
-              </a:rPr>
-              <a:t>Right Bumper &amp; A is for right low junction position</a:t>
-            </a:r>
-          </a:p>
-          <a:p>
-            <a:pPr marL="342900" indent="-342900">
-              <a:spcBef>
-                <a:spcPts val="600"/>
-              </a:spcBef>
-              <a:buClr>
-                <a:srgbClr val="00B0F0"/>
-              </a:buClr>
-              <a:buSzPts val="1400"/>
-              <a:buFont typeface="+mj-lt"/>
-              <a:buAutoNum type="arabicPeriod"/>
-            </a:pPr>
-            <a:r>
-              <a:rPr lang="en-US" dirty="0">
-                <a:solidFill>
-                  <a:srgbClr val="00B0F0"/>
-                </a:solidFill>
-                <a:latin typeface="Calibri"/>
-                <a:ea typeface="Calibri"/>
-                <a:cs typeface="Calibri"/>
-                <a:sym typeface="Calibri"/>
-              </a:rPr>
-              <a:t>Left Bumper &amp; B is for left medium junction position</a:t>
-            </a:r>
-          </a:p>
-          <a:p>
-            <a:pPr marL="342900" indent="-342900">
-              <a:spcBef>
-                <a:spcPts val="600"/>
-              </a:spcBef>
-              <a:buClr>
-                <a:srgbClr val="00B0F0"/>
-              </a:buClr>
-              <a:buSzPts val="1400"/>
-              <a:buFont typeface="+mj-lt"/>
-              <a:buAutoNum type="arabicPeriod"/>
-            </a:pPr>
-            <a:r>
-              <a:rPr lang="en-US" dirty="0">
-                <a:solidFill>
-                  <a:srgbClr val="00B0F0"/>
-                </a:solidFill>
-                <a:latin typeface="Calibri"/>
-                <a:ea typeface="Calibri"/>
-                <a:cs typeface="Calibri"/>
-                <a:sym typeface="Calibri"/>
-              </a:rPr>
-              <a:t>Right Bumper &amp; B is for right medium junction position</a:t>
-            </a:r>
-          </a:p>
-          <a:p>
-            <a:pPr marL="342900" indent="-342900">
-              <a:spcBef>
-                <a:spcPts val="600"/>
-              </a:spcBef>
-              <a:buClr>
-                <a:srgbClr val="00B0F0"/>
-              </a:buClr>
-              <a:buSzPts val="1400"/>
-              <a:buFont typeface="+mj-lt"/>
-              <a:buAutoNum type="arabicPeriod"/>
-            </a:pPr>
-            <a:r>
-              <a:rPr lang="en-US" dirty="0">
-                <a:solidFill>
-                  <a:srgbClr val="00B0F0"/>
-                </a:solidFill>
-                <a:latin typeface="Calibri"/>
-                <a:ea typeface="Calibri"/>
-                <a:cs typeface="Calibri"/>
-                <a:sym typeface="Calibri"/>
-              </a:rPr>
-              <a:t>Left Bumper &amp; Y is for left high junction position</a:t>
-            </a:r>
-          </a:p>
-          <a:p>
-            <a:pPr marL="342900" indent="-342900">
-              <a:spcBef>
-                <a:spcPts val="600"/>
-              </a:spcBef>
-              <a:buClr>
-                <a:srgbClr val="00B0F0"/>
-              </a:buClr>
-              <a:buSzPts val="1400"/>
-              <a:buFont typeface="+mj-lt"/>
-              <a:buAutoNum type="arabicPeriod"/>
-            </a:pPr>
-            <a:r>
-              <a:rPr lang="en-US" dirty="0">
-                <a:solidFill>
-                  <a:srgbClr val="00B0F0"/>
-                </a:solidFill>
-                <a:latin typeface="Calibri"/>
-                <a:ea typeface="Calibri"/>
-                <a:cs typeface="Calibri"/>
-                <a:sym typeface="Calibri"/>
-              </a:rPr>
-              <a:t>Right Bumper &amp; Y is for right high junction position</a:t>
-            </a:r>
-          </a:p>
-        </p:txBody>
-      </p:sp>
-    </p:spTree>
-  </p:cSld>
-  <p:clrMapOvr>
-    <a:masterClrMapping/>
-  </p:clrMapOvr>
-</p:sld>
-</file>
-
-<file path=ppt/slides/slide3.xml><?xml version="1.0" encoding="utf-8"?>
-<p:sld xmlns:a="http://schemas.openxmlformats.org/drawingml/2006/main" xmlns:r="http://schemas.openxmlformats.org/officeDocument/2006/relationships" xmlns:p="http://schemas.openxmlformats.org/presentationml/2006/main">
-  <p:cSld>
-    <p:spTree>
-      <p:nvGrpSpPr>
-        <p:cNvPr id="1" name="Shape 211"/>
-        <p:cNvGrpSpPr/>
-        <p:nvPr/>
-      </p:nvGrpSpPr>
-      <p:grpSpPr>
-        <a:xfrm>
-          <a:off x="0" y="0"/>
-          <a:ext cx="0" cy="0"/>
-          <a:chOff x="0" y="0"/>
-          <a:chExt cx="0" cy="0"/>
-        </a:xfrm>
-      </p:grpSpPr>
-      <p:pic>
-        <p:nvPicPr>
-          <p:cNvPr id="212" name="Google Shape;212;p4"/>
-          <p:cNvPicPr preferRelativeResize="0"/>
-          <p:nvPr/>
-        </p:nvPicPr>
-        <p:blipFill rotWithShape="1">
-          <a:blip r:embed="rId3">
-            <a:alphaModFix/>
-          </a:blip>
-          <a:srcRect/>
-          <a:stretch/>
-        </p:blipFill>
-        <p:spPr>
-          <a:xfrm>
-            <a:off x="489795" y="1342107"/>
-            <a:ext cx="5606205" cy="3490214"/>
-          </a:xfrm>
-          <a:prstGeom prst="rect">
-            <a:avLst/>
-          </a:prstGeom>
-          <a:noFill/>
-          <a:ln>
-            <a:noFill/>
-          </a:ln>
-        </p:spPr>
-      </p:pic>
-      <p:grpSp>
-        <p:nvGrpSpPr>
-          <p:cNvPr id="213" name="Google Shape;213;p4"/>
-          <p:cNvGrpSpPr/>
-          <p:nvPr/>
-        </p:nvGrpSpPr>
-        <p:grpSpPr>
-          <a:xfrm>
-            <a:off x="1595307" y="2986102"/>
-            <a:ext cx="1744905" cy="1304700"/>
-            <a:chOff x="1595307" y="2986102"/>
-            <a:chExt cx="1744905" cy="1304700"/>
-          </a:xfrm>
-        </p:grpSpPr>
-        <p:cxnSp>
-          <p:nvCxnSpPr>
-            <p:cNvPr id="214" name="Google Shape;214;p4"/>
-            <p:cNvCxnSpPr/>
-            <p:nvPr/>
-          </p:nvCxnSpPr>
-          <p:spPr>
-            <a:xfrm>
-              <a:off x="1971413" y="3632433"/>
-              <a:ext cx="1023457" cy="0"/>
-            </a:xfrm>
-            <a:prstGeom prst="straightConnector1">
-              <a:avLst/>
-            </a:prstGeom>
-            <a:noFill/>
-            <a:ln w="28575" cap="flat" cmpd="sng">
-              <a:solidFill>
-                <a:srgbClr val="00B0F0"/>
-              </a:solidFill>
-              <a:prstDash val="solid"/>
-              <a:miter lim="800000"/>
-              <a:headEnd type="triangle" w="med" len="med"/>
-              <a:tailEnd type="triangle" w="med" len="med"/>
-            </a:ln>
-          </p:spPr>
-        </p:cxnSp>
-        <p:cxnSp>
-          <p:nvCxnSpPr>
-            <p:cNvPr id="215" name="Google Shape;215;p4"/>
-            <p:cNvCxnSpPr/>
-            <p:nvPr/>
-          </p:nvCxnSpPr>
-          <p:spPr>
-            <a:xfrm>
-              <a:off x="2459372" y="3300401"/>
-              <a:ext cx="0" cy="697619"/>
-            </a:xfrm>
-            <a:prstGeom prst="straightConnector1">
-              <a:avLst/>
-            </a:prstGeom>
-            <a:noFill/>
-            <a:ln w="28575" cap="flat" cmpd="sng">
-              <a:solidFill>
-                <a:srgbClr val="00B0F0"/>
-              </a:solidFill>
-              <a:prstDash val="solid"/>
-              <a:miter lim="800000"/>
-              <a:headEnd type="triangle" w="med" len="med"/>
-              <a:tailEnd type="triangle" w="med" len="med"/>
-            </a:ln>
-          </p:spPr>
-        </p:cxnSp>
-        <p:sp>
-          <p:nvSpPr>
-            <p:cNvPr id="216" name="Google Shape;216;p4"/>
-            <p:cNvSpPr txBox="1"/>
-            <p:nvPr/>
-          </p:nvSpPr>
-          <p:spPr>
-            <a:xfrm>
-              <a:off x="2878822" y="3429000"/>
-              <a:ext cx="461390" cy="369332"/>
-            </a:xfrm>
-            <a:prstGeom prst="rect">
-              <a:avLst/>
-            </a:prstGeom>
-            <a:noFill/>
-            <a:ln>
-              <a:noFill/>
-            </a:ln>
-          </p:spPr>
-          <p:txBody>
-            <a:bodyPr spcFirstLastPara="1" wrap="square" lIns="91425" tIns="45700" rIns="91425" bIns="45700" anchor="ctr" anchorCtr="0">
-              <a:spAutoFit/>
-            </a:bodyPr>
-            <a:lstStyle/>
-            <a:p>
-              <a:pPr marL="0" marR="0" lvl="0" indent="0" algn="ctr" rtl="0">
-                <a:spcBef>
-                  <a:spcPts val="0"/>
-                </a:spcBef>
-                <a:spcAft>
-                  <a:spcPts val="0"/>
-                </a:spcAft>
-                <a:buNone/>
-              </a:pPr>
-              <a:r>
-                <a:rPr lang="en-US" sz="1800" b="0" i="0" u="none" strike="noStrike" cap="none">
-                  <a:solidFill>
-                    <a:schemeClr val="lt1"/>
-                  </a:solidFill>
-                  <a:latin typeface="Calibri"/>
-                  <a:ea typeface="Calibri"/>
-                  <a:cs typeface="Calibri"/>
-                  <a:sym typeface="Calibri"/>
-                </a:rPr>
-                <a:t>+X</a:t>
-              </a:r>
-              <a:endParaRPr/>
-            </a:p>
-          </p:txBody>
-        </p:sp>
-        <p:sp>
-          <p:nvSpPr>
-            <p:cNvPr id="217" name="Google Shape;217;p4"/>
-            <p:cNvSpPr txBox="1"/>
-            <p:nvPr/>
-          </p:nvSpPr>
-          <p:spPr>
-            <a:xfrm>
-              <a:off x="1595307" y="3447766"/>
-              <a:ext cx="440421" cy="369332"/>
-            </a:xfrm>
-            <a:prstGeom prst="rect">
-              <a:avLst/>
-            </a:prstGeom>
-            <a:noFill/>
-            <a:ln>
-              <a:noFill/>
-            </a:ln>
-          </p:spPr>
-          <p:txBody>
-            <a:bodyPr spcFirstLastPara="1" wrap="square" lIns="91425" tIns="45700" rIns="91425" bIns="45700" anchor="ctr" anchorCtr="0">
-              <a:spAutoFit/>
-            </a:bodyPr>
-            <a:lstStyle/>
-            <a:p>
-              <a:pPr marL="0" marR="0" lvl="0" indent="0" algn="ctr" rtl="0">
-                <a:spcBef>
-                  <a:spcPts val="0"/>
-                </a:spcBef>
-                <a:spcAft>
-                  <a:spcPts val="0"/>
-                </a:spcAft>
-                <a:buNone/>
-              </a:pPr>
-              <a:r>
-                <a:rPr lang="en-US" sz="1800" b="0" i="0" u="none" strike="noStrike" cap="none">
-                  <a:solidFill>
-                    <a:schemeClr val="lt1"/>
-                  </a:solidFill>
-                  <a:latin typeface="Calibri"/>
-                  <a:ea typeface="Calibri"/>
-                  <a:cs typeface="Calibri"/>
-                  <a:sym typeface="Calibri"/>
-                </a:rPr>
-                <a:t>-X</a:t>
-              </a:r>
-              <a:endParaRPr/>
-            </a:p>
-          </p:txBody>
-        </p:sp>
-        <p:sp>
-          <p:nvSpPr>
-            <p:cNvPr id="218" name="Google Shape;218;p4"/>
-            <p:cNvSpPr txBox="1"/>
-            <p:nvPr/>
-          </p:nvSpPr>
-          <p:spPr>
-            <a:xfrm>
-              <a:off x="2181136" y="2986102"/>
-              <a:ext cx="461391" cy="369332"/>
-            </a:xfrm>
-            <a:prstGeom prst="rect">
-              <a:avLst/>
-            </a:prstGeom>
-            <a:noFill/>
-            <a:ln>
-              <a:noFill/>
-            </a:ln>
-          </p:spPr>
-          <p:txBody>
-            <a:bodyPr spcFirstLastPara="1" wrap="square" lIns="91425" tIns="45700" rIns="91425" bIns="45700" anchor="ctr" anchorCtr="0">
-              <a:spAutoFit/>
-            </a:bodyPr>
-            <a:lstStyle/>
-            <a:p>
-              <a:pPr marL="0" marR="0" lvl="0" indent="0" algn="ctr" rtl="0">
-                <a:spcBef>
-                  <a:spcPts val="0"/>
-                </a:spcBef>
-                <a:spcAft>
-                  <a:spcPts val="0"/>
-                </a:spcAft>
-                <a:buNone/>
-              </a:pPr>
-              <a:r>
-                <a:rPr lang="en-US" sz="1800" b="0" i="0" u="none" strike="noStrike" cap="none">
-                  <a:solidFill>
-                    <a:schemeClr val="lt1"/>
-                  </a:solidFill>
-                  <a:latin typeface="Calibri"/>
-                  <a:ea typeface="Calibri"/>
-                  <a:cs typeface="Calibri"/>
-                  <a:sym typeface="Calibri"/>
-                </a:rPr>
-                <a:t>+Y</a:t>
-              </a:r>
-              <a:endParaRPr/>
-            </a:p>
-          </p:txBody>
-        </p:sp>
-        <p:sp>
-          <p:nvSpPr>
-            <p:cNvPr id="219" name="Google Shape;219;p4"/>
-            <p:cNvSpPr txBox="1"/>
-            <p:nvPr/>
-          </p:nvSpPr>
-          <p:spPr>
-            <a:xfrm>
-              <a:off x="2199312" y="3921470"/>
-              <a:ext cx="457203" cy="369332"/>
-            </a:xfrm>
-            <a:prstGeom prst="rect">
-              <a:avLst/>
-            </a:prstGeom>
-            <a:noFill/>
-            <a:ln>
-              <a:noFill/>
-            </a:ln>
-          </p:spPr>
-          <p:txBody>
-            <a:bodyPr spcFirstLastPara="1" wrap="square" lIns="91425" tIns="45700" rIns="91425" bIns="45700" anchor="ctr" anchorCtr="0">
-              <a:spAutoFit/>
-            </a:bodyPr>
-            <a:lstStyle/>
-            <a:p>
-              <a:pPr marL="0" marR="0" lvl="0" indent="0" algn="ctr" rtl="0">
-                <a:spcBef>
-                  <a:spcPts val="0"/>
-                </a:spcBef>
-                <a:spcAft>
-                  <a:spcPts val="0"/>
-                </a:spcAft>
-                <a:buNone/>
-              </a:pPr>
-              <a:r>
-                <a:rPr lang="en-US" sz="1800" b="0" i="0" u="none" strike="noStrike" cap="none">
-                  <a:solidFill>
-                    <a:schemeClr val="lt1"/>
-                  </a:solidFill>
-                  <a:latin typeface="Calibri"/>
-                  <a:ea typeface="Calibri"/>
-                  <a:cs typeface="Calibri"/>
-                  <a:sym typeface="Calibri"/>
-                </a:rPr>
-                <a:t>-Y</a:t>
-              </a:r>
-              <a:endParaRPr/>
-            </a:p>
-          </p:txBody>
-        </p:sp>
-      </p:grpSp>
-      <p:grpSp>
-        <p:nvGrpSpPr>
-          <p:cNvPr id="220" name="Google Shape;220;p4"/>
-          <p:cNvGrpSpPr/>
-          <p:nvPr/>
-        </p:nvGrpSpPr>
-        <p:grpSpPr>
-          <a:xfrm>
-            <a:off x="3219542" y="2961316"/>
-            <a:ext cx="1744905" cy="1304700"/>
-            <a:chOff x="1595307" y="2986102"/>
-            <a:chExt cx="1744905" cy="1304700"/>
-          </a:xfrm>
-        </p:grpSpPr>
-        <p:cxnSp>
-          <p:nvCxnSpPr>
-            <p:cNvPr id="221" name="Google Shape;221;p4"/>
-            <p:cNvCxnSpPr/>
-            <p:nvPr/>
-          </p:nvCxnSpPr>
-          <p:spPr>
-            <a:xfrm>
-              <a:off x="1971413" y="3632433"/>
-              <a:ext cx="1023457" cy="0"/>
-            </a:xfrm>
-            <a:prstGeom prst="straightConnector1">
-              <a:avLst/>
-            </a:prstGeom>
-            <a:noFill/>
-            <a:ln w="28575" cap="flat" cmpd="sng">
-              <a:solidFill>
-                <a:srgbClr val="00B0F0"/>
-              </a:solidFill>
-              <a:prstDash val="solid"/>
-              <a:miter lim="800000"/>
-              <a:headEnd type="triangle" w="med" len="med"/>
-              <a:tailEnd type="triangle" w="med" len="med"/>
-            </a:ln>
-          </p:spPr>
-        </p:cxnSp>
-        <p:cxnSp>
-          <p:nvCxnSpPr>
-            <p:cNvPr id="222" name="Google Shape;222;p4"/>
-            <p:cNvCxnSpPr/>
-            <p:nvPr/>
-          </p:nvCxnSpPr>
-          <p:spPr>
-            <a:xfrm>
-              <a:off x="2459372" y="3300401"/>
-              <a:ext cx="0" cy="697619"/>
-            </a:xfrm>
-            <a:prstGeom prst="straightConnector1">
-              <a:avLst/>
-            </a:prstGeom>
-            <a:noFill/>
-            <a:ln w="28575" cap="flat" cmpd="sng">
-              <a:solidFill>
-                <a:srgbClr val="00B0F0"/>
-              </a:solidFill>
-              <a:prstDash val="solid"/>
-              <a:miter lim="800000"/>
-              <a:headEnd type="triangle" w="med" len="med"/>
-              <a:tailEnd type="triangle" w="med" len="med"/>
-            </a:ln>
-          </p:spPr>
-        </p:cxnSp>
-        <p:sp>
-          <p:nvSpPr>
-            <p:cNvPr id="223" name="Google Shape;223;p4"/>
-            <p:cNvSpPr txBox="1"/>
-            <p:nvPr/>
-          </p:nvSpPr>
-          <p:spPr>
-            <a:xfrm>
-              <a:off x="2878822" y="3429000"/>
-              <a:ext cx="461390" cy="369332"/>
-            </a:xfrm>
-            <a:prstGeom prst="rect">
-              <a:avLst/>
-            </a:prstGeom>
-            <a:noFill/>
-            <a:ln>
-              <a:noFill/>
-            </a:ln>
-          </p:spPr>
-          <p:txBody>
-            <a:bodyPr spcFirstLastPara="1" wrap="square" lIns="91425" tIns="45700" rIns="91425" bIns="45700" anchor="ctr" anchorCtr="0">
-              <a:spAutoFit/>
-            </a:bodyPr>
-            <a:lstStyle/>
-            <a:p>
-              <a:pPr marL="0" marR="0" lvl="0" indent="0" algn="ctr" rtl="0">
-                <a:spcBef>
-                  <a:spcPts val="0"/>
-                </a:spcBef>
-                <a:spcAft>
-                  <a:spcPts val="0"/>
-                </a:spcAft>
-                <a:buNone/>
-              </a:pPr>
-              <a:r>
-                <a:rPr lang="en-US" sz="1800" b="0" i="0" u="none" strike="noStrike" cap="none">
-                  <a:solidFill>
-                    <a:schemeClr val="lt1"/>
-                  </a:solidFill>
-                  <a:latin typeface="Calibri"/>
-                  <a:ea typeface="Calibri"/>
-                  <a:cs typeface="Calibri"/>
-                  <a:sym typeface="Calibri"/>
-                </a:rPr>
-                <a:t>+X</a:t>
-              </a:r>
-              <a:endParaRPr/>
-            </a:p>
-          </p:txBody>
-        </p:sp>
-        <p:sp>
-          <p:nvSpPr>
-            <p:cNvPr id="224" name="Google Shape;224;p4"/>
-            <p:cNvSpPr txBox="1"/>
-            <p:nvPr/>
-          </p:nvSpPr>
-          <p:spPr>
-            <a:xfrm>
-              <a:off x="1595307" y="3447766"/>
-              <a:ext cx="440421" cy="369332"/>
-            </a:xfrm>
-            <a:prstGeom prst="rect">
-              <a:avLst/>
-            </a:prstGeom>
-            <a:noFill/>
-            <a:ln>
-              <a:noFill/>
-            </a:ln>
-          </p:spPr>
-          <p:txBody>
-            <a:bodyPr spcFirstLastPara="1" wrap="square" lIns="91425" tIns="45700" rIns="91425" bIns="45700" anchor="ctr" anchorCtr="0">
-              <a:spAutoFit/>
-            </a:bodyPr>
-            <a:lstStyle/>
-            <a:p>
-              <a:pPr marL="0" marR="0" lvl="0" indent="0" algn="ctr" rtl="0">
-                <a:spcBef>
-                  <a:spcPts val="0"/>
-                </a:spcBef>
-                <a:spcAft>
-                  <a:spcPts val="0"/>
-                </a:spcAft>
-                <a:buNone/>
-              </a:pPr>
-              <a:r>
-                <a:rPr lang="en-US" sz="1800" b="0" i="0" u="none" strike="noStrike" cap="none">
-                  <a:solidFill>
-                    <a:schemeClr val="lt1"/>
-                  </a:solidFill>
-                  <a:latin typeface="Calibri"/>
-                  <a:ea typeface="Calibri"/>
-                  <a:cs typeface="Calibri"/>
-                  <a:sym typeface="Calibri"/>
-                </a:rPr>
-                <a:t>-X</a:t>
-              </a:r>
-              <a:endParaRPr/>
-            </a:p>
-          </p:txBody>
-        </p:sp>
-        <p:sp>
-          <p:nvSpPr>
-            <p:cNvPr id="225" name="Google Shape;225;p4"/>
-            <p:cNvSpPr txBox="1"/>
-            <p:nvPr/>
-          </p:nvSpPr>
-          <p:spPr>
-            <a:xfrm>
-              <a:off x="2181136" y="2986102"/>
-              <a:ext cx="461391" cy="369332"/>
-            </a:xfrm>
-            <a:prstGeom prst="rect">
-              <a:avLst/>
-            </a:prstGeom>
-            <a:noFill/>
-            <a:ln>
-              <a:noFill/>
-            </a:ln>
-          </p:spPr>
-          <p:txBody>
-            <a:bodyPr spcFirstLastPara="1" wrap="square" lIns="91425" tIns="45700" rIns="91425" bIns="45700" anchor="ctr" anchorCtr="0">
-              <a:spAutoFit/>
-            </a:bodyPr>
-            <a:lstStyle/>
-            <a:p>
-              <a:pPr marL="0" marR="0" lvl="0" indent="0" algn="ctr" rtl="0">
-                <a:spcBef>
-                  <a:spcPts val="0"/>
-                </a:spcBef>
-                <a:spcAft>
-                  <a:spcPts val="0"/>
-                </a:spcAft>
-                <a:buNone/>
-              </a:pPr>
-              <a:r>
-                <a:rPr lang="en-US" sz="1800" b="0" i="0" u="none" strike="noStrike" cap="none">
-                  <a:solidFill>
-                    <a:schemeClr val="lt1"/>
-                  </a:solidFill>
-                  <a:latin typeface="Calibri"/>
-                  <a:ea typeface="Calibri"/>
-                  <a:cs typeface="Calibri"/>
-                  <a:sym typeface="Calibri"/>
-                </a:rPr>
-                <a:t>+Y</a:t>
-              </a:r>
-              <a:endParaRPr/>
-            </a:p>
-          </p:txBody>
-        </p:sp>
-        <p:sp>
-          <p:nvSpPr>
-            <p:cNvPr id="226" name="Google Shape;226;p4"/>
-            <p:cNvSpPr txBox="1"/>
-            <p:nvPr/>
-          </p:nvSpPr>
-          <p:spPr>
-            <a:xfrm>
-              <a:off x="2199312" y="3921470"/>
-              <a:ext cx="457203" cy="369332"/>
-            </a:xfrm>
-            <a:prstGeom prst="rect">
-              <a:avLst/>
-            </a:prstGeom>
-            <a:noFill/>
-            <a:ln>
-              <a:noFill/>
-            </a:ln>
-          </p:spPr>
-          <p:txBody>
-            <a:bodyPr spcFirstLastPara="1" wrap="square" lIns="91425" tIns="45700" rIns="91425" bIns="45700" anchor="ctr" anchorCtr="0">
-              <a:spAutoFit/>
-            </a:bodyPr>
-            <a:lstStyle/>
-            <a:p>
-              <a:pPr marL="0" marR="0" lvl="0" indent="0" algn="ctr" rtl="0">
-                <a:spcBef>
-                  <a:spcPts val="0"/>
-                </a:spcBef>
-                <a:spcAft>
-                  <a:spcPts val="0"/>
-                </a:spcAft>
-                <a:buNone/>
-              </a:pPr>
-              <a:r>
-                <a:rPr lang="en-US" sz="1800" b="0" i="0" u="none" strike="noStrike" cap="none">
-                  <a:solidFill>
-                    <a:schemeClr val="lt1"/>
-                  </a:solidFill>
-                  <a:latin typeface="Calibri"/>
-                  <a:ea typeface="Calibri"/>
-                  <a:cs typeface="Calibri"/>
-                  <a:sym typeface="Calibri"/>
-                </a:rPr>
-                <a:t>-Y</a:t>
-              </a:r>
-              <a:endParaRPr/>
-            </a:p>
-          </p:txBody>
-        </p:sp>
-      </p:grpSp>
-      <p:sp>
-        <p:nvSpPr>
-          <p:cNvPr id="227" name="Google Shape;227;p4"/>
-          <p:cNvSpPr/>
-          <p:nvPr/>
-        </p:nvSpPr>
-        <p:spPr>
-          <a:xfrm>
-            <a:off x="1769693" y="4201453"/>
-            <a:ext cx="1449849" cy="344546"/>
-          </a:xfrm>
-          <a:prstGeom prst="ellipse">
-            <a:avLst/>
-          </a:prstGeom>
-          <a:noFill/>
-          <a:ln>
-            <a:noFill/>
-          </a:ln>
-        </p:spPr>
-        <p:txBody>
-          <a:bodyPr spcFirstLastPara="1" wrap="square" lIns="91425" tIns="45700" rIns="91425" bIns="45700" anchor="ctr" anchorCtr="0">
-            <a:noAutofit/>
-          </a:bodyPr>
-          <a:lstStyle/>
-          <a:p>
-            <a:pPr marL="0" marR="0" lvl="0" indent="0" algn="ctr" rtl="0">
-              <a:spcBef>
-                <a:spcPts val="0"/>
-              </a:spcBef>
-              <a:spcAft>
-                <a:spcPts val="0"/>
-              </a:spcAft>
-              <a:buNone/>
-            </a:pPr>
-            <a:r>
-              <a:rPr lang="en-US" sz="1600" b="0" i="0" u="none" strike="noStrike" cap="none">
-                <a:solidFill>
-                  <a:srgbClr val="00B0F0"/>
-                </a:solidFill>
-                <a:latin typeface="Calibri"/>
-                <a:ea typeface="Calibri"/>
-                <a:cs typeface="Calibri"/>
-                <a:sym typeface="Calibri"/>
-              </a:rPr>
-              <a:t>Left Stick</a:t>
-            </a:r>
-            <a:endParaRPr/>
-          </a:p>
-        </p:txBody>
-      </p:sp>
-      <p:sp>
-        <p:nvSpPr>
-          <p:cNvPr id="228" name="Google Shape;228;p4"/>
-          <p:cNvSpPr/>
-          <p:nvPr/>
-        </p:nvSpPr>
-        <p:spPr>
-          <a:xfrm>
-            <a:off x="3219542" y="4231761"/>
-            <a:ext cx="1588989" cy="344546"/>
-          </a:xfrm>
-          <a:prstGeom prst="ellipse">
-            <a:avLst/>
-          </a:prstGeom>
-          <a:noFill/>
-          <a:ln>
-            <a:noFill/>
-          </a:ln>
-        </p:spPr>
-        <p:txBody>
-          <a:bodyPr spcFirstLastPara="1" wrap="square" lIns="91425" tIns="45700" rIns="91425" bIns="45700" anchor="ctr" anchorCtr="0">
-            <a:noAutofit/>
-          </a:bodyPr>
-          <a:lstStyle/>
-          <a:p>
-            <a:pPr marL="0" marR="0" lvl="0" indent="0" algn="ctr" rtl="0">
-              <a:spcBef>
-                <a:spcPts val="0"/>
-              </a:spcBef>
-              <a:spcAft>
-                <a:spcPts val="0"/>
-              </a:spcAft>
-              <a:buNone/>
-            </a:pPr>
-            <a:r>
-              <a:rPr lang="en-US" sz="1600" b="0" i="0" u="none" strike="noStrike" cap="none">
-                <a:solidFill>
-                  <a:srgbClr val="00B0F0"/>
-                </a:solidFill>
-                <a:latin typeface="Calibri"/>
-                <a:ea typeface="Calibri"/>
-                <a:cs typeface="Calibri"/>
-                <a:sym typeface="Calibri"/>
-              </a:rPr>
-              <a:t>Right Stick</a:t>
-            </a:r>
-            <a:endParaRPr/>
-          </a:p>
-        </p:txBody>
-      </p:sp>
-      <p:grpSp>
-        <p:nvGrpSpPr>
-          <p:cNvPr id="229" name="Google Shape;229;p4"/>
-          <p:cNvGrpSpPr/>
-          <p:nvPr/>
-        </p:nvGrpSpPr>
-        <p:grpSpPr>
-          <a:xfrm>
-            <a:off x="727260" y="2118702"/>
-            <a:ext cx="2112941" cy="1212368"/>
-            <a:chOff x="1504855" y="3032268"/>
-            <a:chExt cx="2112941" cy="1212368"/>
-          </a:xfrm>
-        </p:grpSpPr>
-        <p:cxnSp>
-          <p:nvCxnSpPr>
-            <p:cNvPr id="230" name="Google Shape;230;p4"/>
-            <p:cNvCxnSpPr/>
-            <p:nvPr/>
-          </p:nvCxnSpPr>
-          <p:spPr>
-            <a:xfrm>
-              <a:off x="1971413" y="3632433"/>
-              <a:ext cx="1023457" cy="0"/>
-            </a:xfrm>
-            <a:prstGeom prst="straightConnector1">
-              <a:avLst/>
-            </a:prstGeom>
-            <a:noFill/>
-            <a:ln w="28575" cap="flat" cmpd="sng">
-              <a:solidFill>
-                <a:srgbClr val="00B0F0"/>
-              </a:solidFill>
-              <a:prstDash val="solid"/>
-              <a:miter lim="800000"/>
-              <a:headEnd type="triangle" w="med" len="med"/>
-              <a:tailEnd type="triangle" w="med" len="med"/>
-            </a:ln>
-          </p:spPr>
-        </p:cxnSp>
-        <p:cxnSp>
-          <p:nvCxnSpPr>
-            <p:cNvPr id="231" name="Google Shape;231;p4"/>
-            <p:cNvCxnSpPr/>
-            <p:nvPr/>
-          </p:nvCxnSpPr>
-          <p:spPr>
-            <a:xfrm>
-              <a:off x="2459372" y="3300401"/>
-              <a:ext cx="0" cy="697619"/>
-            </a:xfrm>
-            <a:prstGeom prst="straightConnector1">
-              <a:avLst/>
-            </a:prstGeom>
-            <a:noFill/>
-            <a:ln w="28575" cap="flat" cmpd="sng">
-              <a:solidFill>
-                <a:srgbClr val="00B0F0"/>
-              </a:solidFill>
-              <a:prstDash val="solid"/>
-              <a:miter lim="800000"/>
-              <a:headEnd type="triangle" w="med" len="med"/>
-              <a:tailEnd type="triangle" w="med" len="med"/>
-            </a:ln>
-          </p:spPr>
-        </p:cxnSp>
-        <p:sp>
-          <p:nvSpPr>
-            <p:cNvPr id="232" name="Google Shape;232;p4"/>
-            <p:cNvSpPr txBox="1"/>
-            <p:nvPr/>
-          </p:nvSpPr>
-          <p:spPr>
-            <a:xfrm>
-              <a:off x="2845265" y="3491944"/>
-              <a:ext cx="772531" cy="276999"/>
-            </a:xfrm>
-            <a:prstGeom prst="rect">
-              <a:avLst/>
-            </a:prstGeom>
-            <a:noFill/>
-            <a:ln>
-              <a:noFill/>
-            </a:ln>
-          </p:spPr>
-          <p:txBody>
-            <a:bodyPr spcFirstLastPara="1" wrap="square" lIns="91425" tIns="45700" rIns="91425" bIns="45700" anchor="ctr" anchorCtr="0">
-              <a:spAutoFit/>
-            </a:bodyPr>
-            <a:lstStyle/>
-            <a:p>
-              <a:pPr marL="0" marR="0" lvl="0" indent="0" algn="ctr" rtl="0">
-                <a:spcBef>
-                  <a:spcPts val="0"/>
-                </a:spcBef>
-                <a:spcAft>
-                  <a:spcPts val="0"/>
-                </a:spcAft>
-                <a:buNone/>
-              </a:pPr>
-              <a:r>
-                <a:rPr lang="en-US" sz="1200" b="1" i="0" u="none" strike="noStrike" cap="none">
-                  <a:solidFill>
-                    <a:schemeClr val="lt1"/>
-                  </a:solidFill>
-                  <a:latin typeface="Calibri"/>
-                  <a:ea typeface="Calibri"/>
-                  <a:cs typeface="Calibri"/>
-                  <a:sym typeface="Calibri"/>
-                </a:rPr>
-                <a:t>RIGHT</a:t>
-              </a:r>
-              <a:endParaRPr/>
-            </a:p>
-          </p:txBody>
-        </p:sp>
-        <p:sp>
-          <p:nvSpPr>
-            <p:cNvPr id="233" name="Google Shape;233;p4"/>
-            <p:cNvSpPr txBox="1"/>
-            <p:nvPr/>
-          </p:nvSpPr>
-          <p:spPr>
-            <a:xfrm>
-              <a:off x="1504855" y="3493932"/>
-              <a:ext cx="597986" cy="276999"/>
-            </a:xfrm>
-            <a:prstGeom prst="rect">
-              <a:avLst/>
-            </a:prstGeom>
-            <a:noFill/>
-            <a:ln>
-              <a:noFill/>
-            </a:ln>
-          </p:spPr>
-          <p:txBody>
-            <a:bodyPr spcFirstLastPara="1" wrap="square" lIns="91425" tIns="45700" rIns="91425" bIns="45700" anchor="ctr" anchorCtr="0">
-              <a:spAutoFit/>
-            </a:bodyPr>
-            <a:lstStyle/>
-            <a:p>
-              <a:pPr marL="0" marR="0" lvl="0" indent="0" algn="ctr" rtl="0">
-                <a:spcBef>
-                  <a:spcPts val="0"/>
-                </a:spcBef>
-                <a:spcAft>
-                  <a:spcPts val="0"/>
-                </a:spcAft>
-                <a:buNone/>
-              </a:pPr>
-              <a:r>
-                <a:rPr lang="en-US" sz="1200" b="1" i="0" u="none" strike="noStrike" cap="none">
-                  <a:solidFill>
-                    <a:schemeClr val="lt1"/>
-                  </a:solidFill>
-                  <a:latin typeface="Calibri"/>
-                  <a:ea typeface="Calibri"/>
-                  <a:cs typeface="Calibri"/>
-                  <a:sym typeface="Calibri"/>
-                </a:rPr>
-                <a:t>LEFT</a:t>
-              </a:r>
-              <a:endParaRPr/>
-            </a:p>
-          </p:txBody>
-        </p:sp>
-        <p:sp>
-          <p:nvSpPr>
-            <p:cNvPr id="234" name="Google Shape;234;p4"/>
-            <p:cNvSpPr txBox="1"/>
-            <p:nvPr/>
-          </p:nvSpPr>
-          <p:spPr>
-            <a:xfrm>
-              <a:off x="2231470" y="3032268"/>
-              <a:ext cx="461391" cy="276999"/>
-            </a:xfrm>
-            <a:prstGeom prst="rect">
-              <a:avLst/>
-            </a:prstGeom>
-            <a:noFill/>
-            <a:ln>
-              <a:noFill/>
-            </a:ln>
-          </p:spPr>
-          <p:txBody>
-            <a:bodyPr spcFirstLastPara="1" wrap="square" lIns="91425" tIns="45700" rIns="91425" bIns="45700" anchor="ctr" anchorCtr="0">
-              <a:spAutoFit/>
-            </a:bodyPr>
-            <a:lstStyle/>
-            <a:p>
-              <a:pPr marL="0" marR="0" lvl="0" indent="0" algn="ctr" rtl="0">
-                <a:spcBef>
-                  <a:spcPts val="0"/>
-                </a:spcBef>
-                <a:spcAft>
-                  <a:spcPts val="0"/>
-                </a:spcAft>
-                <a:buNone/>
-              </a:pPr>
-              <a:r>
-                <a:rPr lang="en-US" sz="1200" b="1" i="0" u="none" strike="noStrike" cap="none">
-                  <a:solidFill>
-                    <a:schemeClr val="lt1"/>
-                  </a:solidFill>
-                  <a:latin typeface="Calibri"/>
-                  <a:ea typeface="Calibri"/>
-                  <a:cs typeface="Calibri"/>
-                  <a:sym typeface="Calibri"/>
-                </a:rPr>
-                <a:t>UP</a:t>
-              </a:r>
-              <a:endParaRPr/>
-            </a:p>
-          </p:txBody>
-        </p:sp>
-        <p:sp>
-          <p:nvSpPr>
-            <p:cNvPr id="235" name="Google Shape;235;p4"/>
-            <p:cNvSpPr txBox="1"/>
-            <p:nvPr/>
-          </p:nvSpPr>
-          <p:spPr>
-            <a:xfrm>
-              <a:off x="2014763" y="3967637"/>
-              <a:ext cx="868256" cy="276999"/>
-            </a:xfrm>
-            <a:prstGeom prst="rect">
-              <a:avLst/>
-            </a:prstGeom>
-            <a:noFill/>
-            <a:ln>
-              <a:noFill/>
-            </a:ln>
-          </p:spPr>
-          <p:txBody>
-            <a:bodyPr spcFirstLastPara="1" wrap="square" lIns="91425" tIns="45700" rIns="91425" bIns="45700" anchor="ctr" anchorCtr="0">
-              <a:spAutoFit/>
-            </a:bodyPr>
-            <a:lstStyle/>
-            <a:p>
-              <a:pPr marL="0" marR="0" lvl="0" indent="0" algn="ctr" rtl="0">
-                <a:spcBef>
-                  <a:spcPts val="0"/>
-                </a:spcBef>
-                <a:spcAft>
-                  <a:spcPts val="0"/>
-                </a:spcAft>
-                <a:buNone/>
-              </a:pPr>
-              <a:r>
-                <a:rPr lang="en-US" sz="1200" b="1" i="0" u="none" strike="noStrike" cap="none">
-                  <a:solidFill>
-                    <a:schemeClr val="lt1"/>
-                  </a:solidFill>
-                  <a:latin typeface="Calibri"/>
-                  <a:ea typeface="Calibri"/>
-                  <a:cs typeface="Calibri"/>
-                  <a:sym typeface="Calibri"/>
-                </a:rPr>
-                <a:t>DOWN</a:t>
-              </a:r>
-              <a:endParaRPr/>
-            </a:p>
-          </p:txBody>
-        </p:sp>
-      </p:grpSp>
-      <p:sp>
-        <p:nvSpPr>
-          <p:cNvPr id="236" name="Google Shape;236;p4"/>
-          <p:cNvSpPr/>
-          <p:nvPr/>
-        </p:nvSpPr>
-        <p:spPr>
-          <a:xfrm>
-            <a:off x="978064" y="1826015"/>
-            <a:ext cx="1449849" cy="344546"/>
-          </a:xfrm>
-          <a:prstGeom prst="ellipse">
-            <a:avLst/>
-          </a:prstGeom>
-          <a:noFill/>
-          <a:ln>
-            <a:noFill/>
-          </a:ln>
-        </p:spPr>
-        <p:txBody>
-          <a:bodyPr spcFirstLastPara="1" wrap="square" lIns="91425" tIns="45700" rIns="91425" bIns="45700" anchor="ctr" anchorCtr="0">
-            <a:noAutofit/>
-          </a:bodyPr>
-          <a:lstStyle/>
-          <a:p>
-            <a:pPr marL="0" marR="0" lvl="0" indent="0" algn="ctr" rtl="0">
-              <a:spcBef>
-                <a:spcPts val="0"/>
-              </a:spcBef>
-              <a:spcAft>
-                <a:spcPts val="0"/>
-              </a:spcAft>
-              <a:buNone/>
-            </a:pPr>
-            <a:r>
-              <a:rPr lang="en-US" sz="1600" b="0" i="0" u="none" strike="noStrike" cap="none">
-                <a:solidFill>
-                  <a:schemeClr val="lt1"/>
-                </a:solidFill>
-                <a:latin typeface="Calibri"/>
-                <a:ea typeface="Calibri"/>
-                <a:cs typeface="Calibri"/>
-                <a:sym typeface="Calibri"/>
-              </a:rPr>
-              <a:t>DPAD</a:t>
-            </a:r>
-            <a:endParaRPr/>
-          </a:p>
-        </p:txBody>
-      </p:sp>
-      <p:sp>
-        <p:nvSpPr>
-          <p:cNvPr id="237" name="Google Shape;237;p4"/>
-          <p:cNvSpPr txBox="1"/>
-          <p:nvPr/>
-        </p:nvSpPr>
-        <p:spPr>
-          <a:xfrm>
-            <a:off x="4888949" y="2118702"/>
-            <a:ext cx="461391" cy="369332"/>
-          </a:xfrm>
-          <a:prstGeom prst="rect">
-            <a:avLst/>
-          </a:prstGeom>
-          <a:noFill/>
-          <a:ln>
-            <a:noFill/>
-          </a:ln>
-        </p:spPr>
-        <p:txBody>
-          <a:bodyPr spcFirstLastPara="1" wrap="square" lIns="91425" tIns="45700" rIns="91425" bIns="45700" anchor="ctr" anchorCtr="0">
-            <a:spAutoFit/>
-          </a:bodyPr>
-          <a:lstStyle/>
-          <a:p>
-            <a:pPr marL="0" marR="0" lvl="0" indent="0" algn="ctr" rtl="0">
-              <a:spcBef>
-                <a:spcPts val="0"/>
-              </a:spcBef>
-              <a:spcAft>
-                <a:spcPts val="0"/>
-              </a:spcAft>
-              <a:buNone/>
-            </a:pPr>
-            <a:r>
-              <a:rPr lang="en-US" sz="1800" b="0" i="0" u="none" strike="noStrike" cap="none">
-                <a:solidFill>
-                  <a:schemeClr val="lt1"/>
-                </a:solidFill>
-                <a:latin typeface="Calibri"/>
-                <a:ea typeface="Calibri"/>
-                <a:cs typeface="Calibri"/>
-                <a:sym typeface="Calibri"/>
-              </a:rPr>
-              <a:t>Y</a:t>
-            </a:r>
-            <a:endParaRPr/>
-          </a:p>
-        </p:txBody>
-      </p:sp>
-      <p:sp>
-        <p:nvSpPr>
-          <p:cNvPr id="238" name="Google Shape;238;p4"/>
-          <p:cNvSpPr txBox="1"/>
-          <p:nvPr/>
-        </p:nvSpPr>
-        <p:spPr>
-          <a:xfrm>
-            <a:off x="5261778" y="2486045"/>
-            <a:ext cx="461391" cy="369332"/>
-          </a:xfrm>
-          <a:prstGeom prst="rect">
-            <a:avLst/>
-          </a:prstGeom>
-          <a:noFill/>
-          <a:ln>
-            <a:noFill/>
-          </a:ln>
-        </p:spPr>
-        <p:txBody>
-          <a:bodyPr spcFirstLastPara="1" wrap="square" lIns="91425" tIns="45700" rIns="91425" bIns="45700" anchor="ctr" anchorCtr="0">
-            <a:spAutoFit/>
-          </a:bodyPr>
-          <a:lstStyle/>
-          <a:p>
-            <a:pPr marL="0" marR="0" lvl="0" indent="0" algn="ctr" rtl="0">
-              <a:spcBef>
-                <a:spcPts val="0"/>
-              </a:spcBef>
-              <a:spcAft>
-                <a:spcPts val="0"/>
-              </a:spcAft>
-              <a:buNone/>
-            </a:pPr>
-            <a:r>
-              <a:rPr lang="en-US" sz="1800" b="0" i="0" u="none" strike="noStrike" cap="none">
-                <a:solidFill>
-                  <a:schemeClr val="lt1"/>
-                </a:solidFill>
-                <a:latin typeface="Calibri"/>
-                <a:ea typeface="Calibri"/>
-                <a:cs typeface="Calibri"/>
-                <a:sym typeface="Calibri"/>
-              </a:rPr>
-              <a:t>B</a:t>
-            </a:r>
-            <a:endParaRPr/>
-          </a:p>
-        </p:txBody>
-      </p:sp>
-      <p:sp>
-        <p:nvSpPr>
-          <p:cNvPr id="239" name="Google Shape;239;p4"/>
-          <p:cNvSpPr txBox="1"/>
-          <p:nvPr/>
-        </p:nvSpPr>
-        <p:spPr>
-          <a:xfrm>
-            <a:off x="4920669" y="3117580"/>
-            <a:ext cx="461391" cy="369332"/>
-          </a:xfrm>
-          <a:prstGeom prst="rect">
-            <a:avLst/>
-          </a:prstGeom>
-          <a:noFill/>
-          <a:ln>
-            <a:noFill/>
-          </a:ln>
-        </p:spPr>
-        <p:txBody>
-          <a:bodyPr spcFirstLastPara="1" wrap="square" lIns="91425" tIns="45700" rIns="91425" bIns="45700" anchor="ctr" anchorCtr="0">
-            <a:spAutoFit/>
-          </a:bodyPr>
-          <a:lstStyle/>
-          <a:p>
-            <a:pPr marL="0" marR="0" lvl="0" indent="0" algn="ctr" rtl="0">
-              <a:spcBef>
-                <a:spcPts val="0"/>
-              </a:spcBef>
-              <a:spcAft>
-                <a:spcPts val="0"/>
-              </a:spcAft>
-              <a:buNone/>
-            </a:pPr>
-            <a:r>
-              <a:rPr lang="en-US" sz="1800" b="0" i="0" u="none" strike="noStrike" cap="none">
-                <a:solidFill>
-                  <a:schemeClr val="lt1"/>
-                </a:solidFill>
-                <a:latin typeface="Calibri"/>
-                <a:ea typeface="Calibri"/>
-                <a:cs typeface="Calibri"/>
-                <a:sym typeface="Calibri"/>
-              </a:rPr>
-              <a:t>A</a:t>
-            </a:r>
-            <a:endParaRPr/>
-          </a:p>
-        </p:txBody>
-      </p:sp>
-      <p:sp>
-        <p:nvSpPr>
-          <p:cNvPr id="240" name="Google Shape;240;p4"/>
-          <p:cNvSpPr txBox="1"/>
-          <p:nvPr/>
-        </p:nvSpPr>
-        <p:spPr>
-          <a:xfrm>
-            <a:off x="4068233" y="2327511"/>
-            <a:ext cx="461391" cy="369332"/>
-          </a:xfrm>
-          <a:prstGeom prst="rect">
-            <a:avLst/>
-          </a:prstGeom>
-          <a:noFill/>
-          <a:ln>
-            <a:noFill/>
-          </a:ln>
-        </p:spPr>
-        <p:txBody>
-          <a:bodyPr spcFirstLastPara="1" wrap="square" lIns="91425" tIns="45700" rIns="91425" bIns="45700" anchor="ctr" anchorCtr="0">
-            <a:spAutoFit/>
-          </a:bodyPr>
-          <a:lstStyle/>
-          <a:p>
-            <a:pPr marL="0" marR="0" lvl="0" indent="0" algn="ctr" rtl="0">
-              <a:spcBef>
-                <a:spcPts val="0"/>
-              </a:spcBef>
-              <a:spcAft>
-                <a:spcPts val="0"/>
-              </a:spcAft>
-              <a:buNone/>
-            </a:pPr>
-            <a:r>
-              <a:rPr lang="en-US" sz="1800" b="0" i="0" u="none" strike="noStrike" cap="none">
-                <a:solidFill>
-                  <a:schemeClr val="lt1"/>
-                </a:solidFill>
-                <a:latin typeface="Calibri"/>
-                <a:ea typeface="Calibri"/>
-                <a:cs typeface="Calibri"/>
-                <a:sym typeface="Calibri"/>
-              </a:rPr>
-              <a:t>X</a:t>
-            </a:r>
-            <a:endParaRPr/>
-          </a:p>
-        </p:txBody>
-      </p:sp>
-      <p:sp>
-        <p:nvSpPr>
-          <p:cNvPr id="241" name="Google Shape;241;p4"/>
-          <p:cNvSpPr/>
-          <p:nvPr/>
-        </p:nvSpPr>
-        <p:spPr>
-          <a:xfrm>
-            <a:off x="489795" y="164452"/>
-            <a:ext cx="10183817" cy="344546"/>
-          </a:xfrm>
-          <a:prstGeom prst="ellipse">
-            <a:avLst/>
-          </a:prstGeom>
-          <a:noFill/>
-          <a:ln>
-            <a:noFill/>
-          </a:ln>
-        </p:spPr>
-        <p:txBody>
-          <a:bodyPr spcFirstLastPara="1" wrap="square" lIns="91425" tIns="45700" rIns="91425" bIns="45700" anchor="ctr" anchorCtr="0">
-            <a:noAutofit/>
-          </a:bodyPr>
-          <a:lstStyle/>
-          <a:p>
-            <a:pPr marL="0" marR="0" lvl="0" indent="0" algn="ctr" rtl="0">
-              <a:spcBef>
-                <a:spcPts val="0"/>
-              </a:spcBef>
-              <a:spcAft>
-                <a:spcPts val="0"/>
-              </a:spcAft>
-              <a:buNone/>
-            </a:pPr>
-            <a:r>
-              <a:rPr lang="en-US" sz="2400" b="0" i="0" u="none" strike="noStrike" cap="none" dirty="0">
-                <a:solidFill>
-                  <a:srgbClr val="00B0F0"/>
-                </a:solidFill>
-                <a:latin typeface="Calibri"/>
-                <a:ea typeface="Calibri"/>
-                <a:cs typeface="Calibri"/>
-                <a:sym typeface="Calibri"/>
-              </a:rPr>
-              <a:t>Instructions for Robot Top Hat Driver -  Advanced</a:t>
-            </a:r>
-            <a:endParaRPr dirty="0"/>
-          </a:p>
-        </p:txBody>
-      </p:sp>
-      <p:sp>
-        <p:nvSpPr>
-          <p:cNvPr id="242" name="Google Shape;242;p4"/>
-          <p:cNvSpPr/>
-          <p:nvPr/>
-        </p:nvSpPr>
-        <p:spPr>
-          <a:xfrm>
-            <a:off x="3595649" y="675716"/>
-            <a:ext cx="1754692" cy="344546"/>
-          </a:xfrm>
-          <a:prstGeom prst="ellipse">
-            <a:avLst/>
-          </a:prstGeom>
-          <a:noFill/>
-          <a:ln>
-            <a:noFill/>
-          </a:ln>
-        </p:spPr>
-        <p:txBody>
-          <a:bodyPr spcFirstLastPara="1" wrap="square" lIns="91425" tIns="45700" rIns="91425" bIns="45700" anchor="ctr" anchorCtr="0">
-            <a:noAutofit/>
-          </a:bodyPr>
-          <a:lstStyle/>
-          <a:p>
-            <a:pPr marL="0" marR="0" lvl="0" indent="0" algn="ctr" rtl="0">
-              <a:spcBef>
-                <a:spcPts val="0"/>
-              </a:spcBef>
-              <a:spcAft>
-                <a:spcPts val="0"/>
-              </a:spcAft>
-              <a:buNone/>
-            </a:pPr>
-            <a:r>
-              <a:rPr lang="en-US" sz="1600" b="0" i="0" u="none" strike="noStrike" cap="none">
-                <a:solidFill>
-                  <a:srgbClr val="00B0F0"/>
-                </a:solidFill>
-                <a:latin typeface="Calibri"/>
-                <a:ea typeface="Calibri"/>
-                <a:cs typeface="Calibri"/>
-                <a:sym typeface="Calibri"/>
-              </a:rPr>
-              <a:t>Right Trigger</a:t>
-            </a:r>
-            <a:endParaRPr/>
-          </a:p>
-        </p:txBody>
-      </p:sp>
-      <p:cxnSp>
-        <p:nvCxnSpPr>
-          <p:cNvPr id="243" name="Google Shape;243;p4"/>
-          <p:cNvCxnSpPr>
-            <a:stCxn id="242" idx="4"/>
-          </p:cNvCxnSpPr>
-          <p:nvPr/>
-        </p:nvCxnSpPr>
-        <p:spPr>
-          <a:xfrm>
-            <a:off x="4472995" y="1020262"/>
-            <a:ext cx="335400" cy="380700"/>
-          </a:xfrm>
-          <a:prstGeom prst="straightConnector1">
-            <a:avLst/>
-          </a:prstGeom>
-          <a:noFill/>
-          <a:ln w="9525" cap="flat" cmpd="sng">
-            <a:solidFill>
-              <a:srgbClr val="00B0F0"/>
-            </a:solidFill>
-            <a:prstDash val="solid"/>
-            <a:miter lim="800000"/>
-            <a:headEnd type="none" w="sm" len="sm"/>
-            <a:tailEnd type="triangle" w="med" len="med"/>
-          </a:ln>
-        </p:spPr>
-      </p:cxnSp>
-      <p:cxnSp>
-        <p:nvCxnSpPr>
-          <p:cNvPr id="244" name="Google Shape;244;p4"/>
-          <p:cNvCxnSpPr/>
-          <p:nvPr/>
-        </p:nvCxnSpPr>
-        <p:spPr>
-          <a:xfrm flipH="1">
-            <a:off x="4960931" y="1133214"/>
-            <a:ext cx="531542" cy="420147"/>
-          </a:xfrm>
-          <a:prstGeom prst="straightConnector1">
-            <a:avLst/>
-          </a:prstGeom>
-          <a:noFill/>
-          <a:ln w="9525" cap="flat" cmpd="sng">
-            <a:solidFill>
-              <a:srgbClr val="00B0F0"/>
-            </a:solidFill>
-            <a:prstDash val="solid"/>
-            <a:miter lim="800000"/>
-            <a:headEnd type="none" w="sm" len="sm"/>
-            <a:tailEnd type="triangle" w="med" len="med"/>
-          </a:ln>
-        </p:spPr>
-      </p:cxnSp>
-      <p:sp>
-        <p:nvSpPr>
-          <p:cNvPr id="245" name="Google Shape;245;p4"/>
-          <p:cNvSpPr/>
-          <p:nvPr/>
-        </p:nvSpPr>
-        <p:spPr>
-          <a:xfrm>
-            <a:off x="4894682" y="806042"/>
-            <a:ext cx="2076133" cy="344546"/>
-          </a:xfrm>
-          <a:prstGeom prst="ellipse">
-            <a:avLst/>
-          </a:prstGeom>
-          <a:noFill/>
-          <a:ln>
-            <a:noFill/>
-          </a:ln>
-        </p:spPr>
-        <p:txBody>
-          <a:bodyPr spcFirstLastPara="1" wrap="square" lIns="91425" tIns="45700" rIns="91425" bIns="45700" anchor="ctr" anchorCtr="0">
-            <a:noAutofit/>
-          </a:bodyPr>
-          <a:lstStyle/>
-          <a:p>
-            <a:pPr marL="0" marR="0" lvl="0" indent="0" algn="ctr" rtl="0">
-              <a:spcBef>
-                <a:spcPts val="0"/>
-              </a:spcBef>
-              <a:spcAft>
-                <a:spcPts val="0"/>
-              </a:spcAft>
-              <a:buNone/>
-            </a:pPr>
-            <a:r>
-              <a:rPr lang="en-US" sz="1600" b="0" i="0" u="none" strike="noStrike" cap="none">
-                <a:solidFill>
-                  <a:srgbClr val="00B0F0"/>
-                </a:solidFill>
-                <a:latin typeface="Calibri"/>
-                <a:ea typeface="Calibri"/>
-                <a:cs typeface="Calibri"/>
-                <a:sym typeface="Calibri"/>
-              </a:rPr>
-              <a:t>Right Bumper</a:t>
-            </a:r>
-            <a:endParaRPr/>
-          </a:p>
-        </p:txBody>
-      </p:sp>
-      <p:sp>
-        <p:nvSpPr>
-          <p:cNvPr id="246" name="Google Shape;246;p4"/>
-          <p:cNvSpPr/>
-          <p:nvPr/>
-        </p:nvSpPr>
-        <p:spPr>
-          <a:xfrm>
-            <a:off x="465736" y="616307"/>
-            <a:ext cx="1588989" cy="344546"/>
-          </a:xfrm>
-          <a:prstGeom prst="ellipse">
-            <a:avLst/>
-          </a:prstGeom>
-          <a:noFill/>
-          <a:ln>
-            <a:noFill/>
-          </a:ln>
-        </p:spPr>
-        <p:txBody>
-          <a:bodyPr spcFirstLastPara="1" wrap="square" lIns="91425" tIns="45700" rIns="91425" bIns="45700" anchor="ctr" anchorCtr="0">
-            <a:noAutofit/>
-          </a:bodyPr>
-          <a:lstStyle/>
-          <a:p>
-            <a:pPr marL="0" marR="0" lvl="0" indent="0" algn="ctr" rtl="0">
-              <a:spcBef>
-                <a:spcPts val="0"/>
-              </a:spcBef>
-              <a:spcAft>
-                <a:spcPts val="0"/>
-              </a:spcAft>
-              <a:buNone/>
-            </a:pPr>
-            <a:r>
-              <a:rPr lang="en-US" sz="1600" b="0" i="0" u="none" strike="noStrike" cap="none">
-                <a:solidFill>
-                  <a:srgbClr val="00B0F0"/>
-                </a:solidFill>
-                <a:latin typeface="Calibri"/>
-                <a:ea typeface="Calibri"/>
-                <a:cs typeface="Calibri"/>
-                <a:sym typeface="Calibri"/>
-              </a:rPr>
-              <a:t>Left Trigger</a:t>
-            </a:r>
-            <a:endParaRPr/>
-          </a:p>
-        </p:txBody>
-      </p:sp>
-      <p:cxnSp>
-        <p:nvCxnSpPr>
-          <p:cNvPr id="247" name="Google Shape;247;p4"/>
-          <p:cNvCxnSpPr>
-            <a:stCxn id="246" idx="4"/>
-          </p:cNvCxnSpPr>
-          <p:nvPr/>
-        </p:nvCxnSpPr>
-        <p:spPr>
-          <a:xfrm>
-            <a:off x="1260231" y="960853"/>
-            <a:ext cx="335100" cy="440100"/>
-          </a:xfrm>
-          <a:prstGeom prst="straightConnector1">
-            <a:avLst/>
-          </a:prstGeom>
-          <a:noFill/>
-          <a:ln w="9525" cap="flat" cmpd="sng">
-            <a:solidFill>
-              <a:srgbClr val="00B0F0"/>
-            </a:solidFill>
-            <a:prstDash val="solid"/>
-            <a:miter lim="800000"/>
-            <a:headEnd type="none" w="sm" len="sm"/>
-            <a:tailEnd type="triangle" w="med" len="med"/>
-          </a:ln>
-        </p:spPr>
-      </p:cxnSp>
-      <p:cxnSp>
-        <p:nvCxnSpPr>
-          <p:cNvPr id="248" name="Google Shape;248;p4"/>
-          <p:cNvCxnSpPr/>
-          <p:nvPr/>
-        </p:nvCxnSpPr>
-        <p:spPr>
-          <a:xfrm flipH="1">
-            <a:off x="1665316" y="1073805"/>
-            <a:ext cx="531542" cy="420147"/>
-          </a:xfrm>
-          <a:prstGeom prst="straightConnector1">
-            <a:avLst/>
-          </a:prstGeom>
-          <a:noFill/>
-          <a:ln w="9525" cap="flat" cmpd="sng">
-            <a:solidFill>
-              <a:srgbClr val="00B0F0"/>
-            </a:solidFill>
-            <a:prstDash val="solid"/>
-            <a:miter lim="800000"/>
-            <a:headEnd type="none" w="sm" len="sm"/>
-            <a:tailEnd type="triangle" w="med" len="med"/>
-          </a:ln>
-        </p:spPr>
-      </p:cxnSp>
-      <p:sp>
-        <p:nvSpPr>
-          <p:cNvPr id="249" name="Google Shape;249;p4"/>
-          <p:cNvSpPr/>
-          <p:nvPr/>
-        </p:nvSpPr>
-        <p:spPr>
-          <a:xfrm>
-            <a:off x="1599067" y="746633"/>
-            <a:ext cx="2076133" cy="344546"/>
-          </a:xfrm>
-          <a:prstGeom prst="ellipse">
-            <a:avLst/>
-          </a:prstGeom>
-          <a:noFill/>
-          <a:ln>
-            <a:noFill/>
-          </a:ln>
-        </p:spPr>
-        <p:txBody>
-          <a:bodyPr spcFirstLastPara="1" wrap="square" lIns="91425" tIns="45700" rIns="91425" bIns="45700" anchor="ctr" anchorCtr="0">
-            <a:noAutofit/>
-          </a:bodyPr>
-          <a:lstStyle/>
-          <a:p>
-            <a:pPr marL="0" marR="0" lvl="0" indent="0" algn="ctr" rtl="0">
-              <a:spcBef>
-                <a:spcPts val="0"/>
-              </a:spcBef>
-              <a:spcAft>
-                <a:spcPts val="0"/>
-              </a:spcAft>
-              <a:buNone/>
-            </a:pPr>
-            <a:r>
-              <a:rPr lang="en-US" sz="1600" b="0" i="0" u="none" strike="noStrike" cap="none">
-                <a:solidFill>
-                  <a:srgbClr val="00B0F0"/>
-                </a:solidFill>
-                <a:latin typeface="Calibri"/>
-                <a:ea typeface="Calibri"/>
-                <a:cs typeface="Calibri"/>
-                <a:sym typeface="Calibri"/>
-              </a:rPr>
-              <a:t>Left Bumper</a:t>
-            </a:r>
-            <a:endParaRPr/>
-          </a:p>
-        </p:txBody>
-      </p:sp>
-      <p:sp>
-        <p:nvSpPr>
-          <p:cNvPr id="2" name="Google Shape;250;p4">
-            <a:extLst>
-              <a:ext uri="{FF2B5EF4-FFF2-40B4-BE49-F238E27FC236}">
-                <a16:creationId xmlns:a16="http://schemas.microsoft.com/office/drawing/2014/main" id="{50421730-9507-7375-14A1-B9B54C507B4A}"/>
-              </a:ext>
-            </a:extLst>
-          </p:cNvPr>
-          <p:cNvSpPr txBox="1"/>
-          <p:nvPr/>
-        </p:nvSpPr>
-        <p:spPr>
-          <a:xfrm>
-            <a:off x="6386402" y="1127531"/>
-            <a:ext cx="5469476" cy="3216225"/>
-          </a:xfrm>
-          <a:prstGeom prst="rect">
-            <a:avLst/>
-          </a:prstGeom>
-          <a:noFill/>
-          <a:ln w="9525" cap="flat" cmpd="sng">
-            <a:solidFill>
-              <a:srgbClr val="00B0F0"/>
-            </a:solidFill>
-            <a:prstDash val="solid"/>
-            <a:round/>
-            <a:headEnd type="none" w="sm" len="sm"/>
-            <a:tailEnd type="none" w="sm" len="sm"/>
-          </a:ln>
-        </p:spPr>
-        <p:txBody>
-          <a:bodyPr spcFirstLastPara="1" wrap="square" lIns="91425" tIns="45700" rIns="91425" bIns="45700" anchor="t" anchorCtr="0">
-            <a:spAutoFit/>
-          </a:bodyPr>
-          <a:lstStyle/>
           <a:p>
             <a:pPr marL="342900" indent="-342900">
               <a:spcBef>
@@ -17226,14 +12272,89 @@
               <a:t>Left Trigger, Right Trigger &amp; B is to pickup from substation and drop in medium junction continuously</a:t>
             </a:r>
           </a:p>
+          <a:p>
+            <a:pPr marL="342900" indent="-342900">
+              <a:spcBef>
+                <a:spcPts val="600"/>
+              </a:spcBef>
+              <a:buClr>
+                <a:srgbClr val="00B0F0"/>
+              </a:buClr>
+              <a:buSzPts val="1600"/>
+              <a:buFont typeface="Calibri"/>
+              <a:buAutoNum type="arabicPeriod"/>
+            </a:pPr>
+            <a:r>
+              <a:rPr lang="en-US" dirty="0">
+                <a:solidFill>
+                  <a:srgbClr val="00B0F0"/>
+                </a:solidFill>
+                <a:latin typeface="Calibri"/>
+                <a:ea typeface="Calibri"/>
+                <a:cs typeface="Calibri"/>
+                <a:sym typeface="Calibri"/>
+              </a:rPr>
+              <a:t>Left Trigger, Right Trigger &amp; DPADUP is to increase the Tophat Speed</a:t>
+            </a:r>
+          </a:p>
+          <a:p>
+            <a:pPr marL="342900" indent="-342900">
+              <a:spcBef>
+                <a:spcPts val="600"/>
+              </a:spcBef>
+              <a:buClr>
+                <a:srgbClr val="00B0F0"/>
+              </a:buClr>
+              <a:buSzPts val="1600"/>
+              <a:buFont typeface="Calibri"/>
+              <a:buAutoNum type="arabicPeriod"/>
+            </a:pPr>
+            <a:r>
+              <a:rPr lang="en-US" dirty="0">
+                <a:solidFill>
+                  <a:srgbClr val="00B0F0"/>
+                </a:solidFill>
+                <a:latin typeface="Calibri"/>
+                <a:ea typeface="Calibri"/>
+                <a:cs typeface="Calibri"/>
+                <a:sym typeface="Calibri"/>
+              </a:rPr>
+              <a:t>Left Trigger, Right Trigger &amp; DPADDOWN is to decrease the Tophat Speed</a:t>
+            </a:r>
+          </a:p>
         </p:txBody>
       </p:sp>
+      <p:pic>
+        <p:nvPicPr>
+          <p:cNvPr id="2" name="Picture 1">
+            <a:extLst>
+              <a:ext uri="{FF2B5EF4-FFF2-40B4-BE49-F238E27FC236}">
+                <a16:creationId xmlns:a16="http://schemas.microsoft.com/office/drawing/2014/main" id="{BDA8C5E6-6FC4-E510-E94D-1410BF9AF1AA}"/>
+              </a:ext>
+            </a:extLst>
+          </p:cNvPr>
+          <p:cNvPicPr>
+            <a:picLocks noChangeAspect="1"/>
+          </p:cNvPicPr>
+          <p:nvPr/>
+        </p:nvPicPr>
+        <p:blipFill>
+          <a:blip r:embed="rId3"/>
+          <a:stretch>
+            <a:fillRect/>
+          </a:stretch>
+        </p:blipFill>
+        <p:spPr>
+          <a:xfrm>
+            <a:off x="337830" y="927344"/>
+            <a:ext cx="4995768" cy="3342997"/>
+          </a:xfrm>
+          <a:prstGeom prst="rect">
+            <a:avLst/>
+          </a:prstGeom>
+        </p:spPr>
+      </p:pic>
     </p:spTree>
-    <p:extLst>
-      <p:ext uri="{BB962C8B-B14F-4D97-AF65-F5344CB8AC3E}">
-        <p14:creationId xmlns:p14="http://schemas.microsoft.com/office/powerpoint/2010/main" val="1872088106"/>
-      </p:ext>
-    </p:extLst>
   </p:cSld>
   <p:clrMapOvr>
     <a:masterClrMapping/>

--- a/ProgrammingDocs/Gamepad_AT_2022_11302022.pptx
+++ b/ProgrammingDocs/Gamepad_AT_2022_11302022.pptx
@@ -247,7 +247,7 @@
       <p15:sldGuideLst xmlns:p15="http://schemas.microsoft.com/office/powerpoint/2012/main"/>
     </p:ext>
     <p:ext uri="http://customooxmlschemas.google.com/">
-      <go:slidesCustomData xmlns="" xmlns:mc="http://schemas.openxmlformats.org/markup-compatibility/2006" xmlns:mv="urn:schemas-microsoft-com:mac:vml" xmlns:c="http://schemas.openxmlformats.org/drawingml/2006/chart" xmlns:dgm="http://schemas.openxmlformats.org/drawingml/2006/diagram" xmlns:o="urn:schemas-microsoft-com:office:office" xmlns:v="urn:schemas-microsoft-com:vml" xmlns:pvml="urn:schemas-microsoft-com:office:powerpoint" xmlns:com="http://schemas.openxmlformats.org/drawingml/2006/compatibility" xmlns:p14="http://schemas.microsoft.com/office/powerpoint/2010/main" xmlns:p15="http://schemas.microsoft.com/office/powerpoint/2012/main" xmlns:ahyp="http://schemas.microsoft.com/office/drawing/2018/hyperlinkcolor" xmlns:go="http://customooxmlschemas.google.com/" r:id="rId9" roundtripDataSignature="AMtx7mg7/Uy38vozo7lv7lODiH/+yduhyA=="/>
+      <go:slidesCustomData xmlns:go="http://customooxmlschemas.google.com/" xmlns:ahyp="http://schemas.microsoft.com/office/drawing/2018/hyperlinkcolor" xmlns:p15="http://schemas.microsoft.com/office/powerpoint/2012/main" xmlns:p14="http://schemas.microsoft.com/office/powerpoint/2010/main" xmlns:com="http://schemas.openxmlformats.org/drawingml/2006/compatibility" xmlns:pvml="urn:schemas-microsoft-com:office:powerpoint" xmlns:v="urn:schemas-microsoft-com:vml" xmlns:o="urn:schemas-microsoft-com:office:office" xmlns:dgm="http://schemas.openxmlformats.org/drawingml/2006/diagram" xmlns:c="http://schemas.openxmlformats.org/drawingml/2006/chart" xmlns:mv="urn:schemas-microsoft-com:mac:vml" xmlns:mc="http://schemas.openxmlformats.org/markup-compatibility/2006" xmlns="" r:id="rId9" roundtripDataSignature="AMtx7mg7/Uy38vozo7lv7lODiH/+yduhyA=="/>
     </p:ext>
   </p:extLst>
 </p:presentation>
